--- a/Conc_elec/pres/Conception_Elec.pptx
+++ b/Conc_elec/pres/Conception_Elec.pptx
@@ -7,25 +7,34 @@
   <p:sldIdLst>
     <p:sldId id="256" r:id="rId2"/>
     <p:sldId id="257" r:id="rId3"/>
-    <p:sldId id="258" r:id="rId4"/>
-    <p:sldId id="259" r:id="rId5"/>
-    <p:sldId id="260" r:id="rId6"/>
-    <p:sldId id="261" r:id="rId7"/>
-    <p:sldId id="266" r:id="rId8"/>
-    <p:sldId id="267" r:id="rId9"/>
-    <p:sldId id="269" r:id="rId10"/>
-    <p:sldId id="262" r:id="rId11"/>
-    <p:sldId id="272" r:id="rId12"/>
-    <p:sldId id="273" r:id="rId13"/>
-    <p:sldId id="279" r:id="rId14"/>
-    <p:sldId id="268" r:id="rId15"/>
-    <p:sldId id="274" r:id="rId16"/>
-    <p:sldId id="270" r:id="rId17"/>
-    <p:sldId id="275" r:id="rId18"/>
-    <p:sldId id="276" r:id="rId19"/>
-    <p:sldId id="277" r:id="rId20"/>
-    <p:sldId id="278" r:id="rId21"/>
-    <p:sldId id="263" r:id="rId22"/>
+    <p:sldId id="280" r:id="rId4"/>
+    <p:sldId id="258" r:id="rId5"/>
+    <p:sldId id="259" r:id="rId6"/>
+    <p:sldId id="260" r:id="rId7"/>
+    <p:sldId id="261" r:id="rId8"/>
+    <p:sldId id="266" r:id="rId9"/>
+    <p:sldId id="267" r:id="rId10"/>
+    <p:sldId id="269" r:id="rId11"/>
+    <p:sldId id="262" r:id="rId12"/>
+    <p:sldId id="272" r:id="rId13"/>
+    <p:sldId id="273" r:id="rId14"/>
+    <p:sldId id="279" r:id="rId15"/>
+    <p:sldId id="268" r:id="rId16"/>
+    <p:sldId id="274" r:id="rId17"/>
+    <p:sldId id="270" r:id="rId18"/>
+    <p:sldId id="275" r:id="rId19"/>
+    <p:sldId id="276" r:id="rId20"/>
+    <p:sldId id="277" r:id="rId21"/>
+    <p:sldId id="278" r:id="rId22"/>
+    <p:sldId id="263" r:id="rId23"/>
+    <p:sldId id="281" r:id="rId24"/>
+    <p:sldId id="282" r:id="rId25"/>
+    <p:sldId id="283" r:id="rId26"/>
+    <p:sldId id="284" r:id="rId27"/>
+    <p:sldId id="285" r:id="rId28"/>
+    <p:sldId id="286" r:id="rId29"/>
+    <p:sldId id="287" r:id="rId30"/>
+    <p:sldId id="289" r:id="rId31"/>
   </p:sldIdLst>
   <p:sldSz cx="12192000" cy="6858000"/>
   <p:notesSz cx="6858000" cy="9144000"/>
@@ -189,7 +198,7 @@
           <a:noFill/>
           <a:extLst>
             <a:ext uri="{909E8E84-426E-40dd-AFC4-6F175D3DCCD1}">
-              <a14:hiddenFill xmlns:a14="http://schemas.microsoft.com/office/drawing/2010/main" xmlns="">
+              <a14:hiddenFill xmlns="" xmlns:a14="http://schemas.microsoft.com/office/drawing/2010/main">
                 <a:solidFill>
                   <a:srgbClr val="FFFFFF"/>
                 </a:solidFill>
@@ -248,7 +257,7 @@
             </a:ln>
             <a:extLst>
               <a:ext uri="{91240B29-F687-4f45-9708-019B960494DF}">
-                <a14:hiddenLine xmlns:a14="http://schemas.microsoft.com/office/drawing/2010/main" xmlns="" w="9525">
+                <a14:hiddenLine xmlns="" xmlns:a14="http://schemas.microsoft.com/office/drawing/2010/main" w="9525">
                   <a:solidFill>
                     <a:srgbClr val="000000"/>
                   </a:solidFill>
@@ -338,7 +347,7 @@
             </a:ln>
             <a:extLst>
               <a:ext uri="{91240B29-F687-4f45-9708-019B960494DF}">
-                <a14:hiddenLine xmlns:a14="http://schemas.microsoft.com/office/drawing/2010/main" xmlns="" w="9525">
+                <a14:hiddenLine xmlns="" xmlns:a14="http://schemas.microsoft.com/office/drawing/2010/main" w="9525">
                   <a:solidFill>
                     <a:srgbClr val="000000"/>
                   </a:solidFill>
@@ -428,7 +437,7 @@
             </a:ln>
             <a:extLst>
               <a:ext uri="{91240B29-F687-4f45-9708-019B960494DF}">
-                <a14:hiddenLine xmlns:a14="http://schemas.microsoft.com/office/drawing/2010/main" xmlns="" w="9525">
+                <a14:hiddenLine xmlns="" xmlns:a14="http://schemas.microsoft.com/office/drawing/2010/main" w="9525">
                   <a:solidFill>
                     <a:srgbClr val="000000"/>
                   </a:solidFill>
@@ -462,7 +471,7 @@
             </a:ln>
             <a:extLst>
               <a:ext uri="{91240B29-F687-4f45-9708-019B960494DF}">
-                <a14:hiddenLine xmlns:a14="http://schemas.microsoft.com/office/drawing/2010/main" xmlns="" w="9525">
+                <a14:hiddenLine xmlns="" xmlns:a14="http://schemas.microsoft.com/office/drawing/2010/main" w="9525">
                   <a:solidFill>
                     <a:srgbClr val="000000"/>
                   </a:solidFill>
@@ -552,7 +561,7 @@
             </a:ln>
             <a:extLst>
               <a:ext uri="{91240B29-F687-4f45-9708-019B960494DF}">
-                <a14:hiddenLine xmlns:a14="http://schemas.microsoft.com/office/drawing/2010/main" xmlns="" w="9525">
+                <a14:hiddenLine xmlns="" xmlns:a14="http://schemas.microsoft.com/office/drawing/2010/main" w="9525">
                   <a:solidFill>
                     <a:srgbClr val="000000"/>
                   </a:solidFill>
@@ -614,7 +623,7 @@
             </a:ln>
             <a:extLst>
               <a:ext uri="{91240B29-F687-4f45-9708-019B960494DF}">
-                <a14:hiddenLine xmlns:a14="http://schemas.microsoft.com/office/drawing/2010/main" xmlns="" w="9525">
+                <a14:hiddenLine xmlns="" xmlns:a14="http://schemas.microsoft.com/office/drawing/2010/main" w="9525">
                   <a:solidFill>
                     <a:srgbClr val="000000"/>
                   </a:solidFill>
@@ -676,7 +685,7 @@
             </a:ln>
             <a:extLst>
               <a:ext uri="{91240B29-F687-4f45-9708-019B960494DF}">
-                <a14:hiddenLine xmlns:a14="http://schemas.microsoft.com/office/drawing/2010/main" xmlns="" w="9525">
+                <a14:hiddenLine xmlns="" xmlns:a14="http://schemas.microsoft.com/office/drawing/2010/main" w="9525">
                   <a:solidFill>
                     <a:srgbClr val="000000"/>
                   </a:solidFill>
@@ -766,7 +775,7 @@
             </a:ln>
             <a:extLst>
               <a:ext uri="{91240B29-F687-4f45-9708-019B960494DF}">
-                <a14:hiddenLine xmlns:a14="http://schemas.microsoft.com/office/drawing/2010/main" xmlns="" w="9525">
+                <a14:hiddenLine xmlns="" xmlns:a14="http://schemas.microsoft.com/office/drawing/2010/main" w="9525">
                   <a:solidFill>
                     <a:srgbClr val="000000"/>
                   </a:solidFill>
@@ -828,7 +837,7 @@
             </a:ln>
             <a:extLst>
               <a:ext uri="{91240B29-F687-4f45-9708-019B960494DF}">
-                <a14:hiddenLine xmlns:a14="http://schemas.microsoft.com/office/drawing/2010/main" xmlns="" w="9525">
+                <a14:hiddenLine xmlns="" xmlns:a14="http://schemas.microsoft.com/office/drawing/2010/main" w="9525">
                   <a:solidFill>
                     <a:srgbClr val="000000"/>
                   </a:solidFill>
@@ -890,7 +899,7 @@
             </a:ln>
             <a:extLst>
               <a:ext uri="{91240B29-F687-4f45-9708-019B960494DF}">
-                <a14:hiddenLine xmlns:a14="http://schemas.microsoft.com/office/drawing/2010/main" xmlns="" w="9525">
+                <a14:hiddenLine xmlns="" xmlns:a14="http://schemas.microsoft.com/office/drawing/2010/main" w="9525">
                   <a:solidFill>
                     <a:srgbClr val="000000"/>
                   </a:solidFill>
@@ -980,7 +989,7 @@
             </a:ln>
             <a:extLst>
               <a:ext uri="{91240B29-F687-4f45-9708-019B960494DF}">
-                <a14:hiddenLine xmlns:a14="http://schemas.microsoft.com/office/drawing/2010/main" xmlns="" w="9525">
+                <a14:hiddenLine xmlns="" xmlns:a14="http://schemas.microsoft.com/office/drawing/2010/main" w="9525">
                   <a:solidFill>
                     <a:srgbClr val="000000"/>
                   </a:solidFill>
@@ -1070,7 +1079,7 @@
             </a:ln>
             <a:extLst>
               <a:ext uri="{91240B29-F687-4f45-9708-019B960494DF}">
-                <a14:hiddenLine xmlns:a14="http://schemas.microsoft.com/office/drawing/2010/main" xmlns="" w="9525">
+                <a14:hiddenLine xmlns="" xmlns:a14="http://schemas.microsoft.com/office/drawing/2010/main" w="9525">
                   <a:solidFill>
                     <a:srgbClr val="000000"/>
                   </a:solidFill>
@@ -1132,7 +1141,7 @@
             </a:ln>
             <a:extLst>
               <a:ext uri="{91240B29-F687-4f45-9708-019B960494DF}">
-                <a14:hiddenLine xmlns:a14="http://schemas.microsoft.com/office/drawing/2010/main" xmlns="" w="9525">
+                <a14:hiddenLine xmlns="" xmlns:a14="http://schemas.microsoft.com/office/drawing/2010/main" w="9525">
                   <a:solidFill>
                     <a:srgbClr val="000000"/>
                   </a:solidFill>
@@ -1242,7 +1251,7 @@
             </a:ln>
             <a:extLst>
               <a:ext uri="{91240B29-F687-4f45-9708-019B960494DF}">
-                <a14:hiddenLine xmlns:a14="http://schemas.microsoft.com/office/drawing/2010/main" xmlns="" w="9525">
+                <a14:hiddenLine xmlns="" xmlns:a14="http://schemas.microsoft.com/office/drawing/2010/main" w="9525">
                   <a:solidFill>
                     <a:srgbClr val="000000"/>
                   </a:solidFill>
@@ -1304,7 +1313,7 @@
             </a:ln>
             <a:extLst>
               <a:ext uri="{91240B29-F687-4f45-9708-019B960494DF}">
-                <a14:hiddenLine xmlns:a14="http://schemas.microsoft.com/office/drawing/2010/main" xmlns="" w="9525">
+                <a14:hiddenLine xmlns="" xmlns:a14="http://schemas.microsoft.com/office/drawing/2010/main" w="9525">
                   <a:solidFill>
                     <a:srgbClr val="000000"/>
                   </a:solidFill>
@@ -1394,7 +1403,7 @@
             </a:ln>
             <a:extLst>
               <a:ext uri="{91240B29-F687-4f45-9708-019B960494DF}">
-                <a14:hiddenLine xmlns:a14="http://schemas.microsoft.com/office/drawing/2010/main" xmlns="" w="9525">
+                <a14:hiddenLine xmlns="" xmlns:a14="http://schemas.microsoft.com/office/drawing/2010/main" w="9525">
                   <a:solidFill>
                     <a:srgbClr val="000000"/>
                   </a:solidFill>
@@ -1484,7 +1493,7 @@
             </a:ln>
             <a:extLst>
               <a:ext uri="{91240B29-F687-4f45-9708-019B960494DF}">
-                <a14:hiddenLine xmlns:a14="http://schemas.microsoft.com/office/drawing/2010/main" xmlns="" w="9525">
+                <a14:hiddenLine xmlns="" xmlns:a14="http://schemas.microsoft.com/office/drawing/2010/main" w="9525">
                   <a:solidFill>
                     <a:srgbClr val="000000"/>
                   </a:solidFill>
@@ -1546,7 +1555,7 @@
             </a:ln>
             <a:extLst>
               <a:ext uri="{91240B29-F687-4f45-9708-019B960494DF}">
-                <a14:hiddenLine xmlns:a14="http://schemas.microsoft.com/office/drawing/2010/main" xmlns="" w="9525">
+                <a14:hiddenLine xmlns="" xmlns:a14="http://schemas.microsoft.com/office/drawing/2010/main" w="9525">
                   <a:solidFill>
                     <a:srgbClr val="000000"/>
                   </a:solidFill>
@@ -1636,7 +1645,7 @@
             </a:ln>
             <a:extLst>
               <a:ext uri="{91240B29-F687-4f45-9708-019B960494DF}">
-                <a14:hiddenLine xmlns:a14="http://schemas.microsoft.com/office/drawing/2010/main" xmlns="" w="9525">
+                <a14:hiddenLine xmlns="" xmlns:a14="http://schemas.microsoft.com/office/drawing/2010/main" w="9525">
                   <a:solidFill>
                     <a:srgbClr val="000000"/>
                   </a:solidFill>
@@ -1726,7 +1735,7 @@
             </a:ln>
             <a:extLst>
               <a:ext uri="{91240B29-F687-4f45-9708-019B960494DF}">
-                <a14:hiddenLine xmlns:a14="http://schemas.microsoft.com/office/drawing/2010/main" xmlns="" w="9525">
+                <a14:hiddenLine xmlns="" xmlns:a14="http://schemas.microsoft.com/office/drawing/2010/main" w="9525">
                   <a:solidFill>
                     <a:srgbClr val="000000"/>
                   </a:solidFill>
@@ -1782,7 +1791,7 @@
             </a:ln>
             <a:extLst>
               <a:ext uri="{91240B29-F687-4f45-9708-019B960494DF}">
-                <a14:hiddenLine xmlns:a14="http://schemas.microsoft.com/office/drawing/2010/main" xmlns="" w="9525">
+                <a14:hiddenLine xmlns="" xmlns:a14="http://schemas.microsoft.com/office/drawing/2010/main" w="9525">
                   <a:solidFill>
                     <a:srgbClr val="000000"/>
                   </a:solidFill>
@@ -1872,7 +1881,7 @@
             </a:ln>
             <a:extLst>
               <a:ext uri="{91240B29-F687-4f45-9708-019B960494DF}">
-                <a14:hiddenLine xmlns:a14="http://schemas.microsoft.com/office/drawing/2010/main" xmlns="" w="9525">
+                <a14:hiddenLine xmlns="" xmlns:a14="http://schemas.microsoft.com/office/drawing/2010/main" w="9525">
                   <a:solidFill>
                     <a:srgbClr val="000000"/>
                   </a:solidFill>
@@ -1928,7 +1937,7 @@
             </a:ln>
             <a:extLst>
               <a:ext uri="{91240B29-F687-4f45-9708-019B960494DF}">
-                <a14:hiddenLine xmlns:a14="http://schemas.microsoft.com/office/drawing/2010/main" xmlns="" w="9525">
+                <a14:hiddenLine xmlns="" xmlns:a14="http://schemas.microsoft.com/office/drawing/2010/main" w="9525">
                   <a:solidFill>
                     <a:srgbClr val="000000"/>
                   </a:solidFill>
@@ -2018,7 +2027,7 @@
             </a:ln>
             <a:extLst>
               <a:ext uri="{91240B29-F687-4f45-9708-019B960494DF}">
-                <a14:hiddenLine xmlns:a14="http://schemas.microsoft.com/office/drawing/2010/main" xmlns="" w="9525">
+                <a14:hiddenLine xmlns="" xmlns:a14="http://schemas.microsoft.com/office/drawing/2010/main" w="9525">
                   <a:solidFill>
                     <a:srgbClr val="000000"/>
                   </a:solidFill>
@@ -2086,7 +2095,7 @@
             </a:ln>
             <a:extLst>
               <a:ext uri="{91240B29-F687-4f45-9708-019B960494DF}">
-                <a14:hiddenLine xmlns:a14="http://schemas.microsoft.com/office/drawing/2010/main" xmlns="" w="9525">
+                <a14:hiddenLine xmlns="" xmlns:a14="http://schemas.microsoft.com/office/drawing/2010/main" w="9525">
                   <a:solidFill>
                     <a:srgbClr val="000000"/>
                   </a:solidFill>
@@ -2176,7 +2185,7 @@
             </a:ln>
             <a:extLst>
               <a:ext uri="{91240B29-F687-4f45-9708-019B960494DF}">
-                <a14:hiddenLine xmlns:a14="http://schemas.microsoft.com/office/drawing/2010/main" xmlns="" w="9525">
+                <a14:hiddenLine xmlns="" xmlns:a14="http://schemas.microsoft.com/office/drawing/2010/main" w="9525">
                   <a:solidFill>
                     <a:srgbClr val="000000"/>
                   </a:solidFill>
@@ -2244,7 +2253,7 @@
             </a:ln>
             <a:extLst>
               <a:ext uri="{91240B29-F687-4f45-9708-019B960494DF}">
-                <a14:hiddenLine xmlns:a14="http://schemas.microsoft.com/office/drawing/2010/main" xmlns="" w="9525">
+                <a14:hiddenLine xmlns="" xmlns:a14="http://schemas.microsoft.com/office/drawing/2010/main" w="9525">
                   <a:solidFill>
                     <a:srgbClr val="000000"/>
                   </a:solidFill>
@@ -2334,7 +2343,7 @@
             </a:ln>
             <a:extLst>
               <a:ext uri="{91240B29-F687-4f45-9708-019B960494DF}">
-                <a14:hiddenLine xmlns:a14="http://schemas.microsoft.com/office/drawing/2010/main" xmlns="" w="9525">
+                <a14:hiddenLine xmlns="" xmlns:a14="http://schemas.microsoft.com/office/drawing/2010/main" w="9525">
                   <a:solidFill>
                     <a:srgbClr val="000000"/>
                   </a:solidFill>
@@ -2368,7 +2377,7 @@
             </a:ln>
             <a:extLst>
               <a:ext uri="{91240B29-F687-4f45-9708-019B960494DF}">
-                <a14:hiddenLine xmlns:a14="http://schemas.microsoft.com/office/drawing/2010/main" xmlns="" w="9525">
+                <a14:hiddenLine xmlns="" xmlns:a14="http://schemas.microsoft.com/office/drawing/2010/main" w="9525">
                   <a:solidFill>
                     <a:srgbClr val="000000"/>
                   </a:solidFill>
@@ -2458,7 +2467,7 @@
             </a:ln>
             <a:extLst>
               <a:ext uri="{91240B29-F687-4f45-9708-019B960494DF}">
-                <a14:hiddenLine xmlns:a14="http://schemas.microsoft.com/office/drawing/2010/main" xmlns="" w="9525">
+                <a14:hiddenLine xmlns="" xmlns:a14="http://schemas.microsoft.com/office/drawing/2010/main" w="9525">
                   <a:solidFill>
                     <a:srgbClr val="000000"/>
                   </a:solidFill>
@@ -2520,7 +2529,7 @@
             </a:ln>
             <a:extLst>
               <a:ext uri="{91240B29-F687-4f45-9708-019B960494DF}">
-                <a14:hiddenLine xmlns:a14="http://schemas.microsoft.com/office/drawing/2010/main" xmlns="" w="9525">
+                <a14:hiddenLine xmlns="" xmlns:a14="http://schemas.microsoft.com/office/drawing/2010/main" w="9525">
                   <a:solidFill>
                     <a:srgbClr val="000000"/>
                   </a:solidFill>
@@ -2582,7 +2591,7 @@
             </a:ln>
             <a:extLst>
               <a:ext uri="{91240B29-F687-4f45-9708-019B960494DF}">
-                <a14:hiddenLine xmlns:a14="http://schemas.microsoft.com/office/drawing/2010/main" xmlns="" w="9525">
+                <a14:hiddenLine xmlns="" xmlns:a14="http://schemas.microsoft.com/office/drawing/2010/main" w="9525">
                   <a:solidFill>
                     <a:srgbClr val="000000"/>
                   </a:solidFill>
@@ -2672,7 +2681,7 @@
             </a:ln>
             <a:extLst>
               <a:ext uri="{91240B29-F687-4f45-9708-019B960494DF}">
-                <a14:hiddenLine xmlns:a14="http://schemas.microsoft.com/office/drawing/2010/main" xmlns="" w="9525">
+                <a14:hiddenLine xmlns="" xmlns:a14="http://schemas.microsoft.com/office/drawing/2010/main" w="9525">
                   <a:solidFill>
                     <a:srgbClr val="000000"/>
                   </a:solidFill>
@@ -2740,7 +2749,7 @@
             </a:ln>
             <a:extLst>
               <a:ext uri="{91240B29-F687-4f45-9708-019B960494DF}">
-                <a14:hiddenLine xmlns:a14="http://schemas.microsoft.com/office/drawing/2010/main" xmlns="" w="9525">
+                <a14:hiddenLine xmlns="" xmlns:a14="http://schemas.microsoft.com/office/drawing/2010/main" w="9525">
                   <a:solidFill>
                     <a:srgbClr val="000000"/>
                   </a:solidFill>
@@ -2802,7 +2811,7 @@
             </a:ln>
             <a:extLst>
               <a:ext uri="{91240B29-F687-4f45-9708-019B960494DF}">
-                <a14:hiddenLine xmlns:a14="http://schemas.microsoft.com/office/drawing/2010/main" xmlns="" w="9525">
+                <a14:hiddenLine xmlns="" xmlns:a14="http://schemas.microsoft.com/office/drawing/2010/main" w="9525">
                   <a:solidFill>
                     <a:srgbClr val="000000"/>
                   </a:solidFill>
@@ -2892,7 +2901,7 @@
             </a:ln>
             <a:extLst>
               <a:ext uri="{91240B29-F687-4f45-9708-019B960494DF}">
-                <a14:hiddenLine xmlns:a14="http://schemas.microsoft.com/office/drawing/2010/main" xmlns="" w="9525">
+                <a14:hiddenLine xmlns="" xmlns:a14="http://schemas.microsoft.com/office/drawing/2010/main" w="9525">
                   <a:solidFill>
                     <a:srgbClr val="000000"/>
                   </a:solidFill>
@@ -2954,7 +2963,7 @@
             </a:ln>
             <a:extLst>
               <a:ext uri="{91240B29-F687-4f45-9708-019B960494DF}">
-                <a14:hiddenLine xmlns:a14="http://schemas.microsoft.com/office/drawing/2010/main" xmlns="" w="9525">
+                <a14:hiddenLine xmlns="" xmlns:a14="http://schemas.microsoft.com/office/drawing/2010/main" w="9525">
                   <a:solidFill>
                     <a:srgbClr val="000000"/>
                   </a:solidFill>
@@ -3044,7 +3053,7 @@
             </a:ln>
             <a:extLst>
               <a:ext uri="{91240B29-F687-4f45-9708-019B960494DF}">
-                <a14:hiddenLine xmlns:a14="http://schemas.microsoft.com/office/drawing/2010/main" xmlns="" w="9525">
+                <a14:hiddenLine xmlns="" xmlns:a14="http://schemas.microsoft.com/office/drawing/2010/main" w="9525">
                   <a:solidFill>
                     <a:srgbClr val="000000"/>
                   </a:solidFill>
@@ -3106,7 +3115,7 @@
             </a:ln>
             <a:extLst>
               <a:ext uri="{91240B29-F687-4f45-9708-019B960494DF}">
-                <a14:hiddenLine xmlns:a14="http://schemas.microsoft.com/office/drawing/2010/main" xmlns="" w="9525">
+                <a14:hiddenLine xmlns="" xmlns:a14="http://schemas.microsoft.com/office/drawing/2010/main" w="9525">
                   <a:solidFill>
                     <a:srgbClr val="000000"/>
                   </a:solidFill>
@@ -3196,7 +3205,7 @@
             </a:ln>
             <a:extLst>
               <a:ext uri="{91240B29-F687-4f45-9708-019B960494DF}">
-                <a14:hiddenLine xmlns:a14="http://schemas.microsoft.com/office/drawing/2010/main" xmlns="" w="9525">
+                <a14:hiddenLine xmlns="" xmlns:a14="http://schemas.microsoft.com/office/drawing/2010/main" w="9525">
                   <a:solidFill>
                     <a:srgbClr val="000000"/>
                   </a:solidFill>
@@ -3230,7 +3239,7 @@
             </a:ln>
             <a:extLst>
               <a:ext uri="{91240B29-F687-4f45-9708-019B960494DF}">
-                <a14:hiddenLine xmlns:a14="http://schemas.microsoft.com/office/drawing/2010/main" xmlns="" w="9525">
+                <a14:hiddenLine xmlns="" xmlns:a14="http://schemas.microsoft.com/office/drawing/2010/main" w="9525">
                   <a:solidFill>
                     <a:srgbClr val="000000"/>
                   </a:solidFill>
@@ -3295,7 +3304,7 @@
             </a:ln>
             <a:extLst>
               <a:ext uri="{91240B29-F687-4f45-9708-019B960494DF}">
-                <a14:hiddenLine xmlns:a14="http://schemas.microsoft.com/office/drawing/2010/main" xmlns="" w="9525">
+                <a14:hiddenLine xmlns="" xmlns:a14="http://schemas.microsoft.com/office/drawing/2010/main" w="9525">
                   <a:solidFill>
                     <a:srgbClr val="000000"/>
                   </a:solidFill>
@@ -3385,7 +3394,7 @@
             </a:ln>
             <a:extLst>
               <a:ext uri="{91240B29-F687-4f45-9708-019B960494DF}">
-                <a14:hiddenLine xmlns:a14="http://schemas.microsoft.com/office/drawing/2010/main" xmlns="" w="9525">
+                <a14:hiddenLine xmlns="" xmlns:a14="http://schemas.microsoft.com/office/drawing/2010/main" w="9525">
                   <a:solidFill>
                     <a:srgbClr val="000000"/>
                   </a:solidFill>
@@ -3447,7 +3456,7 @@
             </a:ln>
             <a:extLst>
               <a:ext uri="{91240B29-F687-4f45-9708-019B960494DF}">
-                <a14:hiddenLine xmlns:a14="http://schemas.microsoft.com/office/drawing/2010/main" xmlns="" w="9525">
+                <a14:hiddenLine xmlns="" xmlns:a14="http://schemas.microsoft.com/office/drawing/2010/main" w="9525">
                   <a:solidFill>
                     <a:srgbClr val="000000"/>
                   </a:solidFill>
@@ -3537,7 +3546,7 @@
             </a:ln>
             <a:extLst>
               <a:ext uri="{91240B29-F687-4f45-9708-019B960494DF}">
-                <a14:hiddenLine xmlns:a14="http://schemas.microsoft.com/office/drawing/2010/main" xmlns="" w="9525">
+                <a14:hiddenLine xmlns="" xmlns:a14="http://schemas.microsoft.com/office/drawing/2010/main" w="9525">
                   <a:solidFill>
                     <a:srgbClr val="000000"/>
                   </a:solidFill>
@@ -3627,7 +3636,7 @@
             </a:ln>
             <a:extLst>
               <a:ext uri="{91240B29-F687-4f45-9708-019B960494DF}">
-                <a14:hiddenLine xmlns:a14="http://schemas.microsoft.com/office/drawing/2010/main" xmlns="" w="9525">
+                <a14:hiddenLine xmlns="" xmlns:a14="http://schemas.microsoft.com/office/drawing/2010/main" w="9525">
                   <a:solidFill>
                     <a:srgbClr val="000000"/>
                   </a:solidFill>
@@ -3692,7 +3701,7 @@
             </a:ln>
             <a:extLst>
               <a:ext uri="{91240B29-F687-4f45-9708-019B960494DF}">
-                <a14:hiddenLine xmlns:a14="http://schemas.microsoft.com/office/drawing/2010/main" xmlns="" w="9525">
+                <a14:hiddenLine xmlns="" xmlns:a14="http://schemas.microsoft.com/office/drawing/2010/main" w="9525">
                   <a:solidFill>
                     <a:srgbClr val="000000"/>
                   </a:solidFill>
@@ -3754,7 +3763,7 @@
             </a:ln>
             <a:extLst>
               <a:ext uri="{91240B29-F687-4f45-9708-019B960494DF}">
-                <a14:hiddenLine xmlns:a14="http://schemas.microsoft.com/office/drawing/2010/main" xmlns="" w="9525">
+                <a14:hiddenLine xmlns="" xmlns:a14="http://schemas.microsoft.com/office/drawing/2010/main" w="9525">
                   <a:solidFill>
                     <a:srgbClr val="000000"/>
                   </a:solidFill>
@@ -3844,7 +3853,7 @@
             </a:ln>
             <a:extLst>
               <a:ext uri="{91240B29-F687-4f45-9708-019B960494DF}">
-                <a14:hiddenLine xmlns:a14="http://schemas.microsoft.com/office/drawing/2010/main" xmlns="" w="9525">
+                <a14:hiddenLine xmlns="" xmlns:a14="http://schemas.microsoft.com/office/drawing/2010/main" w="9525">
                   <a:solidFill>
                     <a:srgbClr val="000000"/>
                   </a:solidFill>
@@ -3934,7 +3943,7 @@
             </a:ln>
             <a:extLst>
               <a:ext uri="{91240B29-F687-4f45-9708-019B960494DF}">
-                <a14:hiddenLine xmlns:a14="http://schemas.microsoft.com/office/drawing/2010/main" xmlns="" w="9525">
+                <a14:hiddenLine xmlns="" xmlns:a14="http://schemas.microsoft.com/office/drawing/2010/main" w="9525">
                   <a:solidFill>
                     <a:srgbClr val="000000"/>
                   </a:solidFill>
@@ -3996,7 +4005,7 @@
             </a:ln>
             <a:extLst>
               <a:ext uri="{91240B29-F687-4f45-9708-019B960494DF}">
-                <a14:hiddenLine xmlns:a14="http://schemas.microsoft.com/office/drawing/2010/main" xmlns="" w="9525">
+                <a14:hiddenLine xmlns="" xmlns:a14="http://schemas.microsoft.com/office/drawing/2010/main" w="9525">
                   <a:solidFill>
                     <a:srgbClr val="000000"/>
                   </a:solidFill>
@@ -4116,7 +4125,7 @@
             </a:ln>
             <a:extLst>
               <a:ext uri="{91240B29-F687-4f45-9708-019B960494DF}">
-                <a14:hiddenLine xmlns:a14="http://schemas.microsoft.com/office/drawing/2010/main" xmlns="" w="9525">
+                <a14:hiddenLine xmlns="" xmlns:a14="http://schemas.microsoft.com/office/drawing/2010/main" w="9525">
                   <a:solidFill>
                     <a:srgbClr val="000000"/>
                   </a:solidFill>
@@ -4184,7 +4193,7 @@
             </a:ln>
             <a:extLst>
               <a:ext uri="{91240B29-F687-4f45-9708-019B960494DF}">
-                <a14:hiddenLine xmlns:a14="http://schemas.microsoft.com/office/drawing/2010/main" xmlns="" w="9525">
+                <a14:hiddenLine xmlns="" xmlns:a14="http://schemas.microsoft.com/office/drawing/2010/main" w="9525">
                   <a:solidFill>
                     <a:srgbClr val="000000"/>
                   </a:solidFill>
@@ -4274,7 +4283,7 @@
             </a:ln>
             <a:extLst>
               <a:ext uri="{91240B29-F687-4f45-9708-019B960494DF}">
-                <a14:hiddenLine xmlns:a14="http://schemas.microsoft.com/office/drawing/2010/main" xmlns="" w="9525">
+                <a14:hiddenLine xmlns="" xmlns:a14="http://schemas.microsoft.com/office/drawing/2010/main" w="9525">
                   <a:solidFill>
                     <a:srgbClr val="000000"/>
                   </a:solidFill>
@@ -9088,7 +9097,7 @@
           <a:noFill/>
           <a:extLst>
             <a:ext uri="{909E8E84-426E-40dd-AFC4-6F175D3DCCD1}">
-              <a14:hiddenFill xmlns:a14="http://schemas.microsoft.com/office/drawing/2010/main" xmlns="">
+              <a14:hiddenFill xmlns="" xmlns:a14="http://schemas.microsoft.com/office/drawing/2010/main">
                 <a:solidFill>
                   <a:srgbClr val="FFFFFF"/>
                 </a:solidFill>
@@ -9162,7 +9171,7 @@
               </a:ln>
               <a:extLst>
                 <a:ext uri="{91240B29-F687-4f45-9708-019B960494DF}">
-                  <a14:hiddenLine xmlns:a14="http://schemas.microsoft.com/office/drawing/2010/main" xmlns="" w="9525">
+                  <a14:hiddenLine xmlns="" xmlns:a14="http://schemas.microsoft.com/office/drawing/2010/main" w="9525">
                     <a:solidFill>
                       <a:srgbClr val="000000"/>
                     </a:solidFill>
@@ -9252,7 +9261,7 @@
               </a:ln>
               <a:extLst>
                 <a:ext uri="{91240B29-F687-4f45-9708-019B960494DF}">
-                  <a14:hiddenLine xmlns:a14="http://schemas.microsoft.com/office/drawing/2010/main" xmlns="" w="9525">
+                  <a14:hiddenLine xmlns="" xmlns:a14="http://schemas.microsoft.com/office/drawing/2010/main" w="9525">
                     <a:solidFill>
                       <a:srgbClr val="000000"/>
                     </a:solidFill>
@@ -9342,7 +9351,7 @@
               </a:ln>
               <a:extLst>
                 <a:ext uri="{91240B29-F687-4f45-9708-019B960494DF}">
-                  <a14:hiddenLine xmlns:a14="http://schemas.microsoft.com/office/drawing/2010/main" xmlns="" w="9525">
+                  <a14:hiddenLine xmlns="" xmlns:a14="http://schemas.microsoft.com/office/drawing/2010/main" w="9525">
                     <a:solidFill>
                       <a:srgbClr val="000000"/>
                     </a:solidFill>
@@ -9404,7 +9413,7 @@
               </a:ln>
               <a:extLst>
                 <a:ext uri="{91240B29-F687-4f45-9708-019B960494DF}">
-                  <a14:hiddenLine xmlns:a14="http://schemas.microsoft.com/office/drawing/2010/main" xmlns="" w="9525">
+                  <a14:hiddenLine xmlns="" xmlns:a14="http://schemas.microsoft.com/office/drawing/2010/main" w="9525">
                     <a:solidFill>
                       <a:srgbClr val="000000"/>
                     </a:solidFill>
@@ -9494,7 +9503,7 @@
               </a:ln>
               <a:extLst>
                 <a:ext uri="{91240B29-F687-4f45-9708-019B960494DF}">
-                  <a14:hiddenLine xmlns:a14="http://schemas.microsoft.com/office/drawing/2010/main" xmlns="" w="9525">
+                  <a14:hiddenLine xmlns="" xmlns:a14="http://schemas.microsoft.com/office/drawing/2010/main" w="9525">
                     <a:solidFill>
                       <a:srgbClr val="000000"/>
                     </a:solidFill>
@@ -9556,7 +9565,7 @@
               </a:ln>
               <a:extLst>
                 <a:ext uri="{91240B29-F687-4f45-9708-019B960494DF}">
-                  <a14:hiddenLine xmlns:a14="http://schemas.microsoft.com/office/drawing/2010/main" xmlns="" w="9525">
+                  <a14:hiddenLine xmlns="" xmlns:a14="http://schemas.microsoft.com/office/drawing/2010/main" w="9525">
                     <a:solidFill>
                       <a:srgbClr val="000000"/>
                     </a:solidFill>
@@ -9618,7 +9627,7 @@
               </a:ln>
               <a:extLst>
                 <a:ext uri="{91240B29-F687-4f45-9708-019B960494DF}">
-                  <a14:hiddenLine xmlns:a14="http://schemas.microsoft.com/office/drawing/2010/main" xmlns="" w="9525">
+                  <a14:hiddenLine xmlns="" xmlns:a14="http://schemas.microsoft.com/office/drawing/2010/main" w="9525">
                     <a:solidFill>
                       <a:srgbClr val="000000"/>
                     </a:solidFill>
@@ -9708,7 +9717,7 @@
               </a:ln>
               <a:extLst>
                 <a:ext uri="{91240B29-F687-4f45-9708-019B960494DF}">
-                  <a14:hiddenLine xmlns:a14="http://schemas.microsoft.com/office/drawing/2010/main" xmlns="" w="9525">
+                  <a14:hiddenLine xmlns="" xmlns:a14="http://schemas.microsoft.com/office/drawing/2010/main" w="9525">
                     <a:solidFill>
                       <a:srgbClr val="000000"/>
                     </a:solidFill>
@@ -9798,7 +9807,7 @@
               </a:ln>
               <a:extLst>
                 <a:ext uri="{91240B29-F687-4f45-9708-019B960494DF}">
-                  <a14:hiddenLine xmlns:a14="http://schemas.microsoft.com/office/drawing/2010/main" xmlns="" w="9525">
+                  <a14:hiddenLine xmlns="" xmlns:a14="http://schemas.microsoft.com/office/drawing/2010/main" w="9525">
                     <a:solidFill>
                       <a:srgbClr val="000000"/>
                     </a:solidFill>
@@ -9860,7 +9869,7 @@
               </a:ln>
               <a:extLst>
                 <a:ext uri="{91240B29-F687-4f45-9708-019B960494DF}">
-                  <a14:hiddenLine xmlns:a14="http://schemas.microsoft.com/office/drawing/2010/main" xmlns="" w="9525">
+                  <a14:hiddenLine xmlns="" xmlns:a14="http://schemas.microsoft.com/office/drawing/2010/main" w="9525">
                     <a:solidFill>
                       <a:srgbClr val="000000"/>
                     </a:solidFill>
@@ -9970,7 +9979,7 @@
               </a:ln>
               <a:extLst>
                 <a:ext uri="{91240B29-F687-4f45-9708-019B960494DF}">
-                  <a14:hiddenLine xmlns:a14="http://schemas.microsoft.com/office/drawing/2010/main" xmlns="" w="9525">
+                  <a14:hiddenLine xmlns="" xmlns:a14="http://schemas.microsoft.com/office/drawing/2010/main" w="9525">
                     <a:solidFill>
                       <a:srgbClr val="000000"/>
                     </a:solidFill>
@@ -10054,7 +10063,7 @@
               </a:ln>
               <a:extLst>
                 <a:ext uri="{91240B29-F687-4f45-9708-019B960494DF}">
-                  <a14:hiddenLine xmlns:a14="http://schemas.microsoft.com/office/drawing/2010/main" xmlns="" w="9525">
+                  <a14:hiddenLine xmlns="" xmlns:a14="http://schemas.microsoft.com/office/drawing/2010/main" w="9525">
                     <a:solidFill>
                       <a:srgbClr val="000000"/>
                     </a:solidFill>
@@ -10116,7 +10125,7 @@
               </a:ln>
               <a:extLst>
                 <a:ext uri="{91240B29-F687-4f45-9708-019B960494DF}">
-                  <a14:hiddenLine xmlns:a14="http://schemas.microsoft.com/office/drawing/2010/main" xmlns="" w="9525">
+                  <a14:hiddenLine xmlns="" xmlns:a14="http://schemas.microsoft.com/office/drawing/2010/main" w="9525">
                     <a:solidFill>
                       <a:srgbClr val="000000"/>
                     </a:solidFill>
@@ -10178,7 +10187,7 @@
               </a:ln>
               <a:extLst>
                 <a:ext uri="{91240B29-F687-4f45-9708-019B960494DF}">
-                  <a14:hiddenLine xmlns:a14="http://schemas.microsoft.com/office/drawing/2010/main" xmlns="" w="9525">
+                  <a14:hiddenLine xmlns="" xmlns:a14="http://schemas.microsoft.com/office/drawing/2010/main" w="9525">
                     <a:solidFill>
                       <a:srgbClr val="000000"/>
                     </a:solidFill>
@@ -10268,7 +10277,7 @@
               </a:ln>
               <a:extLst>
                 <a:ext uri="{91240B29-F687-4f45-9708-019B960494DF}">
-                  <a14:hiddenLine xmlns:a14="http://schemas.microsoft.com/office/drawing/2010/main" xmlns="" w="9525">
+                  <a14:hiddenLine xmlns="" xmlns:a14="http://schemas.microsoft.com/office/drawing/2010/main" w="9525">
                     <a:solidFill>
                       <a:srgbClr val="000000"/>
                     </a:solidFill>
@@ -10302,7 +10311,7 @@
               </a:ln>
               <a:extLst>
                 <a:ext uri="{91240B29-F687-4f45-9708-019B960494DF}">
-                  <a14:hiddenLine xmlns:a14="http://schemas.microsoft.com/office/drawing/2010/main" xmlns="" w="9525">
+                  <a14:hiddenLine xmlns="" xmlns:a14="http://schemas.microsoft.com/office/drawing/2010/main" w="9525">
                     <a:solidFill>
                       <a:srgbClr val="000000"/>
                     </a:solidFill>
@@ -10367,7 +10376,7 @@
               </a:ln>
               <a:extLst>
                 <a:ext uri="{91240B29-F687-4f45-9708-019B960494DF}">
-                  <a14:hiddenLine xmlns:a14="http://schemas.microsoft.com/office/drawing/2010/main" xmlns="" w="9525">
+                  <a14:hiddenLine xmlns="" xmlns:a14="http://schemas.microsoft.com/office/drawing/2010/main" w="9525">
                     <a:solidFill>
                       <a:srgbClr val="000000"/>
                     </a:solidFill>
@@ -10457,7 +10466,7 @@
               </a:ln>
               <a:extLst>
                 <a:ext uri="{91240B29-F687-4f45-9708-019B960494DF}">
-                  <a14:hiddenLine xmlns:a14="http://schemas.microsoft.com/office/drawing/2010/main" xmlns="" w="9525">
+                  <a14:hiddenLine xmlns="" xmlns:a14="http://schemas.microsoft.com/office/drawing/2010/main" w="9525">
                     <a:solidFill>
                       <a:srgbClr val="000000"/>
                     </a:solidFill>
@@ -10519,7 +10528,7 @@
               </a:ln>
               <a:extLst>
                 <a:ext uri="{91240B29-F687-4f45-9708-019B960494DF}">
-                  <a14:hiddenLine xmlns:a14="http://schemas.microsoft.com/office/drawing/2010/main" xmlns="" w="9525">
+                  <a14:hiddenLine xmlns="" xmlns:a14="http://schemas.microsoft.com/office/drawing/2010/main" w="9525">
                     <a:solidFill>
                       <a:srgbClr val="000000"/>
                     </a:solidFill>
@@ -10609,7 +10618,7 @@
               </a:ln>
               <a:extLst>
                 <a:ext uri="{91240B29-F687-4f45-9708-019B960494DF}">
-                  <a14:hiddenLine xmlns:a14="http://schemas.microsoft.com/office/drawing/2010/main" xmlns="" w="9525">
+                  <a14:hiddenLine xmlns="" xmlns:a14="http://schemas.microsoft.com/office/drawing/2010/main" w="9525">
                     <a:solidFill>
                       <a:srgbClr val="000000"/>
                     </a:solidFill>
@@ -10674,7 +10683,7 @@
               </a:ln>
               <a:extLst>
                 <a:ext uri="{91240B29-F687-4f45-9708-019B960494DF}">
-                  <a14:hiddenLine xmlns:a14="http://schemas.microsoft.com/office/drawing/2010/main" xmlns="" w="9525">
+                  <a14:hiddenLine xmlns="" xmlns:a14="http://schemas.microsoft.com/office/drawing/2010/main" w="9525">
                     <a:solidFill>
                       <a:srgbClr val="000000"/>
                     </a:solidFill>
@@ -10736,7 +10745,7 @@
               </a:ln>
               <a:extLst>
                 <a:ext uri="{91240B29-F687-4f45-9708-019B960494DF}">
-                  <a14:hiddenLine xmlns:a14="http://schemas.microsoft.com/office/drawing/2010/main" xmlns="" w="9525">
+                  <a14:hiddenLine xmlns="" xmlns:a14="http://schemas.microsoft.com/office/drawing/2010/main" w="9525">
                     <a:solidFill>
                       <a:srgbClr val="000000"/>
                     </a:solidFill>
@@ -10826,7 +10835,7 @@
               </a:ln>
               <a:extLst>
                 <a:ext uri="{91240B29-F687-4f45-9708-019B960494DF}">
-                  <a14:hiddenLine xmlns:a14="http://schemas.microsoft.com/office/drawing/2010/main" xmlns="" w="9525">
+                  <a14:hiddenLine xmlns="" xmlns:a14="http://schemas.microsoft.com/office/drawing/2010/main" w="9525">
                     <a:solidFill>
                       <a:srgbClr val="000000"/>
                     </a:solidFill>
@@ -10916,7 +10925,7 @@
               </a:ln>
               <a:extLst>
                 <a:ext uri="{91240B29-F687-4f45-9708-019B960494DF}">
-                  <a14:hiddenLine xmlns:a14="http://schemas.microsoft.com/office/drawing/2010/main" xmlns="" w="9525">
+                  <a14:hiddenLine xmlns="" xmlns:a14="http://schemas.microsoft.com/office/drawing/2010/main" w="9525">
                     <a:solidFill>
                       <a:srgbClr val="000000"/>
                     </a:solidFill>
@@ -10981,7 +10990,7 @@
               </a:ln>
               <a:extLst>
                 <a:ext uri="{91240B29-F687-4f45-9708-019B960494DF}">
-                  <a14:hiddenLine xmlns:a14="http://schemas.microsoft.com/office/drawing/2010/main" xmlns="" w="9525">
+                  <a14:hiddenLine xmlns="" xmlns:a14="http://schemas.microsoft.com/office/drawing/2010/main" w="9525">
                     <a:solidFill>
                       <a:srgbClr val="000000"/>
                     </a:solidFill>
@@ -11101,7 +11110,7 @@
               </a:ln>
               <a:extLst>
                 <a:ext uri="{91240B29-F687-4f45-9708-019B960494DF}">
-                  <a14:hiddenLine xmlns:a14="http://schemas.microsoft.com/office/drawing/2010/main" xmlns="" w="9525">
+                  <a14:hiddenLine xmlns="" xmlns:a14="http://schemas.microsoft.com/office/drawing/2010/main" w="9525">
                     <a:solidFill>
                       <a:srgbClr val="000000"/>
                     </a:solidFill>
@@ -11182,7 +11191,7 @@
               </a:ln>
               <a:extLst>
                 <a:ext uri="{91240B29-F687-4f45-9708-019B960494DF}">
-                  <a14:hiddenLine xmlns:a14="http://schemas.microsoft.com/office/drawing/2010/main" xmlns="" w="9525">
+                  <a14:hiddenLine xmlns="" xmlns:a14="http://schemas.microsoft.com/office/drawing/2010/main" w="9525">
                     <a:solidFill>
                       <a:srgbClr val="000000"/>
                     </a:solidFill>
@@ -11297,7 +11306,7 @@
               </a:ln>
               <a:extLst>
                 <a:ext uri="{91240B29-F687-4f45-9708-019B960494DF}">
-                  <a14:hiddenLine xmlns:a14="http://schemas.microsoft.com/office/drawing/2010/main" xmlns="" w="9525">
+                  <a14:hiddenLine xmlns="" xmlns:a14="http://schemas.microsoft.com/office/drawing/2010/main" w="9525">
                     <a:solidFill>
                       <a:srgbClr val="000000"/>
                     </a:solidFill>
@@ -11387,7 +11396,7 @@
               </a:ln>
               <a:extLst>
                 <a:ext uri="{91240B29-F687-4f45-9708-019B960494DF}">
-                  <a14:hiddenLine xmlns:a14="http://schemas.microsoft.com/office/drawing/2010/main" xmlns="" w="9525">
+                  <a14:hiddenLine xmlns="" xmlns:a14="http://schemas.microsoft.com/office/drawing/2010/main" w="9525">
                     <a:solidFill>
                       <a:srgbClr val="000000"/>
                     </a:solidFill>
@@ -11452,7 +11461,7 @@
               </a:ln>
               <a:extLst>
                 <a:ext uri="{91240B29-F687-4f45-9708-019B960494DF}">
-                  <a14:hiddenLine xmlns:a14="http://schemas.microsoft.com/office/drawing/2010/main" xmlns="" w="9525">
+                  <a14:hiddenLine xmlns="" xmlns:a14="http://schemas.microsoft.com/office/drawing/2010/main" w="9525">
                     <a:solidFill>
                       <a:srgbClr val="000000"/>
                     </a:solidFill>
@@ -11542,7 +11551,7 @@
               </a:ln>
               <a:extLst>
                 <a:ext uri="{91240B29-F687-4f45-9708-019B960494DF}">
-                  <a14:hiddenLine xmlns:a14="http://schemas.microsoft.com/office/drawing/2010/main" xmlns="" w="9525">
+                  <a14:hiddenLine xmlns="" xmlns:a14="http://schemas.microsoft.com/office/drawing/2010/main" w="9525">
                     <a:solidFill>
                       <a:srgbClr val="000000"/>
                     </a:solidFill>
@@ -11610,7 +11619,7 @@
               </a:ln>
               <a:extLst>
                 <a:ext uri="{91240B29-F687-4f45-9708-019B960494DF}">
-                  <a14:hiddenLine xmlns:a14="http://schemas.microsoft.com/office/drawing/2010/main" xmlns="" w="9525">
+                  <a14:hiddenLine xmlns="" xmlns:a14="http://schemas.microsoft.com/office/drawing/2010/main" w="9525">
                     <a:solidFill>
                       <a:srgbClr val="000000"/>
                     </a:solidFill>
@@ -11700,7 +11709,7 @@
               </a:ln>
               <a:extLst>
                 <a:ext uri="{91240B29-F687-4f45-9708-019B960494DF}">
-                  <a14:hiddenLine xmlns:a14="http://schemas.microsoft.com/office/drawing/2010/main" xmlns="" w="9525">
+                  <a14:hiddenLine xmlns="" xmlns:a14="http://schemas.microsoft.com/office/drawing/2010/main" w="9525">
                     <a:solidFill>
                       <a:srgbClr val="000000"/>
                     </a:solidFill>
@@ -11768,7 +11777,7 @@
               </a:ln>
               <a:extLst>
                 <a:ext uri="{91240B29-F687-4f45-9708-019B960494DF}">
-                  <a14:hiddenLine xmlns:a14="http://schemas.microsoft.com/office/drawing/2010/main" xmlns="" w="9525">
+                  <a14:hiddenLine xmlns="" xmlns:a14="http://schemas.microsoft.com/office/drawing/2010/main" w="9525">
                     <a:solidFill>
                       <a:srgbClr val="000000"/>
                     </a:solidFill>
@@ -11858,7 +11867,7 @@
               </a:ln>
               <a:extLst>
                 <a:ext uri="{91240B29-F687-4f45-9708-019B960494DF}">
-                  <a14:hiddenLine xmlns:a14="http://schemas.microsoft.com/office/drawing/2010/main" xmlns="" w="9525">
+                  <a14:hiddenLine xmlns="" xmlns:a14="http://schemas.microsoft.com/office/drawing/2010/main" w="9525">
                     <a:solidFill>
                       <a:srgbClr val="000000"/>
                     </a:solidFill>
@@ -11892,7 +11901,7 @@
               </a:ln>
               <a:extLst>
                 <a:ext uri="{91240B29-F687-4f45-9708-019B960494DF}">
-                  <a14:hiddenLine xmlns:a14="http://schemas.microsoft.com/office/drawing/2010/main" xmlns="" w="9525">
+                  <a14:hiddenLine xmlns="" xmlns:a14="http://schemas.microsoft.com/office/drawing/2010/main" w="9525">
                     <a:solidFill>
                       <a:srgbClr val="000000"/>
                     </a:solidFill>
@@ -12486,7 +12495,7 @@
             </a:br>
             <a:r>
               <a:rPr lang="fr-FR" dirty="0"/>
-              <a:t>Conception Electronique</a:t>
+              <a:t>Conception Électronique</a:t>
             </a:r>
           </a:p>
         </p:txBody>
@@ -12571,6 +12580,187 @@
           <p:cNvPr id="2" name="Titel 1">
             <a:extLst>
               <a:ext uri="{FF2B5EF4-FFF2-40B4-BE49-F238E27FC236}">
+                <a16:creationId xmlns:a16="http://schemas.microsoft.com/office/drawing/2014/main" id="{9DF4C141-70F4-4A6C-B901-755AC4E394B8}"/>
+              </a:ext>
+            </a:extLst>
+          </p:cNvPr>
+          <p:cNvSpPr>
+            <a:spLocks noGrp="1"/>
+          </p:cNvSpPr>
+          <p:nvPr>
+            <p:ph type="title"/>
+          </p:nvPr>
+        </p:nvSpPr>
+        <p:spPr/>
+        <p:txBody>
+          <a:bodyPr/>
+          <a:lstStyle/>
+          <a:p>
+            <a:r>
+              <a:rPr lang="de-DE" dirty="0"/>
+              <a:t>Datasheet – NE555</a:t>
+            </a:r>
+            <a:endParaRPr lang="fr-FR" dirty="0"/>
+          </a:p>
+        </p:txBody>
+      </p:sp>
+      <p:sp>
+        <p:nvSpPr>
+          <p:cNvPr id="3" name="Inhaltsplatzhalter 2">
+            <a:extLst>
+              <a:ext uri="{FF2B5EF4-FFF2-40B4-BE49-F238E27FC236}">
+                <a16:creationId xmlns:a16="http://schemas.microsoft.com/office/drawing/2014/main" id="{16C80A9A-4481-4E83-A50E-7BE19CC978CE}"/>
+              </a:ext>
+            </a:extLst>
+          </p:cNvPr>
+          <p:cNvSpPr>
+            <a:spLocks noGrp="1"/>
+          </p:cNvSpPr>
+          <p:nvPr>
+            <p:ph sz="half" idx="1"/>
+          </p:nvPr>
+        </p:nvSpPr>
+        <p:spPr/>
+        <p:txBody>
+          <a:bodyPr/>
+          <a:lstStyle/>
+          <a:p>
+            <a:pPr>
+              <a:lnSpc>
+                <a:spcPct val="150000"/>
+              </a:lnSpc>
+            </a:pPr>
+            <a:r>
+              <a:rPr lang="fr-FR" dirty="0"/>
+              <a:t>Oscillateur bi/mono/</a:t>
+            </a:r>
+            <a:r>
+              <a:rPr lang="fr-FR" dirty="0" err="1"/>
+              <a:t>a-stable</a:t>
+            </a:r>
+            <a:endParaRPr lang="fr-FR" dirty="0"/>
+          </a:p>
+          <a:p>
+            <a:pPr>
+              <a:lnSpc>
+                <a:spcPct val="150000"/>
+              </a:lnSpc>
+            </a:pPr>
+            <a:r>
+              <a:rPr lang="fr-FR" dirty="0"/>
+              <a:t>A chercher:</a:t>
+            </a:r>
+          </a:p>
+          <a:p>
+            <a:pPr lvl="1">
+              <a:lnSpc>
+                <a:spcPct val="150000"/>
+              </a:lnSpc>
+            </a:pPr>
+            <a:r>
+              <a:rPr lang="fr-FR" dirty="0"/>
+              <a:t>Pin </a:t>
+            </a:r>
+            <a:r>
+              <a:rPr lang="fr-FR" dirty="0" err="1"/>
+              <a:t>map</a:t>
+            </a:r>
+            <a:endParaRPr lang="fr-FR" dirty="0"/>
+          </a:p>
+          <a:p>
+            <a:pPr lvl="1">
+              <a:lnSpc>
+                <a:spcPct val="150000"/>
+              </a:lnSpc>
+            </a:pPr>
+            <a:r>
+              <a:rPr lang="fr-FR" dirty="0"/>
+              <a:t>S. 7.3 Conditions d’utilisation</a:t>
+            </a:r>
+          </a:p>
+          <a:p>
+            <a:pPr lvl="1">
+              <a:lnSpc>
+                <a:spcPct val="150000"/>
+              </a:lnSpc>
+            </a:pPr>
+            <a:r>
+              <a:rPr lang="fr-FR" dirty="0"/>
+              <a:t>S. 8.3.2 Montage astable</a:t>
+            </a:r>
+          </a:p>
+        </p:txBody>
+      </p:sp>
+      <p:pic>
+        <p:nvPicPr>
+          <p:cNvPr id="6" name="Inhaltsplatzhalter 5">
+            <a:extLst>
+              <a:ext uri="{FF2B5EF4-FFF2-40B4-BE49-F238E27FC236}">
+                <a16:creationId xmlns:a16="http://schemas.microsoft.com/office/drawing/2014/main" id="{27B07207-CE76-43AA-8ACE-36944B9A98A0}"/>
+              </a:ext>
+            </a:extLst>
+          </p:cNvPr>
+          <p:cNvPicPr>
+            <a:picLocks noGrp="1" noChangeAspect="1"/>
+          </p:cNvPicPr>
+          <p:nvPr>
+            <p:ph sz="half" idx="2"/>
+          </p:nvPr>
+        </p:nvPicPr>
+        <p:blipFill>
+          <a:blip r:embed="rId2">
+            <a:extLst>
+              <a:ext uri="{28A0092B-C50C-407E-A947-70E740481C1C}">
+                <a14:useLocalDpi xmlns:a14="http://schemas.microsoft.com/office/drawing/2010/main" val="0"/>
+              </a:ext>
+            </a:extLst>
+          </a:blip>
+          <a:stretch>
+            <a:fillRect/>
+          </a:stretch>
+        </p:blipFill>
+        <p:spPr>
+          <a:xfrm>
+            <a:off x="6172202" y="980350"/>
+            <a:ext cx="5258624" cy="5196613"/>
+          </a:xfrm>
+        </p:spPr>
+      </p:pic>
+    </p:spTree>
+    <p:extLst>
+      <p:ext uri="{BB962C8B-B14F-4D97-AF65-F5344CB8AC3E}">
+        <p14:creationId xmlns:p14="http://schemas.microsoft.com/office/powerpoint/2010/main" val="3751085272"/>
+      </p:ext>
+    </p:extLst>
+  </p:cSld>
+  <p:clrMapOvr>
+    <a:masterClrMapping/>
+  </p:clrMapOvr>
+</p:sld>
+</file>
+
+<file path=ppt/slides/slide11.xml><?xml version="1.0" encoding="utf-8"?>
+<p:sld xmlns:a="http://schemas.openxmlformats.org/drawingml/2006/main" xmlns:r="http://schemas.openxmlformats.org/officeDocument/2006/relationships" xmlns:p="http://schemas.openxmlformats.org/presentationml/2006/main">
+  <p:cSld>
+    <p:spTree>
+      <p:nvGrpSpPr>
+        <p:cNvPr id="1" name=""/>
+        <p:cNvGrpSpPr/>
+        <p:nvPr/>
+      </p:nvGrpSpPr>
+      <p:grpSpPr>
+        <a:xfrm>
+          <a:off x="0" y="0"/>
+          <a:ext cx="0" cy="0"/>
+          <a:chOff x="0" y="0"/>
+          <a:chExt cx="0" cy="0"/>
+        </a:xfrm>
+      </p:grpSpPr>
+      <p:sp>
+        <p:nvSpPr>
+          <p:cNvPr id="2" name="Titel 1">
+            <a:extLst>
+              <a:ext uri="{FF2B5EF4-FFF2-40B4-BE49-F238E27FC236}">
                 <a16:creationId xmlns:a16="http://schemas.microsoft.com/office/drawing/2014/main" id="{FD45D569-6A59-4C95-BE88-5622035CA6EE}"/>
               </a:ext>
             </a:extLst>
@@ -12629,7 +12819,7 @@
             </a:pPr>
             <a:r>
               <a:rPr lang="fr-FR" dirty="0"/>
-              <a:t>Définition: „</a:t>
+              <a:t>Définition : « </a:t>
             </a:r>
             <a:r>
               <a:rPr lang="en-GB" dirty="0" err="1"/>
@@ -12669,7 +12859,7 @@
             </a:r>
             <a:r>
               <a:rPr lang="fr-FR" dirty="0"/>
-              <a:t>.” [ </a:t>
+              <a:t>. » [</a:t>
             </a:r>
             <a:r>
               <a:rPr lang="fr-FR" dirty="0">
@@ -12679,7 +12869,7 @@
             </a:r>
             <a:r>
               <a:rPr lang="fr-FR" dirty="0"/>
-              <a:t> ]</a:t>
+              <a:t>]</a:t>
             </a:r>
           </a:p>
           <a:p>
@@ -12701,7 +12891,7 @@
             </a:pPr>
             <a:r>
               <a:rPr lang="fr-FR" dirty="0"/>
-              <a:t>Commandes de simulation variables</a:t>
+              <a:t>Commandes de simulation éditables</a:t>
             </a:r>
           </a:p>
         </p:txBody>
@@ -12719,7 +12909,7 @@
 </p:sld>
 </file>
 
-<file path=ppt/slides/slide11.xml><?xml version="1.0" encoding="utf-8"?>
+<file path=ppt/slides/slide12.xml><?xml version="1.0" encoding="utf-8"?>
 <p:sld xmlns:a="http://schemas.openxmlformats.org/drawingml/2006/main" xmlns:r="http://schemas.openxmlformats.org/officeDocument/2006/relationships" xmlns:p="http://schemas.openxmlformats.org/presentationml/2006/main">
   <p:cSld>
     <p:spTree>
@@ -12815,7 +13005,7 @@
             </a:pPr>
             <a:r>
               <a:rPr lang="fr-FR" dirty="0"/>
-              <a:t>Syntaxe: .TRAN &lt;</a:t>
+              <a:t>Syntaxe : .TRAN &lt;</a:t>
             </a:r>
             <a:r>
               <a:rPr lang="fr-FR" dirty="0" err="1"/>
@@ -12900,7 +13090,7 @@
 </p:sld>
 </file>
 
-<file path=ppt/slides/slide12.xml><?xml version="1.0" encoding="utf-8"?>
+<file path=ppt/slides/slide13.xml><?xml version="1.0" encoding="utf-8"?>
 <p:sld xmlns:a="http://schemas.openxmlformats.org/drawingml/2006/main" xmlns:r="http://schemas.openxmlformats.org/officeDocument/2006/relationships" xmlns:p="http://schemas.openxmlformats.org/presentationml/2006/main">
   <p:cSld>
     <p:spTree>
@@ -12987,7 +13177,7 @@
             </a:pPr>
             <a:r>
               <a:rPr lang="fr-FR" dirty="0"/>
-              <a:t>P. ex. Réponse d‘un filtre en fréquence.</a:t>
+              <a:t>P. ex. : Réponse d‘un filtre en fréquence.</a:t>
             </a:r>
           </a:p>
           <a:p>
@@ -13089,7 +13279,7 @@
 </p:sld>
 </file>
 
-<file path=ppt/slides/slide13.xml><?xml version="1.0" encoding="utf-8"?>
+<file path=ppt/slides/slide14.xml><?xml version="1.0" encoding="utf-8"?>
 <p:sld xmlns:a="http://schemas.openxmlformats.org/drawingml/2006/main" xmlns:r="http://schemas.openxmlformats.org/officeDocument/2006/relationships" xmlns:p="http://schemas.openxmlformats.org/presentationml/2006/main">
   <p:cSld>
     <p:spTree>
@@ -13162,7 +13352,7 @@
             </a:pPr>
             <a:r>
               <a:rPr lang="fr-FR" dirty="0"/>
-              <a:t>Valeur standard de composant:</a:t>
+              <a:t>Valeur standard de composant :</a:t>
             </a:r>
           </a:p>
           <a:p>
@@ -13224,7 +13414,7 @@
 </p:sld>
 </file>
 
-<file path=ppt/slides/slide14.xml><?xml version="1.0" encoding="utf-8"?>
+<file path=ppt/slides/slide15.xml><?xml version="1.0" encoding="utf-8"?>
 <p:sld xmlns:a="http://schemas.openxmlformats.org/drawingml/2006/main" xmlns:r="http://schemas.openxmlformats.org/officeDocument/2006/relationships" xmlns:p="http://schemas.openxmlformats.org/presentationml/2006/main">
   <p:cSld>
     <p:spTree>
@@ -13264,7 +13454,7 @@
           <a:p>
             <a:r>
               <a:rPr lang="fr-FR" dirty="0"/>
-              <a:t>Dimensionnement – Emetteur: NE555</a:t>
+              <a:t>Dimensionnement – Emetteur : NE555</a:t>
             </a:r>
           </a:p>
         </p:txBody>
@@ -13359,7 +13549,7 @@
 </p:sld>
 </file>
 
-<file path=ppt/slides/slide15.xml><?xml version="1.0" encoding="utf-8"?>
+<file path=ppt/slides/slide16.xml><?xml version="1.0" encoding="utf-8"?>
 <p:sld xmlns:a="http://schemas.openxmlformats.org/drawingml/2006/main" xmlns:r="http://schemas.openxmlformats.org/officeDocument/2006/relationships" xmlns:p="http://schemas.openxmlformats.org/presentationml/2006/main">
   <p:cSld>
     <p:spTree>
@@ -13461,7 +13651,7 @@
 </p:sld>
 </file>
 
-<file path=ppt/slides/slide16.xml><?xml version="1.0" encoding="utf-8"?>
+<file path=ppt/slides/slide17.xml><?xml version="1.0" encoding="utf-8"?>
 <p:sld xmlns:a="http://schemas.openxmlformats.org/drawingml/2006/main" xmlns:r="http://schemas.openxmlformats.org/officeDocument/2006/relationships" xmlns:p="http://schemas.openxmlformats.org/presentationml/2006/main">
   <p:cSld>
     <p:spTree>
@@ -13501,7 +13691,7 @@
           <a:p>
             <a:r>
               <a:rPr lang="fr-FR" dirty="0"/>
-              <a:t>Dimensionnement – Récepteur: filtre </a:t>
+              <a:t>Dimensionnement – Récepteur : filtre </a:t>
             </a:r>
           </a:p>
         </p:txBody>
@@ -13571,7 +13761,7 @@
 </p:sld>
 </file>
 
-<file path=ppt/slides/slide17.xml><?xml version="1.0" encoding="utf-8"?>
+<file path=ppt/slides/slide18.xml><?xml version="1.0" encoding="utf-8"?>
 <p:sld xmlns:a="http://schemas.openxmlformats.org/drawingml/2006/main" xmlns:r="http://schemas.openxmlformats.org/officeDocument/2006/relationships" xmlns:p="http://schemas.openxmlformats.org/presentationml/2006/main">
   <p:cSld>
     <p:spTree>
@@ -13678,7 +13868,7 @@
             </a:pPr>
             <a:r>
               <a:rPr lang="fr-FR" dirty="0"/>
-              <a:t>Variation R2/R3 , Cf/</a:t>
+              <a:t>Variation R2/R3, Cf/</a:t>
             </a:r>
             <a:r>
               <a:rPr lang="fr-FR" dirty="0" err="1"/>
@@ -13717,7 +13907,7 @@
 </p:sld>
 </file>
 
-<file path=ppt/slides/slide18.xml><?xml version="1.0" encoding="utf-8"?>
+<file path=ppt/slides/slide19.xml><?xml version="1.0" encoding="utf-8"?>
 <p:sld xmlns:a="http://schemas.openxmlformats.org/drawingml/2006/main" xmlns:r="http://schemas.openxmlformats.org/officeDocument/2006/relationships" xmlns:p="http://schemas.openxmlformats.org/presentationml/2006/main">
   <p:cSld>
     <p:spTree>
@@ -13759,7 +13949,7 @@
           <a:p>
             <a:r>
               <a:rPr lang="fr-FR" dirty="0"/>
-              <a:t>Dimensionnement – Récepteur: Détecteur Crête</a:t>
+              <a:t>Dimensionnement – Récepteur : Détecteur Crête</a:t>
             </a:r>
           </a:p>
         </p:txBody>
@@ -13823,216 +14013,6 @@
     <p:extLst>
       <p:ext uri="{BB962C8B-B14F-4D97-AF65-F5344CB8AC3E}">
         <p14:creationId xmlns:p14="http://schemas.microsoft.com/office/powerpoint/2010/main" val="2362173458"/>
-      </p:ext>
-    </p:extLst>
-  </p:cSld>
-  <p:clrMapOvr>
-    <a:masterClrMapping/>
-  </p:clrMapOvr>
-</p:sld>
-</file>
-
-<file path=ppt/slides/slide19.xml><?xml version="1.0" encoding="utf-8"?>
-<p:sld xmlns:a="http://schemas.openxmlformats.org/drawingml/2006/main" xmlns:r="http://schemas.openxmlformats.org/officeDocument/2006/relationships" xmlns:p="http://schemas.openxmlformats.org/presentationml/2006/main">
-  <p:cSld>
-    <p:spTree>
-      <p:nvGrpSpPr>
-        <p:cNvPr id="1" name=""/>
-        <p:cNvGrpSpPr/>
-        <p:nvPr/>
-      </p:nvGrpSpPr>
-      <p:grpSpPr>
-        <a:xfrm>
-          <a:off x="0" y="0"/>
-          <a:ext cx="0" cy="0"/>
-          <a:chOff x="0" y="0"/>
-          <a:chExt cx="0" cy="0"/>
-        </a:xfrm>
-      </p:grpSpPr>
-      <p:sp>
-        <p:nvSpPr>
-          <p:cNvPr id="2" name="Titel 1">
-            <a:extLst>
-              <a:ext uri="{FF2B5EF4-FFF2-40B4-BE49-F238E27FC236}">
-                <a16:creationId xmlns:a16="http://schemas.microsoft.com/office/drawing/2014/main" id="{3692F85C-38C2-4641-BF36-78938107A5A6}"/>
-              </a:ext>
-            </a:extLst>
-          </p:cNvPr>
-          <p:cNvSpPr>
-            <a:spLocks noGrp="1"/>
-          </p:cNvSpPr>
-          <p:nvPr>
-            <p:ph type="title"/>
-          </p:nvPr>
-        </p:nvSpPr>
-        <p:spPr/>
-        <p:txBody>
-          <a:bodyPr/>
-          <a:lstStyle/>
-          <a:p>
-            <a:r>
-              <a:rPr lang="fr-FR" dirty="0"/>
-              <a:t>Simulation – Détecteur de Crête </a:t>
-            </a:r>
-          </a:p>
-        </p:txBody>
-      </p:sp>
-      <p:sp>
-        <p:nvSpPr>
-          <p:cNvPr id="3" name="Inhaltsplatzhalter 2">
-            <a:extLst>
-              <a:ext uri="{FF2B5EF4-FFF2-40B4-BE49-F238E27FC236}">
-                <a16:creationId xmlns:a16="http://schemas.microsoft.com/office/drawing/2014/main" id="{AB044BDE-09DA-4983-8D5C-51749E6FEA4B}"/>
-              </a:ext>
-            </a:extLst>
-          </p:cNvPr>
-          <p:cNvSpPr>
-            <a:spLocks noGrp="1"/>
-          </p:cNvSpPr>
-          <p:nvPr>
-            <p:ph idx="1"/>
-          </p:nvPr>
-        </p:nvSpPr>
-        <p:spPr/>
-        <p:txBody>
-          <a:bodyPr>
-            <a:normAutofit/>
-          </a:bodyPr>
-          <a:lstStyle/>
-          <a:p>
-            <a:pPr>
-              <a:lnSpc>
-                <a:spcPct val="150000"/>
-              </a:lnSpc>
-            </a:pPr>
-            <a:r>
-              <a:rPr lang="fr-FR" dirty="0"/>
-              <a:t>Ajustement empirique des valeurs de composant</a:t>
-            </a:r>
-          </a:p>
-          <a:p>
-            <a:pPr>
-              <a:lnSpc>
-                <a:spcPct val="150000"/>
-              </a:lnSpc>
-            </a:pPr>
-            <a:r>
-              <a:rPr lang="fr-FR" dirty="0"/>
-              <a:t>Fonction sinusoïdale en entrée</a:t>
-            </a:r>
-          </a:p>
-          <a:p>
-            <a:pPr>
-              <a:lnSpc>
-                <a:spcPct val="150000"/>
-              </a:lnSpc>
-            </a:pPr>
-            <a:r>
-              <a:rPr lang="fr-FR" dirty="0"/>
-              <a:t>Syntaxe: </a:t>
-            </a:r>
-            <a:r>
-              <a:rPr lang="fr-FR" altLang="fr-FR" dirty="0">
-                <a:latin typeface="Arial Unicode MS"/>
-              </a:rPr>
-              <a:t>SIN( {</a:t>
-            </a:r>
-            <a:r>
-              <a:rPr lang="fr-FR" altLang="fr-FR" dirty="0" err="1">
-                <a:latin typeface="Arial Unicode MS"/>
-              </a:rPr>
-              <a:t>voffset</a:t>
-            </a:r>
-            <a:r>
-              <a:rPr lang="fr-FR" altLang="fr-FR" dirty="0">
-                <a:latin typeface="Arial Unicode MS"/>
-              </a:rPr>
-              <a:t>} {</a:t>
-            </a:r>
-            <a:r>
-              <a:rPr lang="fr-FR" altLang="fr-FR" dirty="0" err="1">
-                <a:latin typeface="Arial Unicode MS"/>
-              </a:rPr>
-              <a:t>vpeak</a:t>
-            </a:r>
-            <a:r>
-              <a:rPr lang="fr-FR" altLang="fr-FR" dirty="0">
-                <a:latin typeface="Arial Unicode MS"/>
-              </a:rPr>
-              <a:t>} {</a:t>
-            </a:r>
-            <a:r>
-              <a:rPr lang="fr-FR" altLang="fr-FR" dirty="0" err="1">
-                <a:latin typeface="Arial Unicode MS"/>
-              </a:rPr>
-              <a:t>freq</a:t>
-            </a:r>
-            <a:r>
-              <a:rPr lang="fr-FR" altLang="fr-FR" dirty="0">
-                <a:latin typeface="Arial Unicode MS"/>
-              </a:rPr>
-              <a:t>} {</a:t>
-            </a:r>
-            <a:r>
-              <a:rPr lang="fr-FR" altLang="fr-FR" dirty="0" err="1">
-                <a:latin typeface="Arial Unicode MS"/>
-              </a:rPr>
-              <a:t>tdelay</a:t>
-            </a:r>
-            <a:r>
-              <a:rPr lang="fr-FR" altLang="fr-FR" dirty="0">
-                <a:latin typeface="Arial Unicode MS"/>
-              </a:rPr>
-              <a:t>} {</a:t>
-            </a:r>
-            <a:r>
-              <a:rPr lang="fr-FR" altLang="fr-FR" dirty="0" err="1">
-                <a:latin typeface="Arial Unicode MS"/>
-              </a:rPr>
-              <a:t>damp_factor</a:t>
-            </a:r>
-            <a:r>
-              <a:rPr lang="fr-FR" altLang="fr-FR" dirty="0">
-                <a:latin typeface="Arial Unicode MS"/>
-              </a:rPr>
-              <a:t>} {phase} )</a:t>
-            </a:r>
-            <a:r>
-              <a:rPr lang="fr-FR" altLang="fr-FR" sz="2000" dirty="0"/>
-              <a:t> </a:t>
-            </a:r>
-            <a:endParaRPr lang="fr-FR" dirty="0"/>
-          </a:p>
-          <a:p>
-            <a:pPr>
-              <a:lnSpc>
-                <a:spcPct val="150000"/>
-              </a:lnSpc>
-            </a:pPr>
-            <a:r>
-              <a:rPr lang="fr-FR" dirty="0"/>
-              <a:t>Cf. </a:t>
-            </a:r>
-            <a:r>
-              <a:rPr lang="fr-FR" dirty="0" err="1"/>
-              <a:t>Detecteur</a:t>
-            </a:r>
-            <a:r>
-              <a:rPr lang="fr-FR" dirty="0"/>
-              <a:t> de </a:t>
-            </a:r>
-            <a:r>
-              <a:rPr lang="fr-FR" dirty="0" err="1"/>
-              <a:t>crete.asc</a:t>
-            </a:r>
-            <a:endParaRPr lang="fr-FR" dirty="0"/>
-          </a:p>
-        </p:txBody>
-      </p:sp>
-    </p:spTree>
-    <p:extLst>
-      <p:ext uri="{BB962C8B-B14F-4D97-AF65-F5344CB8AC3E}">
-        <p14:creationId xmlns:p14="http://schemas.microsoft.com/office/powerpoint/2010/main" val="1330318069"/>
       </p:ext>
     </p:extLst>
   </p:cSld>
@@ -14106,7 +14086,7 @@
         <p:spPr/>
         <p:txBody>
           <a:bodyPr numCol="2">
-            <a:normAutofit fontScale="47500" lnSpcReduction="20000"/>
+            <a:normAutofit fontScale="77500" lnSpcReduction="20000"/>
           </a:bodyPr>
           <a:lstStyle/>
           <a:p>
@@ -14116,7 +14096,7 @@
               </a:lnSpc>
             </a:pPr>
             <a:r>
-              <a:rPr lang="fr-FR" dirty="0"/>
+              <a:rPr lang="fr-FR" sz="2600" dirty="0"/>
               <a:t>Cahier des Charges</a:t>
             </a:r>
           </a:p>
@@ -14127,8 +14107,19 @@
               </a:lnSpc>
             </a:pPr>
             <a:r>
-              <a:rPr lang="fr-FR" dirty="0"/>
-              <a:t>ORS</a:t>
+              <a:rPr lang="fr-FR" sz="2600" dirty="0"/>
+              <a:t>Capteur optique à réflexion</a:t>
+            </a:r>
+          </a:p>
+          <a:p>
+            <a:pPr lvl="1">
+              <a:lnSpc>
+                <a:spcPct val="150000"/>
+              </a:lnSpc>
+            </a:pPr>
+            <a:r>
+              <a:rPr lang="fr-FR" sz="2200" dirty="0"/>
+              <a:t>capteur Infrarouge (CNY 70)</a:t>
             </a:r>
           </a:p>
           <a:p>
@@ -14138,8 +14129,41 @@
               </a:lnSpc>
             </a:pPr>
             <a:r>
-              <a:rPr lang="fr-FR" dirty="0"/>
-              <a:t>CNY 70</a:t>
+              <a:rPr lang="fr-FR" sz="2600" dirty="0"/>
+              <a:t>Datasheet / Applications notes</a:t>
+            </a:r>
+          </a:p>
+          <a:p>
+            <a:pPr lvl="1">
+              <a:lnSpc>
+                <a:spcPct val="150000"/>
+              </a:lnSpc>
+            </a:pPr>
+            <a:r>
+              <a:rPr lang="fr-FR" sz="2600" dirty="0"/>
+              <a:t>DS : Capteur Infrarouge</a:t>
+            </a:r>
+          </a:p>
+          <a:p>
+            <a:pPr lvl="1">
+              <a:lnSpc>
+                <a:spcPct val="150000"/>
+              </a:lnSpc>
+            </a:pPr>
+            <a:r>
+              <a:rPr lang="fr-FR" sz="2600" dirty="0"/>
+              <a:t>AN : Capteur optique</a:t>
+            </a:r>
+          </a:p>
+          <a:p>
+            <a:pPr lvl="1">
+              <a:lnSpc>
+                <a:spcPct val="150000"/>
+              </a:lnSpc>
+            </a:pPr>
+            <a:r>
+              <a:rPr lang="fr-FR" sz="2600" dirty="0"/>
+              <a:t>DS : oscillateur</a:t>
             </a:r>
           </a:p>
           <a:p>
@@ -14149,8 +14173,8 @@
               </a:lnSpc>
             </a:pPr>
             <a:r>
-              <a:rPr lang="fr-FR" dirty="0"/>
-              <a:t>Datasheet</a:t>
+              <a:rPr lang="fr-FR" sz="2600" dirty="0"/>
+              <a:t>Simulation du circuit</a:t>
             </a:r>
           </a:p>
           <a:p>
@@ -14160,9 +14184,10 @@
               </a:lnSpc>
             </a:pPr>
             <a:r>
-              <a:rPr lang="fr-FR" dirty="0"/>
-              <a:t>CNY70</a:t>
-            </a:r>
+              <a:rPr lang="fr-FR" sz="2600" dirty="0" err="1"/>
+              <a:t>Tran</a:t>
+            </a:r>
+            <a:endParaRPr lang="fr-FR" sz="2600" dirty="0"/>
           </a:p>
           <a:p>
             <a:pPr lvl="1">
@@ -14171,9 +14196,17 @@
               </a:lnSpc>
             </a:pPr>
             <a:r>
-              <a:rPr lang="fr-FR" dirty="0"/>
-              <a:t>ORS</a:t>
-            </a:r>
+              <a:rPr lang="fr-FR" sz="2600" dirty="0"/>
+              <a:t>AC</a:t>
+            </a:r>
+          </a:p>
+          <a:p>
+            <a:pPr>
+              <a:lnSpc>
+                <a:spcPct val="150000"/>
+              </a:lnSpc>
+            </a:pPr>
+            <a:endParaRPr lang="fr-FR" sz="2600" dirty="0"/>
           </a:p>
           <a:p>
             <a:pPr lvl="1">
@@ -14181,150 +14214,7 @@
                 <a:spcPct val="150000"/>
               </a:lnSpc>
             </a:pPr>
-            <a:r>
-              <a:rPr lang="fr-FR" dirty="0"/>
-              <a:t>NE555</a:t>
-            </a:r>
-          </a:p>
-          <a:p>
-            <a:pPr>
-              <a:lnSpc>
-                <a:spcPct val="150000"/>
-              </a:lnSpc>
-            </a:pPr>
-            <a:r>
-              <a:rPr lang="fr-FR" dirty="0" err="1"/>
-              <a:t>LTSpice</a:t>
-            </a:r>
-            <a:endParaRPr lang="fr-FR" dirty="0"/>
-          </a:p>
-          <a:p>
-            <a:pPr lvl="1">
-              <a:lnSpc>
-                <a:spcPct val="150000"/>
-              </a:lnSpc>
-            </a:pPr>
-            <a:r>
-              <a:rPr lang="fr-FR" dirty="0" err="1"/>
-              <a:t>Tran</a:t>
-            </a:r>
-            <a:endParaRPr lang="fr-FR" dirty="0"/>
-          </a:p>
-          <a:p>
-            <a:pPr lvl="1">
-              <a:lnSpc>
-                <a:spcPct val="150000"/>
-              </a:lnSpc>
-            </a:pPr>
-            <a:r>
-              <a:rPr lang="fr-FR" dirty="0"/>
-              <a:t>AC</a:t>
-            </a:r>
-          </a:p>
-          <a:p>
-            <a:pPr>
-              <a:lnSpc>
-                <a:spcPct val="150000"/>
-              </a:lnSpc>
-            </a:pPr>
-            <a:r>
-              <a:rPr lang="fr-FR" dirty="0"/>
-              <a:t>Dimensionnement / Simulation</a:t>
-            </a:r>
-          </a:p>
-          <a:p>
-            <a:pPr lvl="1">
-              <a:lnSpc>
-                <a:spcPct val="150000"/>
-              </a:lnSpc>
-            </a:pPr>
-            <a:r>
-              <a:rPr lang="fr-FR" dirty="0"/>
-              <a:t>Emetteur</a:t>
-            </a:r>
-          </a:p>
-          <a:p>
-            <a:pPr lvl="1">
-              <a:lnSpc>
-                <a:spcPct val="150000"/>
-              </a:lnSpc>
-            </a:pPr>
-            <a:r>
-              <a:rPr lang="fr-FR" dirty="0"/>
-              <a:t>Filtre</a:t>
-            </a:r>
-          </a:p>
-          <a:p>
-            <a:pPr lvl="1">
-              <a:lnSpc>
-                <a:spcPct val="150000"/>
-              </a:lnSpc>
-            </a:pPr>
-            <a:r>
-              <a:rPr lang="fr-FR" dirty="0"/>
-              <a:t>Détecteur de crête</a:t>
-            </a:r>
-          </a:p>
-          <a:p>
-            <a:pPr lvl="1">
-              <a:lnSpc>
-                <a:spcPct val="150000"/>
-              </a:lnSpc>
-            </a:pPr>
-            <a:r>
-              <a:rPr lang="fr-FR" dirty="0"/>
-              <a:t>Récepteur</a:t>
-            </a:r>
-          </a:p>
-          <a:p>
-            <a:pPr>
-              <a:lnSpc>
-                <a:spcPct val="150000"/>
-              </a:lnSpc>
-            </a:pPr>
-            <a:r>
-              <a:rPr lang="fr-FR" dirty="0"/>
-              <a:t>Vérification</a:t>
-            </a:r>
-          </a:p>
-          <a:p>
-            <a:pPr>
-              <a:lnSpc>
-                <a:spcPct val="150000"/>
-              </a:lnSpc>
-            </a:pPr>
-            <a:r>
-              <a:rPr lang="fr-FR" dirty="0" err="1"/>
-              <a:t>KiCAD</a:t>
-            </a:r>
-            <a:endParaRPr lang="fr-FR" dirty="0"/>
-          </a:p>
-          <a:p>
-            <a:pPr>
-              <a:lnSpc>
-                <a:spcPct val="150000"/>
-              </a:lnSpc>
-            </a:pPr>
-            <a:r>
-              <a:rPr lang="fr-FR" dirty="0"/>
-              <a:t>Règle de Routage</a:t>
-            </a:r>
-          </a:p>
-          <a:p>
-            <a:pPr>
-              <a:lnSpc>
-                <a:spcPct val="150000"/>
-              </a:lnSpc>
-            </a:pPr>
-            <a:endParaRPr lang="fr-FR" dirty="0"/>
-          </a:p>
-          <a:p>
-            <a:pPr lvl="1">
-              <a:lnSpc>
-                <a:spcPct val="150000"/>
-              </a:lnSpc>
-            </a:pPr>
-            <a:endParaRPr lang="fr-FR" dirty="0"/>
+            <a:endParaRPr lang="fr-FR" sz="2600" dirty="0"/>
           </a:p>
           <a:p>
             <a:pPr>
@@ -14371,6 +14261,216 @@
           <p:cNvPr id="2" name="Titel 1">
             <a:extLst>
               <a:ext uri="{FF2B5EF4-FFF2-40B4-BE49-F238E27FC236}">
+                <a16:creationId xmlns:a16="http://schemas.microsoft.com/office/drawing/2014/main" id="{3692F85C-38C2-4641-BF36-78938107A5A6}"/>
+              </a:ext>
+            </a:extLst>
+          </p:cNvPr>
+          <p:cNvSpPr>
+            <a:spLocks noGrp="1"/>
+          </p:cNvSpPr>
+          <p:nvPr>
+            <p:ph type="title"/>
+          </p:nvPr>
+        </p:nvSpPr>
+        <p:spPr/>
+        <p:txBody>
+          <a:bodyPr/>
+          <a:lstStyle/>
+          <a:p>
+            <a:r>
+              <a:rPr lang="fr-FR" dirty="0"/>
+              <a:t>Simulation – Détecteur de Crête </a:t>
+            </a:r>
+          </a:p>
+        </p:txBody>
+      </p:sp>
+      <p:sp>
+        <p:nvSpPr>
+          <p:cNvPr id="3" name="Inhaltsplatzhalter 2">
+            <a:extLst>
+              <a:ext uri="{FF2B5EF4-FFF2-40B4-BE49-F238E27FC236}">
+                <a16:creationId xmlns:a16="http://schemas.microsoft.com/office/drawing/2014/main" id="{AB044BDE-09DA-4983-8D5C-51749E6FEA4B}"/>
+              </a:ext>
+            </a:extLst>
+          </p:cNvPr>
+          <p:cNvSpPr>
+            <a:spLocks noGrp="1"/>
+          </p:cNvSpPr>
+          <p:nvPr>
+            <p:ph idx="1"/>
+          </p:nvPr>
+        </p:nvSpPr>
+        <p:spPr/>
+        <p:txBody>
+          <a:bodyPr>
+            <a:normAutofit/>
+          </a:bodyPr>
+          <a:lstStyle/>
+          <a:p>
+            <a:pPr>
+              <a:lnSpc>
+                <a:spcPct val="150000"/>
+              </a:lnSpc>
+            </a:pPr>
+            <a:r>
+              <a:rPr lang="fr-FR" dirty="0"/>
+              <a:t>Ajustement empirique des valeurs de composant</a:t>
+            </a:r>
+          </a:p>
+          <a:p>
+            <a:pPr>
+              <a:lnSpc>
+                <a:spcPct val="150000"/>
+              </a:lnSpc>
+            </a:pPr>
+            <a:r>
+              <a:rPr lang="fr-FR" dirty="0"/>
+              <a:t>Fonction sinusoïdale en entrée</a:t>
+            </a:r>
+          </a:p>
+          <a:p>
+            <a:pPr>
+              <a:lnSpc>
+                <a:spcPct val="150000"/>
+              </a:lnSpc>
+            </a:pPr>
+            <a:r>
+              <a:rPr lang="fr-FR" dirty="0"/>
+              <a:t>Syntaxe : </a:t>
+            </a:r>
+            <a:r>
+              <a:rPr lang="fr-FR" altLang="fr-FR" dirty="0">
+                <a:latin typeface="Arial Unicode MS"/>
+              </a:rPr>
+              <a:t>SIN( {</a:t>
+            </a:r>
+            <a:r>
+              <a:rPr lang="fr-FR" altLang="fr-FR" dirty="0" err="1">
+                <a:latin typeface="Arial Unicode MS"/>
+              </a:rPr>
+              <a:t>voffset</a:t>
+            </a:r>
+            <a:r>
+              <a:rPr lang="fr-FR" altLang="fr-FR" dirty="0">
+                <a:latin typeface="Arial Unicode MS"/>
+              </a:rPr>
+              <a:t>} {</a:t>
+            </a:r>
+            <a:r>
+              <a:rPr lang="fr-FR" altLang="fr-FR" dirty="0" err="1">
+                <a:latin typeface="Arial Unicode MS"/>
+              </a:rPr>
+              <a:t>vpeak</a:t>
+            </a:r>
+            <a:r>
+              <a:rPr lang="fr-FR" altLang="fr-FR" dirty="0">
+                <a:latin typeface="Arial Unicode MS"/>
+              </a:rPr>
+              <a:t>} {</a:t>
+            </a:r>
+            <a:r>
+              <a:rPr lang="fr-FR" altLang="fr-FR" dirty="0" err="1">
+                <a:latin typeface="Arial Unicode MS"/>
+              </a:rPr>
+              <a:t>freq</a:t>
+            </a:r>
+            <a:r>
+              <a:rPr lang="fr-FR" altLang="fr-FR" dirty="0">
+                <a:latin typeface="Arial Unicode MS"/>
+              </a:rPr>
+              <a:t>} {</a:t>
+            </a:r>
+            <a:r>
+              <a:rPr lang="fr-FR" altLang="fr-FR" dirty="0" err="1">
+                <a:latin typeface="Arial Unicode MS"/>
+              </a:rPr>
+              <a:t>tdelay</a:t>
+            </a:r>
+            <a:r>
+              <a:rPr lang="fr-FR" altLang="fr-FR" dirty="0">
+                <a:latin typeface="Arial Unicode MS"/>
+              </a:rPr>
+              <a:t>} {</a:t>
+            </a:r>
+            <a:r>
+              <a:rPr lang="fr-FR" altLang="fr-FR" dirty="0" err="1">
+                <a:latin typeface="Arial Unicode MS"/>
+              </a:rPr>
+              <a:t>damp_factor</a:t>
+            </a:r>
+            <a:r>
+              <a:rPr lang="fr-FR" altLang="fr-FR" dirty="0">
+                <a:latin typeface="Arial Unicode MS"/>
+              </a:rPr>
+              <a:t>} {phase} )</a:t>
+            </a:r>
+            <a:r>
+              <a:rPr lang="fr-FR" altLang="fr-FR" sz="2000" dirty="0"/>
+              <a:t> </a:t>
+            </a:r>
+            <a:endParaRPr lang="fr-FR" dirty="0"/>
+          </a:p>
+          <a:p>
+            <a:pPr>
+              <a:lnSpc>
+                <a:spcPct val="150000"/>
+              </a:lnSpc>
+            </a:pPr>
+            <a:r>
+              <a:rPr lang="fr-FR" dirty="0"/>
+              <a:t>Cf. </a:t>
+            </a:r>
+            <a:r>
+              <a:rPr lang="fr-FR" dirty="0" err="1"/>
+              <a:t>Detecteur</a:t>
+            </a:r>
+            <a:r>
+              <a:rPr lang="fr-FR" dirty="0"/>
+              <a:t> de </a:t>
+            </a:r>
+            <a:r>
+              <a:rPr lang="fr-FR" dirty="0" err="1"/>
+              <a:t>crete.asc</a:t>
+            </a:r>
+            <a:endParaRPr lang="fr-FR" dirty="0"/>
+          </a:p>
+        </p:txBody>
+      </p:sp>
+    </p:spTree>
+    <p:extLst>
+      <p:ext uri="{BB962C8B-B14F-4D97-AF65-F5344CB8AC3E}">
+        <p14:creationId xmlns:p14="http://schemas.microsoft.com/office/powerpoint/2010/main" val="1330318069"/>
+      </p:ext>
+    </p:extLst>
+  </p:cSld>
+  <p:clrMapOvr>
+    <a:masterClrMapping/>
+  </p:clrMapOvr>
+</p:sld>
+</file>
+
+<file path=ppt/slides/slide21.xml><?xml version="1.0" encoding="utf-8"?>
+<p:sld xmlns:a="http://schemas.openxmlformats.org/drawingml/2006/main" xmlns:r="http://schemas.openxmlformats.org/officeDocument/2006/relationships" xmlns:p="http://schemas.openxmlformats.org/presentationml/2006/main">
+  <p:cSld>
+    <p:spTree>
+      <p:nvGrpSpPr>
+        <p:cNvPr id="1" name=""/>
+        <p:cNvGrpSpPr/>
+        <p:nvPr/>
+      </p:nvGrpSpPr>
+      <p:grpSpPr>
+        <a:xfrm>
+          <a:off x="0" y="0"/>
+          <a:ext cx="0" cy="0"/>
+          <a:chOff x="0" y="0"/>
+          <a:chExt cx="0" cy="0"/>
+        </a:xfrm>
+      </p:grpSpPr>
+      <p:sp>
+        <p:nvSpPr>
+          <p:cNvPr id="2" name="Titel 1">
+            <a:extLst>
+              <a:ext uri="{FF2B5EF4-FFF2-40B4-BE49-F238E27FC236}">
                 <a16:creationId xmlns:a16="http://schemas.microsoft.com/office/drawing/2014/main" id="{6C5B9ED7-FB77-4FE8-BB9C-D21960C183AF}"/>
               </a:ext>
             </a:extLst>
@@ -14422,7 +14522,7 @@
             </a:pPr>
             <a:r>
               <a:rPr lang="fr-FR" dirty="0"/>
-              <a:t>Isolation d‘étage?</a:t>
+              <a:t>Isolation d‘étage ?</a:t>
             </a:r>
           </a:p>
           <a:p>
@@ -14462,7 +14562,7 @@
 </p:sld>
 </file>
 
-<file path=ppt/slides/slide21.xml><?xml version="1.0" encoding="utf-8"?>
+<file path=ppt/slides/slide22.xml><?xml version="1.0" encoding="utf-8"?>
 <p:sld xmlns:a="http://schemas.openxmlformats.org/drawingml/2006/main" xmlns:r="http://schemas.openxmlformats.org/officeDocument/2006/relationships" xmlns:p="http://schemas.openxmlformats.org/presentationml/2006/main">
   <p:cSld>
     <p:spTree>
@@ -14530,7 +14630,7 @@
           <a:p>
             <a:r>
               <a:rPr lang="fr-FR" dirty="0"/>
-              <a:t>Fonctions?</a:t>
+              <a:t>Fonctions ?</a:t>
             </a:r>
           </a:p>
         </p:txBody>
@@ -14548,7 +14648,1347 @@
 </p:sld>
 </file>
 
+<file path=ppt/slides/slide23.xml><?xml version="1.0" encoding="utf-8"?>
+<p:sld xmlns:a="http://schemas.openxmlformats.org/drawingml/2006/main" xmlns:r="http://schemas.openxmlformats.org/officeDocument/2006/relationships" xmlns:p="http://schemas.openxmlformats.org/presentationml/2006/main">
+  <p:cSld>
+    <p:spTree>
+      <p:nvGrpSpPr>
+        <p:cNvPr id="1" name=""/>
+        <p:cNvGrpSpPr/>
+        <p:nvPr/>
+      </p:nvGrpSpPr>
+      <p:grpSpPr>
+        <a:xfrm>
+          <a:off x="0" y="0"/>
+          <a:ext cx="0" cy="0"/>
+          <a:chOff x="0" y="0"/>
+          <a:chExt cx="0" cy="0"/>
+        </a:xfrm>
+      </p:grpSpPr>
+      <p:sp>
+        <p:nvSpPr>
+          <p:cNvPr id="2" name="Titel 1">
+            <a:extLst>
+              <a:ext uri="{FF2B5EF4-FFF2-40B4-BE49-F238E27FC236}">
+                <a16:creationId xmlns:a16="http://schemas.microsoft.com/office/drawing/2014/main" id="{F80483CD-9191-460C-8F10-F7BE16D6673B}"/>
+              </a:ext>
+            </a:extLst>
+          </p:cNvPr>
+          <p:cNvSpPr>
+            <a:spLocks noGrp="1"/>
+          </p:cNvSpPr>
+          <p:nvPr>
+            <p:ph type="title"/>
+          </p:nvPr>
+        </p:nvSpPr>
+        <p:spPr/>
+        <p:txBody>
+          <a:bodyPr/>
+          <a:lstStyle/>
+          <a:p>
+            <a:r>
+              <a:rPr lang="fr-FR" dirty="0"/>
+              <a:t>EDA - </a:t>
+            </a:r>
+            <a:r>
+              <a:rPr lang="fr-FR" dirty="0" err="1"/>
+              <a:t>KiCAD</a:t>
+            </a:r>
+            <a:endParaRPr lang="fr-FR" dirty="0"/>
+          </a:p>
+        </p:txBody>
+      </p:sp>
+      <p:sp>
+        <p:nvSpPr>
+          <p:cNvPr id="3" name="Inhaltsplatzhalter 2">
+            <a:extLst>
+              <a:ext uri="{FF2B5EF4-FFF2-40B4-BE49-F238E27FC236}">
+                <a16:creationId xmlns:a16="http://schemas.microsoft.com/office/drawing/2014/main" id="{4A0F6AC9-A10A-4CAD-A343-5A601D25A519}"/>
+              </a:ext>
+            </a:extLst>
+          </p:cNvPr>
+          <p:cNvSpPr>
+            <a:spLocks noGrp="1"/>
+          </p:cNvSpPr>
+          <p:nvPr>
+            <p:ph idx="1"/>
+          </p:nvPr>
+        </p:nvSpPr>
+        <p:spPr/>
+        <p:txBody>
+          <a:bodyPr/>
+          <a:lstStyle/>
+          <a:p>
+            <a:r>
+              <a:rPr lang="fr-FR" dirty="0"/>
+              <a:t>Définition : « </a:t>
+            </a:r>
+            <a:r>
+              <a:rPr lang="fr-FR" dirty="0" err="1"/>
+              <a:t>KiCad</a:t>
+            </a:r>
+            <a:r>
+              <a:rPr lang="fr-FR" dirty="0"/>
+              <a:t> </a:t>
+            </a:r>
+            <a:r>
+              <a:rPr lang="fr-FR" dirty="0" err="1"/>
+              <a:t>is</a:t>
+            </a:r>
+            <a:r>
+              <a:rPr lang="fr-FR" dirty="0"/>
+              <a:t> an open source software suite for </a:t>
+            </a:r>
+            <a:r>
+              <a:rPr lang="fr-FR" dirty="0" err="1"/>
+              <a:t>Electronic</a:t>
+            </a:r>
+            <a:r>
+              <a:rPr lang="fr-FR" dirty="0"/>
+              <a:t> Design Automation (EDA). The programs </a:t>
+            </a:r>
+            <a:r>
+              <a:rPr lang="fr-FR" dirty="0" err="1"/>
+              <a:t>handle</a:t>
+            </a:r>
+            <a:r>
+              <a:rPr lang="fr-FR" dirty="0"/>
+              <a:t> </a:t>
+            </a:r>
+            <a:r>
+              <a:rPr lang="fr-FR" dirty="0" err="1"/>
+              <a:t>Schematic</a:t>
+            </a:r>
+            <a:r>
+              <a:rPr lang="fr-FR" dirty="0"/>
+              <a:t> Capture, and PCB </a:t>
+            </a:r>
+            <a:r>
+              <a:rPr lang="fr-FR" dirty="0" err="1"/>
+              <a:t>Layout</a:t>
+            </a:r>
+            <a:r>
+              <a:rPr lang="fr-FR" dirty="0"/>
+              <a:t> </a:t>
+            </a:r>
+            <a:r>
+              <a:rPr lang="fr-FR" dirty="0" err="1"/>
+              <a:t>with</a:t>
+            </a:r>
+            <a:r>
+              <a:rPr lang="fr-FR" dirty="0"/>
+              <a:t> Gerber output. The suite runs on Windows, Linux and </a:t>
+            </a:r>
+            <a:r>
+              <a:rPr lang="fr-FR" dirty="0" err="1"/>
+              <a:t>macOS</a:t>
+            </a:r>
+            <a:r>
+              <a:rPr lang="fr-FR" dirty="0"/>
+              <a:t> and </a:t>
+            </a:r>
+            <a:r>
+              <a:rPr lang="fr-FR" dirty="0" err="1"/>
+              <a:t>is</a:t>
+            </a:r>
+            <a:r>
+              <a:rPr lang="fr-FR" dirty="0"/>
+              <a:t> </a:t>
+            </a:r>
+            <a:r>
+              <a:rPr lang="fr-FR" dirty="0" err="1"/>
+              <a:t>licensed</a:t>
+            </a:r>
+            <a:r>
+              <a:rPr lang="fr-FR" dirty="0"/>
+              <a:t> </a:t>
+            </a:r>
+            <a:r>
+              <a:rPr lang="fr-FR" dirty="0" err="1"/>
+              <a:t>under</a:t>
+            </a:r>
+            <a:r>
+              <a:rPr lang="fr-FR" dirty="0"/>
+              <a:t> GNU GPL v3. » [</a:t>
+            </a:r>
+            <a:r>
+              <a:rPr lang="fr-FR" dirty="0">
+                <a:hlinkClick r:id="rId2"/>
+              </a:rPr>
+              <a:t>http://www.kicad-pcb.org/about/kicad/</a:t>
+            </a:r>
+            <a:r>
+              <a:rPr lang="fr-FR" dirty="0"/>
+              <a:t>]</a:t>
+            </a:r>
+          </a:p>
+          <a:p>
+            <a:r>
+              <a:rPr lang="fr-FR" dirty="0"/>
+              <a:t>Routage de circuit à partir d’un schéma et gestion des empreintes</a:t>
+            </a:r>
+          </a:p>
+        </p:txBody>
+      </p:sp>
+    </p:spTree>
+    <p:extLst>
+      <p:ext uri="{BB962C8B-B14F-4D97-AF65-F5344CB8AC3E}">
+        <p14:creationId xmlns:p14="http://schemas.microsoft.com/office/powerpoint/2010/main" val="1950602619"/>
+      </p:ext>
+    </p:extLst>
+  </p:cSld>
+  <p:clrMapOvr>
+    <a:masterClrMapping/>
+  </p:clrMapOvr>
+</p:sld>
+</file>
+
+<file path=ppt/slides/slide24.xml><?xml version="1.0" encoding="utf-8"?>
+<p:sld xmlns:a="http://schemas.openxmlformats.org/drawingml/2006/main" xmlns:r="http://schemas.openxmlformats.org/officeDocument/2006/relationships" xmlns:p="http://schemas.openxmlformats.org/presentationml/2006/main">
+  <p:cSld>
+    <p:spTree>
+      <p:nvGrpSpPr>
+        <p:cNvPr id="1" name=""/>
+        <p:cNvGrpSpPr/>
+        <p:nvPr/>
+      </p:nvGrpSpPr>
+      <p:grpSpPr>
+        <a:xfrm>
+          <a:off x="0" y="0"/>
+          <a:ext cx="0" cy="0"/>
+          <a:chOff x="0" y="0"/>
+          <a:chExt cx="0" cy="0"/>
+        </a:xfrm>
+      </p:grpSpPr>
+      <p:sp>
+        <p:nvSpPr>
+          <p:cNvPr id="2" name="Titel 1">
+            <a:extLst>
+              <a:ext uri="{FF2B5EF4-FFF2-40B4-BE49-F238E27FC236}">
+                <a16:creationId xmlns:a16="http://schemas.microsoft.com/office/drawing/2014/main" id="{002385EF-82CD-4089-A779-7337373CACB3}"/>
+              </a:ext>
+            </a:extLst>
+          </p:cNvPr>
+          <p:cNvSpPr>
+            <a:spLocks noGrp="1"/>
+          </p:cNvSpPr>
+          <p:nvPr>
+            <p:ph type="title"/>
+          </p:nvPr>
+        </p:nvSpPr>
+        <p:spPr/>
+        <p:txBody>
+          <a:bodyPr/>
+          <a:lstStyle/>
+          <a:p>
+            <a:r>
+              <a:rPr lang="fr-FR" dirty="0" err="1"/>
+              <a:t>Kicad</a:t>
+            </a:r>
+            <a:r>
+              <a:rPr lang="fr-FR" dirty="0"/>
+              <a:t> - Schéma</a:t>
+            </a:r>
+          </a:p>
+        </p:txBody>
+      </p:sp>
+      <p:sp>
+        <p:nvSpPr>
+          <p:cNvPr id="3" name="Inhaltsplatzhalter 2">
+            <a:extLst>
+              <a:ext uri="{FF2B5EF4-FFF2-40B4-BE49-F238E27FC236}">
+                <a16:creationId xmlns:a16="http://schemas.microsoft.com/office/drawing/2014/main" id="{2EB0B958-ABFB-43ED-9DA3-6B1151EFEDAE}"/>
+              </a:ext>
+            </a:extLst>
+          </p:cNvPr>
+          <p:cNvSpPr>
+            <a:spLocks noGrp="1"/>
+          </p:cNvSpPr>
+          <p:nvPr>
+            <p:ph idx="1"/>
+          </p:nvPr>
+        </p:nvSpPr>
+        <p:spPr/>
+        <p:txBody>
+          <a:bodyPr/>
+          <a:lstStyle/>
+          <a:p>
+            <a:pPr>
+              <a:lnSpc>
+                <a:spcPct val="150000"/>
+              </a:lnSpc>
+            </a:pPr>
+            <a:r>
+              <a:rPr lang="fr-FR" dirty="0"/>
+              <a:t>Reproduction du schéma </a:t>
+            </a:r>
+            <a:r>
+              <a:rPr lang="fr-FR" dirty="0" err="1"/>
+              <a:t>LTSpice</a:t>
+            </a:r>
+            <a:r>
+              <a:rPr lang="fr-FR" dirty="0"/>
+              <a:t> dans le logiciel </a:t>
+            </a:r>
+            <a:r>
+              <a:rPr lang="fr-FR" dirty="0" err="1"/>
+              <a:t>KiCAD</a:t>
+            </a:r>
+            <a:endParaRPr lang="fr-FR" dirty="0"/>
+          </a:p>
+          <a:p>
+            <a:pPr>
+              <a:lnSpc>
+                <a:spcPct val="150000"/>
+              </a:lnSpc>
+            </a:pPr>
+            <a:r>
+              <a:rPr lang="fr-FR" dirty="0"/>
+              <a:t>Labélisation des connections importantes (ajout de Flag)</a:t>
+            </a:r>
+          </a:p>
+          <a:p>
+            <a:pPr>
+              <a:lnSpc>
+                <a:spcPct val="150000"/>
+              </a:lnSpc>
+            </a:pPr>
+            <a:r>
+              <a:rPr lang="fr-FR" dirty="0"/>
+              <a:t>Séparations des modules en schéma séparé</a:t>
+            </a:r>
+          </a:p>
+          <a:p>
+            <a:pPr>
+              <a:lnSpc>
+                <a:spcPct val="150000"/>
+              </a:lnSpc>
+            </a:pPr>
+            <a:r>
+              <a:rPr lang="fr-FR" dirty="0"/>
+              <a:t>L’ajout des valeurs de composants est souhaité mais pas obligatoire</a:t>
+            </a:r>
+          </a:p>
+          <a:p>
+            <a:pPr>
+              <a:lnSpc>
+                <a:spcPct val="150000"/>
+              </a:lnSpc>
+            </a:pPr>
+            <a:r>
+              <a:rPr lang="fr-FR" dirty="0"/>
+              <a:t>Annotation des composants (automatique)</a:t>
+            </a:r>
+          </a:p>
+        </p:txBody>
+      </p:sp>
+    </p:spTree>
+    <p:extLst>
+      <p:ext uri="{BB962C8B-B14F-4D97-AF65-F5344CB8AC3E}">
+        <p14:creationId xmlns:p14="http://schemas.microsoft.com/office/powerpoint/2010/main" val="1737785899"/>
+      </p:ext>
+    </p:extLst>
+  </p:cSld>
+  <p:clrMapOvr>
+    <a:masterClrMapping/>
+  </p:clrMapOvr>
+</p:sld>
+</file>
+
+<file path=ppt/slides/slide25.xml><?xml version="1.0" encoding="utf-8"?>
+<p:sld xmlns:a="http://schemas.openxmlformats.org/drawingml/2006/main" xmlns:r="http://schemas.openxmlformats.org/officeDocument/2006/relationships" xmlns:p="http://schemas.openxmlformats.org/presentationml/2006/main">
+  <p:cSld>
+    <p:spTree>
+      <p:nvGrpSpPr>
+        <p:cNvPr id="1" name=""/>
+        <p:cNvGrpSpPr/>
+        <p:nvPr/>
+      </p:nvGrpSpPr>
+      <p:grpSpPr>
+        <a:xfrm>
+          <a:off x="0" y="0"/>
+          <a:ext cx="0" cy="0"/>
+          <a:chOff x="0" y="0"/>
+          <a:chExt cx="0" cy="0"/>
+        </a:xfrm>
+      </p:grpSpPr>
+      <p:sp>
+        <p:nvSpPr>
+          <p:cNvPr id="2" name="Titel 1">
+            <a:extLst>
+              <a:ext uri="{FF2B5EF4-FFF2-40B4-BE49-F238E27FC236}">
+                <a16:creationId xmlns:a16="http://schemas.microsoft.com/office/drawing/2014/main" id="{EC58A250-A060-4506-946A-285DF9748D89}"/>
+              </a:ext>
+            </a:extLst>
+          </p:cNvPr>
+          <p:cNvSpPr>
+            <a:spLocks noGrp="1"/>
+          </p:cNvSpPr>
+          <p:nvPr>
+            <p:ph type="title"/>
+          </p:nvPr>
+        </p:nvSpPr>
+        <p:spPr/>
+        <p:txBody>
+          <a:bodyPr/>
+          <a:lstStyle/>
+          <a:p>
+            <a:r>
+              <a:rPr lang="fr-FR" dirty="0" err="1"/>
+              <a:t>Kicad</a:t>
+            </a:r>
+            <a:r>
+              <a:rPr lang="fr-FR" dirty="0"/>
+              <a:t> - Empreintes</a:t>
+            </a:r>
+          </a:p>
+        </p:txBody>
+      </p:sp>
+      <p:sp>
+        <p:nvSpPr>
+          <p:cNvPr id="3" name="Inhaltsplatzhalter 2">
+            <a:extLst>
+              <a:ext uri="{FF2B5EF4-FFF2-40B4-BE49-F238E27FC236}">
+                <a16:creationId xmlns:a16="http://schemas.microsoft.com/office/drawing/2014/main" id="{07894FCB-2218-48FC-9F0B-37B148DBFC4C}"/>
+              </a:ext>
+            </a:extLst>
+          </p:cNvPr>
+          <p:cNvSpPr>
+            <a:spLocks noGrp="1"/>
+          </p:cNvSpPr>
+          <p:nvPr>
+            <p:ph idx="1"/>
+          </p:nvPr>
+        </p:nvSpPr>
+        <p:spPr/>
+        <p:txBody>
+          <a:bodyPr/>
+          <a:lstStyle/>
+          <a:p>
+            <a:pPr>
+              <a:lnSpc>
+                <a:spcPct val="150000"/>
+              </a:lnSpc>
+            </a:pPr>
+            <a:r>
+              <a:rPr lang="fr-FR" dirty="0"/>
+              <a:t>Gestion des empreintes par librairie</a:t>
+            </a:r>
+          </a:p>
+          <a:p>
+            <a:pPr>
+              <a:lnSpc>
+                <a:spcPct val="150000"/>
+              </a:lnSpc>
+            </a:pPr>
+            <a:r>
+              <a:rPr lang="fr-FR" dirty="0"/>
+              <a:t>Adaptation de l’empreinte au composant</a:t>
+            </a:r>
+          </a:p>
+          <a:p>
+            <a:pPr lvl="1">
+              <a:lnSpc>
+                <a:spcPct val="150000"/>
+              </a:lnSpc>
+            </a:pPr>
+            <a:r>
+              <a:rPr lang="fr-FR" dirty="0"/>
+              <a:t>Fonctions</a:t>
+            </a:r>
+          </a:p>
+          <a:p>
+            <a:pPr lvl="1">
+              <a:lnSpc>
+                <a:spcPct val="150000"/>
+              </a:lnSpc>
+            </a:pPr>
+            <a:r>
+              <a:rPr lang="fr-FR" dirty="0"/>
+              <a:t>Formes (SMD, THT)</a:t>
+            </a:r>
+          </a:p>
+          <a:p>
+            <a:pPr>
+              <a:lnSpc>
+                <a:spcPct val="150000"/>
+              </a:lnSpc>
+            </a:pPr>
+            <a:r>
+              <a:rPr lang="fr-FR" dirty="0"/>
+              <a:t>Éditeur / </a:t>
+            </a:r>
+            <a:r>
+              <a:rPr lang="fr-FR" dirty="0" err="1"/>
+              <a:t>Visualisateur</a:t>
+            </a:r>
+            <a:r>
+              <a:rPr lang="fr-FR" dirty="0"/>
+              <a:t> d’empreinte</a:t>
+            </a:r>
+          </a:p>
+        </p:txBody>
+      </p:sp>
+    </p:spTree>
+    <p:extLst>
+      <p:ext uri="{BB962C8B-B14F-4D97-AF65-F5344CB8AC3E}">
+        <p14:creationId xmlns:p14="http://schemas.microsoft.com/office/powerpoint/2010/main" val="168007088"/>
+      </p:ext>
+    </p:extLst>
+  </p:cSld>
+  <p:clrMapOvr>
+    <a:masterClrMapping/>
+  </p:clrMapOvr>
+</p:sld>
+</file>
+
+<file path=ppt/slides/slide26.xml><?xml version="1.0" encoding="utf-8"?>
+<p:sld xmlns:a="http://schemas.openxmlformats.org/drawingml/2006/main" xmlns:r="http://schemas.openxmlformats.org/officeDocument/2006/relationships" xmlns:p="http://schemas.openxmlformats.org/presentationml/2006/main">
+  <p:cSld>
+    <p:spTree>
+      <p:nvGrpSpPr>
+        <p:cNvPr id="1" name=""/>
+        <p:cNvGrpSpPr/>
+        <p:nvPr/>
+      </p:nvGrpSpPr>
+      <p:grpSpPr>
+        <a:xfrm>
+          <a:off x="0" y="0"/>
+          <a:ext cx="0" cy="0"/>
+          <a:chOff x="0" y="0"/>
+          <a:chExt cx="0" cy="0"/>
+        </a:xfrm>
+      </p:grpSpPr>
+      <p:sp>
+        <p:nvSpPr>
+          <p:cNvPr id="2" name="Titel 1">
+            <a:extLst>
+              <a:ext uri="{FF2B5EF4-FFF2-40B4-BE49-F238E27FC236}">
+                <a16:creationId xmlns:a16="http://schemas.microsoft.com/office/drawing/2014/main" id="{3A9BAF6F-A2BC-4BC0-966C-E7F7EED36D16}"/>
+              </a:ext>
+            </a:extLst>
+          </p:cNvPr>
+          <p:cNvSpPr>
+            <a:spLocks noGrp="1"/>
+          </p:cNvSpPr>
+          <p:nvPr>
+            <p:ph type="title"/>
+          </p:nvPr>
+        </p:nvSpPr>
+        <p:spPr/>
+        <p:txBody>
+          <a:bodyPr/>
+          <a:lstStyle/>
+          <a:p>
+            <a:r>
+              <a:rPr lang="fr-FR" dirty="0"/>
+              <a:t>KICAD – Règle de routage </a:t>
+            </a:r>
+          </a:p>
+        </p:txBody>
+      </p:sp>
+      <p:sp>
+        <p:nvSpPr>
+          <p:cNvPr id="3" name="Inhaltsplatzhalter 2">
+            <a:extLst>
+              <a:ext uri="{FF2B5EF4-FFF2-40B4-BE49-F238E27FC236}">
+                <a16:creationId xmlns:a16="http://schemas.microsoft.com/office/drawing/2014/main" id="{3FE61540-04B1-491E-BB8E-6DE39A52E982}"/>
+              </a:ext>
+            </a:extLst>
+          </p:cNvPr>
+          <p:cNvSpPr>
+            <a:spLocks noGrp="1"/>
+          </p:cNvSpPr>
+          <p:nvPr>
+            <p:ph idx="1"/>
+          </p:nvPr>
+        </p:nvSpPr>
+        <p:spPr/>
+        <p:txBody>
+          <a:bodyPr>
+            <a:normAutofit fontScale="92500" lnSpcReduction="10000"/>
+          </a:bodyPr>
+          <a:lstStyle/>
+          <a:p>
+            <a:pPr>
+              <a:lnSpc>
+                <a:spcPct val="150000"/>
+              </a:lnSpc>
+            </a:pPr>
+            <a:r>
+              <a:rPr lang="fr-FR" dirty="0"/>
+              <a:t>Adaptation des règles pour le fondeur</a:t>
+            </a:r>
+          </a:p>
+          <a:p>
+            <a:pPr>
+              <a:lnSpc>
+                <a:spcPct val="150000"/>
+              </a:lnSpc>
+            </a:pPr>
+            <a:r>
+              <a:rPr lang="fr-FR" dirty="0"/>
+              <a:t>Pour Phelma (cf. Tutoriel </a:t>
+            </a:r>
+            <a:r>
+              <a:rPr lang="fr-FR" dirty="0" err="1"/>
+              <a:t>KiCad</a:t>
+            </a:r>
+            <a:r>
+              <a:rPr lang="fr-FR" dirty="0"/>
+              <a:t> 2) :</a:t>
+            </a:r>
+          </a:p>
+          <a:p>
+            <a:pPr lvl="1">
+              <a:lnSpc>
+                <a:spcPct val="150000"/>
+              </a:lnSpc>
+            </a:pPr>
+            <a:r>
+              <a:rPr lang="fr-FR" dirty="0"/>
+              <a:t>Isolation : 0.2 mm</a:t>
+            </a:r>
+          </a:p>
+          <a:p>
+            <a:pPr lvl="1">
+              <a:lnSpc>
+                <a:spcPct val="150000"/>
+              </a:lnSpc>
+            </a:pPr>
+            <a:r>
+              <a:rPr lang="fr-FR" dirty="0"/>
+              <a:t>Largeur Piste : 0.5mm</a:t>
+            </a:r>
+          </a:p>
+          <a:p>
+            <a:pPr lvl="1">
+              <a:lnSpc>
+                <a:spcPct val="150000"/>
+              </a:lnSpc>
+            </a:pPr>
+            <a:r>
+              <a:rPr lang="fr-FR" dirty="0"/>
+              <a:t>Diamètre via : 2mm</a:t>
+            </a:r>
+          </a:p>
+          <a:p>
+            <a:pPr lvl="1">
+              <a:lnSpc>
+                <a:spcPct val="150000"/>
+              </a:lnSpc>
+            </a:pPr>
+            <a:r>
+              <a:rPr lang="fr-FR" dirty="0"/>
+              <a:t>Perçage via : 0.8 mm</a:t>
+            </a:r>
+          </a:p>
+          <a:p>
+            <a:pPr lvl="1">
+              <a:lnSpc>
+                <a:spcPct val="150000"/>
+              </a:lnSpc>
+            </a:pPr>
+            <a:r>
+              <a:rPr lang="fr-FR" dirty="0"/>
+              <a:t>Perçage Accrochage: 3mm</a:t>
+            </a:r>
+          </a:p>
+        </p:txBody>
+      </p:sp>
+    </p:spTree>
+    <p:extLst>
+      <p:ext uri="{BB962C8B-B14F-4D97-AF65-F5344CB8AC3E}">
+        <p14:creationId xmlns:p14="http://schemas.microsoft.com/office/powerpoint/2010/main" val="3168954188"/>
+      </p:ext>
+    </p:extLst>
+  </p:cSld>
+  <p:clrMapOvr>
+    <a:masterClrMapping/>
+  </p:clrMapOvr>
+</p:sld>
+</file>
+
+<file path=ppt/slides/slide27.xml><?xml version="1.0" encoding="utf-8"?>
+<p:sld xmlns:a="http://schemas.openxmlformats.org/drawingml/2006/main" xmlns:r="http://schemas.openxmlformats.org/officeDocument/2006/relationships" xmlns:p="http://schemas.openxmlformats.org/presentationml/2006/main">
+  <p:cSld>
+    <p:spTree>
+      <p:nvGrpSpPr>
+        <p:cNvPr id="1" name=""/>
+        <p:cNvGrpSpPr/>
+        <p:nvPr/>
+      </p:nvGrpSpPr>
+      <p:grpSpPr>
+        <a:xfrm>
+          <a:off x="0" y="0"/>
+          <a:ext cx="0" cy="0"/>
+          <a:chOff x="0" y="0"/>
+          <a:chExt cx="0" cy="0"/>
+        </a:xfrm>
+      </p:grpSpPr>
+      <p:sp>
+        <p:nvSpPr>
+          <p:cNvPr id="2" name="Titel 1">
+            <a:extLst>
+              <a:ext uri="{FF2B5EF4-FFF2-40B4-BE49-F238E27FC236}">
+                <a16:creationId xmlns:a16="http://schemas.microsoft.com/office/drawing/2014/main" id="{E5FA89F8-2986-41F6-B030-5E0960AA2A07}"/>
+              </a:ext>
+            </a:extLst>
+          </p:cNvPr>
+          <p:cNvSpPr>
+            <a:spLocks noGrp="1"/>
+          </p:cNvSpPr>
+          <p:nvPr>
+            <p:ph type="title"/>
+          </p:nvPr>
+        </p:nvSpPr>
+        <p:spPr/>
+        <p:txBody>
+          <a:bodyPr/>
+          <a:lstStyle/>
+          <a:p>
+            <a:r>
+              <a:rPr lang="fr-FR" dirty="0" err="1"/>
+              <a:t>Kicad</a:t>
+            </a:r>
+            <a:r>
+              <a:rPr lang="fr-FR" dirty="0"/>
+              <a:t> - Routage</a:t>
+            </a:r>
+          </a:p>
+        </p:txBody>
+      </p:sp>
+      <p:sp>
+        <p:nvSpPr>
+          <p:cNvPr id="3" name="Inhaltsplatzhalter 2">
+            <a:extLst>
+              <a:ext uri="{FF2B5EF4-FFF2-40B4-BE49-F238E27FC236}">
+                <a16:creationId xmlns:a16="http://schemas.microsoft.com/office/drawing/2014/main" id="{EA3723D0-0937-4CBB-A72C-3E71E5F17AE5}"/>
+              </a:ext>
+            </a:extLst>
+          </p:cNvPr>
+          <p:cNvSpPr>
+            <a:spLocks noGrp="1"/>
+          </p:cNvSpPr>
+          <p:nvPr>
+            <p:ph idx="1"/>
+          </p:nvPr>
+        </p:nvSpPr>
+        <p:spPr/>
+        <p:txBody>
+          <a:bodyPr>
+            <a:normAutofit fontScale="77500" lnSpcReduction="20000"/>
+          </a:bodyPr>
+          <a:lstStyle/>
+          <a:p>
+            <a:pPr>
+              <a:lnSpc>
+                <a:spcPct val="160000"/>
+              </a:lnSpc>
+            </a:pPr>
+            <a:r>
+              <a:rPr lang="fr-FR" dirty="0"/>
+              <a:t>Placement des invariables</a:t>
+            </a:r>
+          </a:p>
+          <a:p>
+            <a:pPr lvl="1">
+              <a:lnSpc>
+                <a:spcPct val="160000"/>
+              </a:lnSpc>
+            </a:pPr>
+            <a:r>
+              <a:rPr lang="fr-FR" dirty="0"/>
+              <a:t>Accrochage</a:t>
+            </a:r>
+          </a:p>
+          <a:p>
+            <a:pPr lvl="1">
+              <a:lnSpc>
+                <a:spcPct val="160000"/>
+              </a:lnSpc>
+            </a:pPr>
+            <a:r>
+              <a:rPr lang="fr-FR" dirty="0"/>
+              <a:t>Connecteurs</a:t>
+            </a:r>
+          </a:p>
+          <a:p>
+            <a:pPr>
+              <a:lnSpc>
+                <a:spcPct val="160000"/>
+              </a:lnSpc>
+            </a:pPr>
+            <a:r>
+              <a:rPr lang="fr-FR" dirty="0"/>
+              <a:t>Répartition en Bloc fonctionnel</a:t>
+            </a:r>
+          </a:p>
+          <a:p>
+            <a:pPr>
+              <a:lnSpc>
+                <a:spcPct val="160000"/>
+              </a:lnSpc>
+            </a:pPr>
+            <a:r>
+              <a:rPr lang="fr-FR" dirty="0"/>
+              <a:t>Croisement dans le plan à éviter si possible</a:t>
+            </a:r>
+          </a:p>
+          <a:p>
+            <a:pPr>
+              <a:lnSpc>
+                <a:spcPct val="160000"/>
+              </a:lnSpc>
+            </a:pPr>
+            <a:r>
+              <a:rPr lang="fr-FR" dirty="0"/>
+              <a:t>Rotation des blocs pour des connexions sans croisement</a:t>
+            </a:r>
+          </a:p>
+          <a:p>
+            <a:pPr>
+              <a:lnSpc>
+                <a:spcPct val="160000"/>
+              </a:lnSpc>
+            </a:pPr>
+            <a:r>
+              <a:rPr lang="fr-FR" dirty="0"/>
+              <a:t>Limiter les Vias</a:t>
+            </a:r>
+          </a:p>
+        </p:txBody>
+      </p:sp>
+    </p:spTree>
+    <p:extLst>
+      <p:ext uri="{BB962C8B-B14F-4D97-AF65-F5344CB8AC3E}">
+        <p14:creationId xmlns:p14="http://schemas.microsoft.com/office/powerpoint/2010/main" val="1556522653"/>
+      </p:ext>
+    </p:extLst>
+  </p:cSld>
+  <p:clrMapOvr>
+    <a:masterClrMapping/>
+  </p:clrMapOvr>
+</p:sld>
+</file>
+
+<file path=ppt/slides/slide28.xml><?xml version="1.0" encoding="utf-8"?>
+<p:sld xmlns:a="http://schemas.openxmlformats.org/drawingml/2006/main" xmlns:r="http://schemas.openxmlformats.org/officeDocument/2006/relationships" xmlns:p="http://schemas.openxmlformats.org/presentationml/2006/main">
+  <p:cSld>
+    <p:spTree>
+      <p:nvGrpSpPr>
+        <p:cNvPr id="1" name=""/>
+        <p:cNvGrpSpPr/>
+        <p:nvPr/>
+      </p:nvGrpSpPr>
+      <p:grpSpPr>
+        <a:xfrm>
+          <a:off x="0" y="0"/>
+          <a:ext cx="0" cy="0"/>
+          <a:chOff x="0" y="0"/>
+          <a:chExt cx="0" cy="0"/>
+        </a:xfrm>
+      </p:grpSpPr>
+      <p:sp>
+        <p:nvSpPr>
+          <p:cNvPr id="2" name="Titel 1">
+            <a:extLst>
+              <a:ext uri="{FF2B5EF4-FFF2-40B4-BE49-F238E27FC236}">
+                <a16:creationId xmlns:a16="http://schemas.microsoft.com/office/drawing/2014/main" id="{DB0E9F10-F183-4378-985D-95714DB5CAAA}"/>
+              </a:ext>
+            </a:extLst>
+          </p:cNvPr>
+          <p:cNvSpPr>
+            <a:spLocks noGrp="1"/>
+          </p:cNvSpPr>
+          <p:nvPr>
+            <p:ph type="title"/>
+          </p:nvPr>
+        </p:nvSpPr>
+        <p:spPr/>
+        <p:txBody>
+          <a:bodyPr/>
+          <a:lstStyle/>
+          <a:p>
+            <a:r>
+              <a:rPr lang="fr-FR" dirty="0" err="1"/>
+              <a:t>Remerciments</a:t>
+            </a:r>
+            <a:endParaRPr lang="fr-FR" dirty="0"/>
+          </a:p>
+        </p:txBody>
+      </p:sp>
+      <p:sp>
+        <p:nvSpPr>
+          <p:cNvPr id="3" name="Inhaltsplatzhalter 2">
+            <a:extLst>
+              <a:ext uri="{FF2B5EF4-FFF2-40B4-BE49-F238E27FC236}">
+                <a16:creationId xmlns:a16="http://schemas.microsoft.com/office/drawing/2014/main" id="{E581D03D-377B-4DDA-BB29-CD88F4EB5FDB}"/>
+              </a:ext>
+            </a:extLst>
+          </p:cNvPr>
+          <p:cNvSpPr>
+            <a:spLocks noGrp="1"/>
+          </p:cNvSpPr>
+          <p:nvPr>
+            <p:ph idx="1"/>
+          </p:nvPr>
+        </p:nvSpPr>
+        <p:spPr/>
+        <p:txBody>
+          <a:bodyPr/>
+          <a:lstStyle/>
+          <a:p>
+            <a:r>
+              <a:rPr lang="fr-FR" dirty="0"/>
+              <a:t>Alexis REY (Circuit </a:t>
+            </a:r>
+            <a:r>
+              <a:rPr lang="fr-FR" dirty="0" err="1"/>
+              <a:t>Recepteur</a:t>
+            </a:r>
+            <a:r>
+              <a:rPr lang="fr-FR" dirty="0"/>
+              <a:t>)</a:t>
+            </a:r>
+          </a:p>
+          <a:p>
+            <a:r>
+              <a:rPr lang="fr-FR" dirty="0"/>
+              <a:t>Felix </a:t>
+            </a:r>
+            <a:r>
+              <a:rPr lang="fr-FR" dirty="0" err="1"/>
+              <a:t>Piedallu</a:t>
+            </a:r>
+            <a:r>
+              <a:rPr lang="fr-FR" dirty="0"/>
+              <a:t> (Correction) </a:t>
+            </a:r>
+          </a:p>
+          <a:p>
+            <a:r>
+              <a:rPr lang="fr-FR" dirty="0"/>
+              <a:t>Relecteurs du Club </a:t>
+            </a:r>
+            <a:r>
+              <a:rPr lang="fr-FR" dirty="0" err="1"/>
+              <a:t>Robotronik</a:t>
+            </a:r>
+            <a:endParaRPr lang="fr-FR" dirty="0"/>
+          </a:p>
+        </p:txBody>
+      </p:sp>
+    </p:spTree>
+    <p:extLst>
+      <p:ext uri="{BB962C8B-B14F-4D97-AF65-F5344CB8AC3E}">
+        <p14:creationId xmlns:p14="http://schemas.microsoft.com/office/powerpoint/2010/main" val="3573743492"/>
+      </p:ext>
+    </p:extLst>
+  </p:cSld>
+  <p:clrMapOvr>
+    <a:masterClrMapping/>
+  </p:clrMapOvr>
+</p:sld>
+</file>
+
+<file path=ppt/slides/slide29.xml><?xml version="1.0" encoding="utf-8"?>
+<p:sld xmlns:a="http://schemas.openxmlformats.org/drawingml/2006/main" xmlns:r="http://schemas.openxmlformats.org/officeDocument/2006/relationships" xmlns:p="http://schemas.openxmlformats.org/presentationml/2006/main">
+  <p:cSld>
+    <p:spTree>
+      <p:nvGrpSpPr>
+        <p:cNvPr id="1" name=""/>
+        <p:cNvGrpSpPr/>
+        <p:nvPr/>
+      </p:nvGrpSpPr>
+      <p:grpSpPr>
+        <a:xfrm>
+          <a:off x="0" y="0"/>
+          <a:ext cx="0" cy="0"/>
+          <a:chOff x="0" y="0"/>
+          <a:chExt cx="0" cy="0"/>
+        </a:xfrm>
+      </p:grpSpPr>
+      <p:sp>
+        <p:nvSpPr>
+          <p:cNvPr id="2" name="Titel 1">
+            <a:extLst>
+              <a:ext uri="{FF2B5EF4-FFF2-40B4-BE49-F238E27FC236}">
+                <a16:creationId xmlns:a16="http://schemas.microsoft.com/office/drawing/2014/main" id="{B14DF7BC-A14E-4C52-A516-C5FCEF0C732D}"/>
+              </a:ext>
+            </a:extLst>
+          </p:cNvPr>
+          <p:cNvSpPr>
+            <a:spLocks noGrp="1"/>
+          </p:cNvSpPr>
+          <p:nvPr>
+            <p:ph type="title"/>
+          </p:nvPr>
+        </p:nvSpPr>
+        <p:spPr/>
+        <p:txBody>
+          <a:bodyPr/>
+          <a:lstStyle/>
+          <a:p>
+            <a:r>
+              <a:rPr lang="fr-FR" dirty="0"/>
+              <a:t>Sources</a:t>
+            </a:r>
+          </a:p>
+        </p:txBody>
+      </p:sp>
+      <p:sp>
+        <p:nvSpPr>
+          <p:cNvPr id="3" name="Inhaltsplatzhalter 2">
+            <a:extLst>
+              <a:ext uri="{FF2B5EF4-FFF2-40B4-BE49-F238E27FC236}">
+                <a16:creationId xmlns:a16="http://schemas.microsoft.com/office/drawing/2014/main" id="{8034AF68-23A8-4F18-A47B-99842EFD949F}"/>
+              </a:ext>
+            </a:extLst>
+          </p:cNvPr>
+          <p:cNvSpPr>
+            <a:spLocks noGrp="1"/>
+          </p:cNvSpPr>
+          <p:nvPr>
+            <p:ph idx="1"/>
+          </p:nvPr>
+        </p:nvSpPr>
+        <p:spPr/>
+        <p:txBody>
+          <a:bodyPr>
+            <a:normAutofit fontScale="70000" lnSpcReduction="20000"/>
+          </a:bodyPr>
+          <a:lstStyle/>
+          <a:p>
+            <a:r>
+              <a:rPr lang="fr-FR" dirty="0">
+                <a:hlinkClick r:id="rId2"/>
+              </a:rPr>
+              <a:t>http://www.kicad-pcb.org</a:t>
+            </a:r>
+            <a:endParaRPr lang="fr-FR" dirty="0"/>
+          </a:p>
+          <a:p>
+            <a:r>
+              <a:rPr lang="fr-FR" dirty="0">
+                <a:hlinkClick r:id="rId3"/>
+              </a:rPr>
+              <a:t>https://www.analog.com/en/design-center/design-tools-and-calculators/ltspice-simulator.html</a:t>
+            </a:r>
+            <a:endParaRPr lang="fr-FR" dirty="0"/>
+          </a:p>
+          <a:p>
+            <a:r>
+              <a:rPr lang="fr-FR" dirty="0">
+                <a:hlinkClick r:id="rId4"/>
+              </a:rPr>
+              <a:t>http://bwrcs.eecs.berkeley.edu/Classes/IcBook/SPICE/UserGuide/analyses_fr.html</a:t>
+            </a:r>
+            <a:endParaRPr lang="fr-FR" dirty="0"/>
+          </a:p>
+          <a:p>
+            <a:r>
+              <a:rPr lang="fr-FR" dirty="0">
+                <a:hlinkClick r:id="rId5"/>
+              </a:rPr>
+              <a:t>http://www.brunel.ac.uk/~eestmba/usergS.html</a:t>
+            </a:r>
+            <a:endParaRPr lang="fr-FR" dirty="0"/>
+          </a:p>
+          <a:p>
+            <a:r>
+              <a:rPr lang="fr-FR" dirty="0">
+                <a:hlinkClick r:id="rId6"/>
+              </a:rPr>
+              <a:t>http://www.ecircuitcenter.com/SPICEsummary.htm</a:t>
+            </a:r>
+            <a:endParaRPr lang="fr-FR" dirty="0"/>
+          </a:p>
+          <a:p>
+            <a:r>
+              <a:rPr lang="fr-FR" dirty="0">
+                <a:hlinkClick r:id="rId7"/>
+              </a:rPr>
+              <a:t>https://fr.farnell.com</a:t>
+            </a:r>
+            <a:endParaRPr lang="fr-FR" dirty="0"/>
+          </a:p>
+          <a:p>
+            <a:r>
+              <a:rPr lang="fr-FR" dirty="0">
+                <a:hlinkClick r:id="rId8"/>
+              </a:rPr>
+              <a:t>https://chamilo.grenoble-inp.fr/courses/PHELMA3PMKPEL6/index.php</a:t>
+            </a:r>
+            <a:endParaRPr lang="fr-FR" dirty="0"/>
+          </a:p>
+          <a:p>
+            <a:r>
+              <a:rPr lang="fr-FR" dirty="0">
+                <a:hlinkClick r:id="rId9"/>
+              </a:rPr>
+              <a:t>https://www.vishay.com</a:t>
+            </a:r>
+            <a:endParaRPr lang="fr-FR" dirty="0"/>
+          </a:p>
+          <a:p>
+            <a:r>
+              <a:rPr lang="fr-FR" dirty="0">
+                <a:hlinkClick r:id="rId10"/>
+              </a:rPr>
+              <a:t>http://www.ti.com</a:t>
+            </a:r>
+            <a:endParaRPr lang="fr-FR" dirty="0"/>
+          </a:p>
+        </p:txBody>
+      </p:sp>
+    </p:spTree>
+    <p:extLst>
+      <p:ext uri="{BB962C8B-B14F-4D97-AF65-F5344CB8AC3E}">
+        <p14:creationId xmlns:p14="http://schemas.microsoft.com/office/powerpoint/2010/main" val="1707752736"/>
+      </p:ext>
+    </p:extLst>
+  </p:cSld>
+  <p:clrMapOvr>
+    <a:masterClrMapping/>
+  </p:clrMapOvr>
+</p:sld>
+</file>
+
 <file path=ppt/slides/slide3.xml><?xml version="1.0" encoding="utf-8"?>
+<p:sld xmlns:a="http://schemas.openxmlformats.org/drawingml/2006/main" xmlns:r="http://schemas.openxmlformats.org/officeDocument/2006/relationships" xmlns:p="http://schemas.openxmlformats.org/presentationml/2006/main">
+  <p:cSld>
+    <p:spTree>
+      <p:nvGrpSpPr>
+        <p:cNvPr id="1" name=""/>
+        <p:cNvGrpSpPr/>
+        <p:nvPr/>
+      </p:nvGrpSpPr>
+      <p:grpSpPr>
+        <a:xfrm>
+          <a:off x="0" y="0"/>
+          <a:ext cx="0" cy="0"/>
+          <a:chOff x="0" y="0"/>
+          <a:chExt cx="0" cy="0"/>
+        </a:xfrm>
+      </p:grpSpPr>
+      <p:sp>
+        <p:nvSpPr>
+          <p:cNvPr id="2" name="Titel 1">
+            <a:extLst>
+              <a:ext uri="{FF2B5EF4-FFF2-40B4-BE49-F238E27FC236}">
+                <a16:creationId xmlns:a16="http://schemas.microsoft.com/office/drawing/2014/main" id="{D13CDD3E-141F-485A-98B9-87374F659B24}"/>
+              </a:ext>
+            </a:extLst>
+          </p:cNvPr>
+          <p:cNvSpPr>
+            <a:spLocks noGrp="1"/>
+          </p:cNvSpPr>
+          <p:nvPr>
+            <p:ph type="title"/>
+          </p:nvPr>
+        </p:nvSpPr>
+        <p:spPr/>
+        <p:txBody>
+          <a:bodyPr/>
+          <a:lstStyle/>
+          <a:p>
+            <a:r>
+              <a:rPr lang="fr-FR" dirty="0"/>
+              <a:t>Sommaire</a:t>
+            </a:r>
+          </a:p>
+        </p:txBody>
+      </p:sp>
+      <p:sp>
+        <p:nvSpPr>
+          <p:cNvPr id="3" name="Inhaltsplatzhalter 2">
+            <a:extLst>
+              <a:ext uri="{FF2B5EF4-FFF2-40B4-BE49-F238E27FC236}">
+                <a16:creationId xmlns:a16="http://schemas.microsoft.com/office/drawing/2014/main" id="{D1EB8583-97E9-42F0-B220-FFC5EC6C9C67}"/>
+              </a:ext>
+            </a:extLst>
+          </p:cNvPr>
+          <p:cNvSpPr>
+            <a:spLocks noGrp="1"/>
+          </p:cNvSpPr>
+          <p:nvPr>
+            <p:ph idx="1"/>
+          </p:nvPr>
+        </p:nvSpPr>
+        <p:spPr/>
+        <p:txBody>
+          <a:bodyPr numCol="2">
+            <a:normAutofit/>
+          </a:bodyPr>
+          <a:lstStyle/>
+          <a:p>
+            <a:pPr>
+              <a:lnSpc>
+                <a:spcPct val="150000"/>
+              </a:lnSpc>
+            </a:pPr>
+            <a:r>
+              <a:rPr lang="fr-FR" dirty="0"/>
+              <a:t>Dimensionnement / Simulation</a:t>
+            </a:r>
+          </a:p>
+          <a:p>
+            <a:pPr lvl="1">
+              <a:lnSpc>
+                <a:spcPct val="150000"/>
+              </a:lnSpc>
+            </a:pPr>
+            <a:r>
+              <a:rPr lang="fr-FR" dirty="0"/>
+              <a:t>Émetteur</a:t>
+            </a:r>
+          </a:p>
+          <a:p>
+            <a:pPr lvl="1">
+              <a:lnSpc>
+                <a:spcPct val="150000"/>
+              </a:lnSpc>
+            </a:pPr>
+            <a:r>
+              <a:rPr lang="fr-FR" dirty="0"/>
+              <a:t>Filtre</a:t>
+            </a:r>
+          </a:p>
+          <a:p>
+            <a:pPr lvl="1">
+              <a:lnSpc>
+                <a:spcPct val="150000"/>
+              </a:lnSpc>
+            </a:pPr>
+            <a:r>
+              <a:rPr lang="fr-FR" dirty="0"/>
+              <a:t>Détecteur de crête</a:t>
+            </a:r>
+          </a:p>
+          <a:p>
+            <a:pPr lvl="1">
+              <a:lnSpc>
+                <a:spcPct val="150000"/>
+              </a:lnSpc>
+            </a:pPr>
+            <a:r>
+              <a:rPr lang="fr-FR" dirty="0"/>
+              <a:t>Récepteur</a:t>
+            </a:r>
+          </a:p>
+          <a:p>
+            <a:pPr>
+              <a:lnSpc>
+                <a:spcPct val="150000"/>
+              </a:lnSpc>
+            </a:pPr>
+            <a:r>
+              <a:rPr lang="fr-FR" dirty="0"/>
+              <a:t>Vérification</a:t>
+            </a:r>
+          </a:p>
+          <a:p>
+            <a:pPr>
+              <a:lnSpc>
+                <a:spcPct val="150000"/>
+              </a:lnSpc>
+            </a:pPr>
+            <a:r>
+              <a:rPr lang="fr-FR" dirty="0"/>
+              <a:t>Conception du circuit imprimé</a:t>
+            </a:r>
+          </a:p>
+          <a:p>
+            <a:pPr lvl="1">
+              <a:lnSpc>
+                <a:spcPct val="150000"/>
+              </a:lnSpc>
+            </a:pPr>
+            <a:r>
+              <a:rPr lang="fr-FR" dirty="0"/>
+              <a:t>Schéma</a:t>
+            </a:r>
+          </a:p>
+          <a:p>
+            <a:pPr lvl="1">
+              <a:lnSpc>
+                <a:spcPct val="150000"/>
+              </a:lnSpc>
+            </a:pPr>
+            <a:r>
+              <a:rPr lang="fr-FR" dirty="0"/>
+              <a:t>Empreintes</a:t>
+            </a:r>
+          </a:p>
+          <a:p>
+            <a:pPr lvl="1">
+              <a:lnSpc>
+                <a:spcPct val="150000"/>
+              </a:lnSpc>
+            </a:pPr>
+            <a:r>
+              <a:rPr lang="fr-FR" dirty="0"/>
+              <a:t>Règles de routage</a:t>
+            </a:r>
+          </a:p>
+          <a:p>
+            <a:pPr lvl="1">
+              <a:lnSpc>
+                <a:spcPct val="150000"/>
+              </a:lnSpc>
+            </a:pPr>
+            <a:r>
+              <a:rPr lang="fr-FR" dirty="0"/>
+              <a:t>Routage</a:t>
+            </a:r>
+          </a:p>
+        </p:txBody>
+      </p:sp>
+    </p:spTree>
+    <p:extLst>
+      <p:ext uri="{BB962C8B-B14F-4D97-AF65-F5344CB8AC3E}">
+        <p14:creationId xmlns:p14="http://schemas.microsoft.com/office/powerpoint/2010/main" val="1671327602"/>
+      </p:ext>
+    </p:extLst>
+  </p:cSld>
+  <p:clrMapOvr>
+    <a:masterClrMapping/>
+  </p:clrMapOvr>
+</p:sld>
+</file>
+
+<file path=ppt/slides/slide30.xml><?xml version="1.0" encoding="utf-8"?>
+<p:sld xmlns:a="http://schemas.openxmlformats.org/drawingml/2006/main" xmlns:r="http://schemas.openxmlformats.org/officeDocument/2006/relationships" xmlns:p="http://schemas.openxmlformats.org/presentationml/2006/main">
+  <p:cSld>
+    <p:spTree>
+      <p:nvGrpSpPr>
+        <p:cNvPr id="1" name=""/>
+        <p:cNvGrpSpPr/>
+        <p:nvPr/>
+      </p:nvGrpSpPr>
+      <p:grpSpPr>
+        <a:xfrm>
+          <a:off x="0" y="0"/>
+          <a:ext cx="0" cy="0"/>
+          <a:chOff x="0" y="0"/>
+          <a:chExt cx="0" cy="0"/>
+        </a:xfrm>
+      </p:grpSpPr>
+    </p:spTree>
+    <p:extLst>
+      <p:ext uri="{BB962C8B-B14F-4D97-AF65-F5344CB8AC3E}">
+        <p14:creationId xmlns:p14="http://schemas.microsoft.com/office/powerpoint/2010/main" val="3429173022"/>
+      </p:ext>
+    </p:extLst>
+  </p:cSld>
+  <p:clrMapOvr>
+    <a:masterClrMapping/>
+  </p:clrMapOvr>
+</p:sld>
+</file>
+
+<file path=ppt/slides/slide4.xml><?xml version="1.0" encoding="utf-8"?>
 <p:sld xmlns:a="http://schemas.openxmlformats.org/drawingml/2006/main" xmlns:r="http://schemas.openxmlformats.org/officeDocument/2006/relationships" xmlns:p="http://schemas.openxmlformats.org/presentationml/2006/main">
   <p:cSld>
     <p:spTree>
@@ -14621,7 +16061,7 @@
             </a:pPr>
             <a:r>
               <a:rPr lang="fr-FR" dirty="0"/>
-              <a:t>Détection de ligne de 3-4 mm d‘épaisseur dans un plan</a:t>
+              <a:t>Détection d’une ligne noire de 3-4 mm de large sur une surface de papier blanche</a:t>
             </a:r>
           </a:p>
           <a:p>
@@ -14632,29 +16072,7 @@
             </a:pPr>
             <a:r>
               <a:rPr lang="fr-FR" dirty="0"/>
-              <a:t>Surface blanche en papier</a:t>
-            </a:r>
-          </a:p>
-          <a:p>
-            <a:pPr>
-              <a:lnSpc>
-                <a:spcPct val="150000"/>
-              </a:lnSpc>
-            </a:pPr>
-            <a:r>
-              <a:rPr lang="fr-FR" dirty="0"/>
-              <a:t>Ligne de feutre noir</a:t>
-            </a:r>
-          </a:p>
-          <a:p>
-            <a:pPr>
-              <a:lnSpc>
-                <a:spcPct val="150000"/>
-              </a:lnSpc>
-            </a:pPr>
-            <a:r>
-              <a:rPr lang="fr-FR" dirty="0"/>
-              <a:t>Déplacement dans le plan</a:t>
+              <a:t>Déplacement sur le plan</a:t>
             </a:r>
           </a:p>
           <a:p>
@@ -14683,7 +16101,7 @@
 </p:sld>
 </file>
 
-<file path=ppt/slides/slide4.xml><?xml version="1.0" encoding="utf-8"?>
+<file path=ppt/slides/slide5.xml><?xml version="1.0" encoding="utf-8"?>
 <p:sld xmlns:a="http://schemas.openxmlformats.org/drawingml/2006/main" xmlns:r="http://schemas.openxmlformats.org/officeDocument/2006/relationships" xmlns:p="http://schemas.openxmlformats.org/presentationml/2006/main">
   <p:cSld>
     <p:spTree>
@@ -14723,15 +16141,7 @@
           <a:p>
             <a:r>
               <a:rPr lang="fr-FR" dirty="0"/>
-              <a:t>Capteur optique à </a:t>
-            </a:r>
-            <a:r>
-              <a:rPr lang="fr-FR" dirty="0" err="1"/>
-              <a:t>reflexion</a:t>
-            </a:r>
-            <a:r>
-              <a:rPr lang="fr-FR" dirty="0"/>
-              <a:t> (ORS)</a:t>
+              <a:t>Capteur optique à réflexion (ORS)</a:t>
             </a:r>
           </a:p>
         </p:txBody>
@@ -14777,7 +16187,7 @@
             </a:pPr>
             <a:r>
               <a:rPr lang="fr-FR" dirty="0"/>
-              <a:t>Emetteur:</a:t>
+              <a:t>Émetteur :</a:t>
             </a:r>
           </a:p>
           <a:p>
@@ -14799,7 +16209,7 @@
             </a:pPr>
             <a:r>
               <a:rPr lang="fr-FR" dirty="0"/>
-              <a:t>Emission d‘une onde infrarouge (~950nm)</a:t>
+              <a:t>Émission d‘une onde infrarouge (~950nm)</a:t>
             </a:r>
           </a:p>
           <a:p>
@@ -14810,7 +16220,7 @@
             </a:pPr>
             <a:r>
               <a:rPr lang="fr-FR" dirty="0"/>
-              <a:t>Récepteur:</a:t>
+              <a:t>Récepteur :</a:t>
             </a:r>
           </a:p>
           <a:p>
@@ -14866,7 +16276,7 @@
 </p:sld>
 </file>
 
-<file path=ppt/slides/slide5.xml><?xml version="1.0" encoding="utf-8"?>
+<file path=ppt/slides/slide6.xml><?xml version="1.0" encoding="utf-8"?>
 <p:sld xmlns:a="http://schemas.openxmlformats.org/drawingml/2006/main" xmlns:r="http://schemas.openxmlformats.org/officeDocument/2006/relationships" xmlns:p="http://schemas.openxmlformats.org/presentationml/2006/main">
   <p:cSld>
     <p:spTree>
@@ -14905,10 +16315,9 @@
           <a:lstStyle/>
           <a:p>
             <a:r>
-              <a:rPr lang="de-DE" dirty="0"/>
-              <a:t>CNY 70</a:t>
-            </a:r>
-            <a:endParaRPr lang="fr-FR" dirty="0"/>
+              <a:rPr lang="fr-FR" dirty="0"/>
+              <a:t>Capteur infrarouge - CNY 70</a:t>
+            </a:r>
           </a:p>
         </p:txBody>
       </p:sp>
@@ -14962,7 +16371,7 @@
             </a:pPr>
             <a:r>
               <a:rPr lang="fr-FR" dirty="0"/>
-              <a:t>Filtre lumière ambiante</a:t>
+              <a:t>Filtre la lumière ambiante</a:t>
             </a:r>
           </a:p>
           <a:p>
@@ -15011,7 +16420,7 @@
 </p:sld>
 </file>
 
-<file path=ppt/slides/slide6.xml><?xml version="1.0" encoding="utf-8"?>
+<file path=ppt/slides/slide7.xml><?xml version="1.0" encoding="utf-8"?>
 <p:sld xmlns:a="http://schemas.openxmlformats.org/drawingml/2006/main" xmlns:r="http://schemas.openxmlformats.org/officeDocument/2006/relationships" xmlns:p="http://schemas.openxmlformats.org/presentationml/2006/main">
   <p:cSld>
     <p:spTree>
@@ -15050,10 +16459,9 @@
           <a:lstStyle/>
           <a:p>
             <a:r>
-              <a:rPr lang="de-DE" dirty="0"/>
-              <a:t>Datasheet</a:t>
-            </a:r>
-            <a:endParaRPr lang="fr-FR" dirty="0"/>
+              <a:rPr lang="fr-FR" dirty="0"/>
+              <a:t>Datasheet / Applications notes</a:t>
+            </a:r>
           </a:p>
         </p:txBody>
       </p:sp>
@@ -15085,7 +16493,7 @@
             </a:pPr>
             <a:r>
               <a:rPr lang="de-DE" dirty="0"/>
-              <a:t>CNY 70: </a:t>
+              <a:t>CNY 70 : </a:t>
             </a:r>
             <a:r>
               <a:rPr lang="de-DE" dirty="0">
@@ -15107,7 +16515,7 @@
             </a:r>
             <a:r>
               <a:rPr lang="de-DE" dirty="0"/>
-              <a:t> ORS: </a:t>
+              <a:t> ORS : </a:t>
             </a:r>
             <a:r>
               <a:rPr lang="de-DE" dirty="0">
@@ -15125,7 +16533,7 @@
             </a:pPr>
             <a:r>
               <a:rPr lang="fr-FR" dirty="0"/>
-              <a:t>NE555: </a:t>
+              <a:t>NE555 : </a:t>
             </a:r>
             <a:r>
               <a:rPr lang="fr-FR" dirty="0">
@@ -15156,7 +16564,7 @@
 </p:sld>
 </file>
 
-<file path=ppt/slides/slide7.xml><?xml version="1.0" encoding="utf-8"?>
+<file path=ppt/slides/slide8.xml><?xml version="1.0" encoding="utf-8"?>
 <p:sld xmlns:a="http://schemas.openxmlformats.org/drawingml/2006/main" xmlns:r="http://schemas.openxmlformats.org/officeDocument/2006/relationships" xmlns:p="http://schemas.openxmlformats.org/presentationml/2006/main">
   <p:cSld>
     <p:spTree>
@@ -15235,13 +16643,8 @@
             </a:pPr>
             <a:r>
               <a:rPr lang="fr-FR" dirty="0"/>
-              <a:t>Pin </a:t>
-            </a:r>
-            <a:r>
-              <a:rPr lang="fr-FR" dirty="0" err="1"/>
-              <a:t>map</a:t>
-            </a:r>
-            <a:endParaRPr lang="fr-FR" dirty="0"/>
+              <a:t>Capteur optique à réflexion</a:t>
+            </a:r>
           </a:p>
           <a:p>
             <a:pPr>
@@ -15250,32 +16653,59 @@
               </a:lnSpc>
             </a:pPr>
             <a:r>
-              <a:rPr lang="fr-FR" dirty="0" err="1"/>
-              <a:t>Forward</a:t>
-            </a:r>
-            <a:r>
               <a:rPr lang="fr-FR" dirty="0"/>
-              <a:t> </a:t>
-            </a:r>
-            <a:r>
-              <a:rPr lang="fr-FR" dirty="0" err="1"/>
-              <a:t>current</a:t>
-            </a:r>
-            <a:endParaRPr lang="fr-FR" dirty="0"/>
-          </a:p>
-          <a:p>
-            <a:pPr>
+              <a:t>A chercher :</a:t>
+            </a:r>
+          </a:p>
+          <a:p>
+            <a:pPr lvl="1">
               <a:lnSpc>
                 <a:spcPct val="150000"/>
               </a:lnSpc>
             </a:pPr>
             <a:r>
               <a:rPr lang="fr-FR" dirty="0"/>
+              <a:t>Pin </a:t>
+            </a:r>
+            <a:r>
+              <a:rPr lang="fr-FR" dirty="0" err="1"/>
+              <a:t>map</a:t>
+            </a:r>
+            <a:endParaRPr lang="fr-FR" dirty="0"/>
+          </a:p>
+          <a:p>
+            <a:pPr lvl="1">
+              <a:lnSpc>
+                <a:spcPct val="150000"/>
+              </a:lnSpc>
+            </a:pPr>
+            <a:r>
+              <a:rPr lang="fr-FR" dirty="0" err="1"/>
+              <a:t>Forward</a:t>
+            </a:r>
+            <a:r>
+              <a:rPr lang="fr-FR" dirty="0"/>
+              <a:t> </a:t>
+            </a:r>
+            <a:r>
+              <a:rPr lang="fr-FR" dirty="0" err="1"/>
+              <a:t>current</a:t>
+            </a:r>
+            <a:endParaRPr lang="fr-FR" dirty="0"/>
+          </a:p>
+          <a:p>
+            <a:pPr lvl="1">
+              <a:lnSpc>
+                <a:spcPct val="150000"/>
+              </a:lnSpc>
+            </a:pPr>
+            <a:r>
+              <a:rPr lang="fr-FR" dirty="0"/>
               <a:t>Fig. 5 courant collecteur / entrée</a:t>
             </a:r>
           </a:p>
           <a:p>
-            <a:pPr>
+            <a:pPr lvl="1">
               <a:lnSpc>
                 <a:spcPct val="150000"/>
               </a:lnSpc>
@@ -15338,7 +16768,7 @@
 </p:sld>
 </file>
 
-<file path=ppt/slides/slide8.xml><?xml version="1.0" encoding="utf-8"?>
+<file path=ppt/slides/slide9.xml><?xml version="1.0" encoding="utf-8"?>
 <p:sld xmlns:a="http://schemas.openxmlformats.org/drawingml/2006/main" xmlns:r="http://schemas.openxmlformats.org/officeDocument/2006/relationships" xmlns:p="http://schemas.openxmlformats.org/presentationml/2006/main">
   <p:cSld>
     <p:spTree>
@@ -15377,8 +16807,12 @@
           <a:lstStyle/>
           <a:p>
             <a:r>
+              <a:rPr lang="de-DE" dirty="0" err="1"/>
+              <a:t>Applications</a:t>
+            </a:r>
+            <a:r>
               <a:rPr lang="de-DE" dirty="0"/>
-              <a:t>Datasheet – ORS</a:t>
+              <a:t> Notes – ORS</a:t>
             </a:r>
             <a:endParaRPr lang="fr-FR" dirty="0"/>
           </a:p>
@@ -15402,7 +16836,9 @@
         </p:nvSpPr>
         <p:spPr/>
         <p:txBody>
-          <a:bodyPr/>
+          <a:bodyPr>
+            <a:normAutofit/>
+          </a:bodyPr>
           <a:lstStyle/>
           <a:p>
             <a:pPr>
@@ -15412,7 +16848,15 @@
             </a:pPr>
             <a:r>
               <a:rPr lang="fr-FR" dirty="0"/>
-              <a:t>P. 2, 3 Informations générales</a:t>
+              <a:t>Document de </a:t>
+            </a:r>
+            <a:r>
+              <a:rPr lang="fr-FR" dirty="0" err="1"/>
+              <a:t>Vishay</a:t>
+            </a:r>
+            <a:r>
+              <a:rPr lang="fr-FR" dirty="0"/>
+              <a:t> sur les ORS</a:t>
             </a:r>
           </a:p>
           <a:p>
@@ -15423,22 +16867,44 @@
             </a:pPr>
             <a:r>
               <a:rPr lang="fr-FR" dirty="0"/>
-              <a:t>P. 9, 10 Lumière ambiante</a:t>
-            </a:r>
-          </a:p>
-          <a:p>
-            <a:pPr>
+              <a:t>A chercher :</a:t>
+            </a:r>
+          </a:p>
+          <a:p>
+            <a:pPr lvl="1">
               <a:lnSpc>
                 <a:spcPct val="150000"/>
               </a:lnSpc>
             </a:pPr>
             <a:r>
               <a:rPr lang="fr-FR" dirty="0"/>
+              <a:t>P. 2, 3 Informations générales</a:t>
+            </a:r>
+          </a:p>
+          <a:p>
+            <a:pPr lvl="1">
+              <a:lnSpc>
+                <a:spcPct val="150000"/>
+              </a:lnSpc>
+            </a:pPr>
+            <a:r>
+              <a:rPr lang="fr-FR" dirty="0"/>
+              <a:t>P. 9, 10 Lumière ambiante</a:t>
+            </a:r>
+          </a:p>
+          <a:p>
+            <a:pPr lvl="1">
+              <a:lnSpc>
+                <a:spcPct val="150000"/>
+              </a:lnSpc>
+            </a:pPr>
+            <a:r>
+              <a:rPr lang="fr-FR" dirty="0"/>
               <a:t>P. 11-13 Applications (circuits)</a:t>
             </a:r>
           </a:p>
           <a:p>
-            <a:pPr>
+            <a:pPr lvl="1">
               <a:lnSpc>
                 <a:spcPct val="150000"/>
               </a:lnSpc>
@@ -15479,7 +16945,7 @@
         </p:blipFill>
         <p:spPr>
           <a:xfrm>
-            <a:off x="5037220" y="3007893"/>
+            <a:off x="5054637" y="3018422"/>
             <a:ext cx="6882063" cy="3484982"/>
           </a:xfrm>
         </p:spPr>
@@ -15488,160 +16954,6 @@
     <p:extLst>
       <p:ext uri="{BB962C8B-B14F-4D97-AF65-F5344CB8AC3E}">
         <p14:creationId xmlns:p14="http://schemas.microsoft.com/office/powerpoint/2010/main" val="1368658915"/>
-      </p:ext>
-    </p:extLst>
-  </p:cSld>
-  <p:clrMapOvr>
-    <a:masterClrMapping/>
-  </p:clrMapOvr>
-</p:sld>
-</file>
-
-<file path=ppt/slides/slide9.xml><?xml version="1.0" encoding="utf-8"?>
-<p:sld xmlns:a="http://schemas.openxmlformats.org/drawingml/2006/main" xmlns:r="http://schemas.openxmlformats.org/officeDocument/2006/relationships" xmlns:p="http://schemas.openxmlformats.org/presentationml/2006/main">
-  <p:cSld>
-    <p:spTree>
-      <p:nvGrpSpPr>
-        <p:cNvPr id="1" name=""/>
-        <p:cNvGrpSpPr/>
-        <p:nvPr/>
-      </p:nvGrpSpPr>
-      <p:grpSpPr>
-        <a:xfrm>
-          <a:off x="0" y="0"/>
-          <a:ext cx="0" cy="0"/>
-          <a:chOff x="0" y="0"/>
-          <a:chExt cx="0" cy="0"/>
-        </a:xfrm>
-      </p:grpSpPr>
-      <p:sp>
-        <p:nvSpPr>
-          <p:cNvPr id="2" name="Titel 1">
-            <a:extLst>
-              <a:ext uri="{FF2B5EF4-FFF2-40B4-BE49-F238E27FC236}">
-                <a16:creationId xmlns:a16="http://schemas.microsoft.com/office/drawing/2014/main" id="{9DF4C141-70F4-4A6C-B901-755AC4E394B8}"/>
-              </a:ext>
-            </a:extLst>
-          </p:cNvPr>
-          <p:cNvSpPr>
-            <a:spLocks noGrp="1"/>
-          </p:cNvSpPr>
-          <p:nvPr>
-            <p:ph type="title"/>
-          </p:nvPr>
-        </p:nvSpPr>
-        <p:spPr/>
-        <p:txBody>
-          <a:bodyPr/>
-          <a:lstStyle/>
-          <a:p>
-            <a:r>
-              <a:rPr lang="de-DE" dirty="0"/>
-              <a:t>Datasheet – NE555</a:t>
-            </a:r>
-            <a:endParaRPr lang="fr-FR" dirty="0"/>
-          </a:p>
-        </p:txBody>
-      </p:sp>
-      <p:sp>
-        <p:nvSpPr>
-          <p:cNvPr id="3" name="Inhaltsplatzhalter 2">
-            <a:extLst>
-              <a:ext uri="{FF2B5EF4-FFF2-40B4-BE49-F238E27FC236}">
-                <a16:creationId xmlns:a16="http://schemas.microsoft.com/office/drawing/2014/main" id="{16C80A9A-4481-4E83-A50E-7BE19CC978CE}"/>
-              </a:ext>
-            </a:extLst>
-          </p:cNvPr>
-          <p:cNvSpPr>
-            <a:spLocks noGrp="1"/>
-          </p:cNvSpPr>
-          <p:nvPr>
-            <p:ph sz="half" idx="1"/>
-          </p:nvPr>
-        </p:nvSpPr>
-        <p:spPr/>
-        <p:txBody>
-          <a:bodyPr/>
-          <a:lstStyle/>
-          <a:p>
-            <a:pPr>
-              <a:lnSpc>
-                <a:spcPct val="150000"/>
-              </a:lnSpc>
-            </a:pPr>
-            <a:r>
-              <a:rPr lang="fr-FR" dirty="0"/>
-              <a:t>Pin </a:t>
-            </a:r>
-            <a:r>
-              <a:rPr lang="fr-FR" dirty="0" err="1"/>
-              <a:t>map</a:t>
-            </a:r>
-            <a:endParaRPr lang="fr-FR" dirty="0"/>
-          </a:p>
-          <a:p>
-            <a:pPr>
-              <a:lnSpc>
-                <a:spcPct val="150000"/>
-              </a:lnSpc>
-            </a:pPr>
-            <a:r>
-              <a:rPr lang="fr-FR" dirty="0"/>
-              <a:t>S. 7.3 Conditions d’utilisation</a:t>
-            </a:r>
-          </a:p>
-          <a:p>
-            <a:pPr>
-              <a:lnSpc>
-                <a:spcPct val="150000"/>
-              </a:lnSpc>
-            </a:pPr>
-            <a:r>
-              <a:rPr lang="fr-FR" dirty="0"/>
-              <a:t>S. 8.3.2 Montage astable</a:t>
-            </a:r>
-          </a:p>
-        </p:txBody>
-      </p:sp>
-      <p:pic>
-        <p:nvPicPr>
-          <p:cNvPr id="6" name="Inhaltsplatzhalter 5">
-            <a:extLst>
-              <a:ext uri="{FF2B5EF4-FFF2-40B4-BE49-F238E27FC236}">
-                <a16:creationId xmlns:a16="http://schemas.microsoft.com/office/drawing/2014/main" id="{27B07207-CE76-43AA-8ACE-36944B9A98A0}"/>
-              </a:ext>
-            </a:extLst>
-          </p:cNvPr>
-          <p:cNvPicPr>
-            <a:picLocks noGrp="1" noChangeAspect="1"/>
-          </p:cNvPicPr>
-          <p:nvPr>
-            <p:ph sz="half" idx="2"/>
-          </p:nvPr>
-        </p:nvPicPr>
-        <p:blipFill>
-          <a:blip r:embed="rId2">
-            <a:extLst>
-              <a:ext uri="{28A0092B-C50C-407E-A947-70E740481C1C}">
-                <a14:useLocalDpi xmlns:a14="http://schemas.microsoft.com/office/drawing/2010/main" val="0"/>
-              </a:ext>
-            </a:extLst>
-          </a:blip>
-          <a:stretch>
-            <a:fillRect/>
-          </a:stretch>
-        </p:blipFill>
-        <p:spPr>
-          <a:xfrm>
-            <a:off x="6172202" y="980350"/>
-            <a:ext cx="5258624" cy="5196613"/>
-          </a:xfrm>
-        </p:spPr>
-      </p:pic>
-    </p:spTree>
-    <p:extLst>
-      <p:ext uri="{BB962C8B-B14F-4D97-AF65-F5344CB8AC3E}">
-        <p14:creationId xmlns:p14="http://schemas.microsoft.com/office/powerpoint/2010/main" val="3751085272"/>
       </p:ext>
     </p:extLst>
   </p:cSld>

--- a/Conc_elec/pres/Conception_Elec.pptx
+++ b/Conc_elec/pres/Conception_Elec.pptx
@@ -198,7 +198,7 @@
           <a:noFill/>
           <a:extLst>
             <a:ext uri="{909E8E84-426E-40dd-AFC4-6F175D3DCCD1}">
-              <a14:hiddenFill xmlns="" xmlns:a14="http://schemas.microsoft.com/office/drawing/2010/main">
+              <a14:hiddenFill xmlns:a14="http://schemas.microsoft.com/office/drawing/2010/main" xmlns="">
                 <a:solidFill>
                   <a:srgbClr val="FFFFFF"/>
                 </a:solidFill>
@@ -257,7 +257,7 @@
             </a:ln>
             <a:extLst>
               <a:ext uri="{91240B29-F687-4f45-9708-019B960494DF}">
-                <a14:hiddenLine xmlns="" xmlns:a14="http://schemas.microsoft.com/office/drawing/2010/main" w="9525">
+                <a14:hiddenLine xmlns:a14="http://schemas.microsoft.com/office/drawing/2010/main" xmlns="" w="9525">
                   <a:solidFill>
                     <a:srgbClr val="000000"/>
                   </a:solidFill>
@@ -347,7 +347,7 @@
             </a:ln>
             <a:extLst>
               <a:ext uri="{91240B29-F687-4f45-9708-019B960494DF}">
-                <a14:hiddenLine xmlns="" xmlns:a14="http://schemas.microsoft.com/office/drawing/2010/main" w="9525">
+                <a14:hiddenLine xmlns:a14="http://schemas.microsoft.com/office/drawing/2010/main" xmlns="" w="9525">
                   <a:solidFill>
                     <a:srgbClr val="000000"/>
                   </a:solidFill>
@@ -437,7 +437,7 @@
             </a:ln>
             <a:extLst>
               <a:ext uri="{91240B29-F687-4f45-9708-019B960494DF}">
-                <a14:hiddenLine xmlns="" xmlns:a14="http://schemas.microsoft.com/office/drawing/2010/main" w="9525">
+                <a14:hiddenLine xmlns:a14="http://schemas.microsoft.com/office/drawing/2010/main" xmlns="" w="9525">
                   <a:solidFill>
                     <a:srgbClr val="000000"/>
                   </a:solidFill>
@@ -471,7 +471,7 @@
             </a:ln>
             <a:extLst>
               <a:ext uri="{91240B29-F687-4f45-9708-019B960494DF}">
-                <a14:hiddenLine xmlns="" xmlns:a14="http://schemas.microsoft.com/office/drawing/2010/main" w="9525">
+                <a14:hiddenLine xmlns:a14="http://schemas.microsoft.com/office/drawing/2010/main" xmlns="" w="9525">
                   <a:solidFill>
                     <a:srgbClr val="000000"/>
                   </a:solidFill>
@@ -561,7 +561,7 @@
             </a:ln>
             <a:extLst>
               <a:ext uri="{91240B29-F687-4f45-9708-019B960494DF}">
-                <a14:hiddenLine xmlns="" xmlns:a14="http://schemas.microsoft.com/office/drawing/2010/main" w="9525">
+                <a14:hiddenLine xmlns:a14="http://schemas.microsoft.com/office/drawing/2010/main" xmlns="" w="9525">
                   <a:solidFill>
                     <a:srgbClr val="000000"/>
                   </a:solidFill>
@@ -623,7 +623,7 @@
             </a:ln>
             <a:extLst>
               <a:ext uri="{91240B29-F687-4f45-9708-019B960494DF}">
-                <a14:hiddenLine xmlns="" xmlns:a14="http://schemas.microsoft.com/office/drawing/2010/main" w="9525">
+                <a14:hiddenLine xmlns:a14="http://schemas.microsoft.com/office/drawing/2010/main" xmlns="" w="9525">
                   <a:solidFill>
                     <a:srgbClr val="000000"/>
                   </a:solidFill>
@@ -685,7 +685,7 @@
             </a:ln>
             <a:extLst>
               <a:ext uri="{91240B29-F687-4f45-9708-019B960494DF}">
-                <a14:hiddenLine xmlns="" xmlns:a14="http://schemas.microsoft.com/office/drawing/2010/main" w="9525">
+                <a14:hiddenLine xmlns:a14="http://schemas.microsoft.com/office/drawing/2010/main" xmlns="" w="9525">
                   <a:solidFill>
                     <a:srgbClr val="000000"/>
                   </a:solidFill>
@@ -775,7 +775,7 @@
             </a:ln>
             <a:extLst>
               <a:ext uri="{91240B29-F687-4f45-9708-019B960494DF}">
-                <a14:hiddenLine xmlns="" xmlns:a14="http://schemas.microsoft.com/office/drawing/2010/main" w="9525">
+                <a14:hiddenLine xmlns:a14="http://schemas.microsoft.com/office/drawing/2010/main" xmlns="" w="9525">
                   <a:solidFill>
                     <a:srgbClr val="000000"/>
                   </a:solidFill>
@@ -837,7 +837,7 @@
             </a:ln>
             <a:extLst>
               <a:ext uri="{91240B29-F687-4f45-9708-019B960494DF}">
-                <a14:hiddenLine xmlns="" xmlns:a14="http://schemas.microsoft.com/office/drawing/2010/main" w="9525">
+                <a14:hiddenLine xmlns:a14="http://schemas.microsoft.com/office/drawing/2010/main" xmlns="" w="9525">
                   <a:solidFill>
                     <a:srgbClr val="000000"/>
                   </a:solidFill>
@@ -899,7 +899,7 @@
             </a:ln>
             <a:extLst>
               <a:ext uri="{91240B29-F687-4f45-9708-019B960494DF}">
-                <a14:hiddenLine xmlns="" xmlns:a14="http://schemas.microsoft.com/office/drawing/2010/main" w="9525">
+                <a14:hiddenLine xmlns:a14="http://schemas.microsoft.com/office/drawing/2010/main" xmlns="" w="9525">
                   <a:solidFill>
                     <a:srgbClr val="000000"/>
                   </a:solidFill>
@@ -989,7 +989,7 @@
             </a:ln>
             <a:extLst>
               <a:ext uri="{91240B29-F687-4f45-9708-019B960494DF}">
-                <a14:hiddenLine xmlns="" xmlns:a14="http://schemas.microsoft.com/office/drawing/2010/main" w="9525">
+                <a14:hiddenLine xmlns:a14="http://schemas.microsoft.com/office/drawing/2010/main" xmlns="" w="9525">
                   <a:solidFill>
                     <a:srgbClr val="000000"/>
                   </a:solidFill>
@@ -1079,7 +1079,7 @@
             </a:ln>
             <a:extLst>
               <a:ext uri="{91240B29-F687-4f45-9708-019B960494DF}">
-                <a14:hiddenLine xmlns="" xmlns:a14="http://schemas.microsoft.com/office/drawing/2010/main" w="9525">
+                <a14:hiddenLine xmlns:a14="http://schemas.microsoft.com/office/drawing/2010/main" xmlns="" w="9525">
                   <a:solidFill>
                     <a:srgbClr val="000000"/>
                   </a:solidFill>
@@ -1141,7 +1141,7 @@
             </a:ln>
             <a:extLst>
               <a:ext uri="{91240B29-F687-4f45-9708-019B960494DF}">
-                <a14:hiddenLine xmlns="" xmlns:a14="http://schemas.microsoft.com/office/drawing/2010/main" w="9525">
+                <a14:hiddenLine xmlns:a14="http://schemas.microsoft.com/office/drawing/2010/main" xmlns="" w="9525">
                   <a:solidFill>
                     <a:srgbClr val="000000"/>
                   </a:solidFill>
@@ -1251,7 +1251,7 @@
             </a:ln>
             <a:extLst>
               <a:ext uri="{91240B29-F687-4f45-9708-019B960494DF}">
-                <a14:hiddenLine xmlns="" xmlns:a14="http://schemas.microsoft.com/office/drawing/2010/main" w="9525">
+                <a14:hiddenLine xmlns:a14="http://schemas.microsoft.com/office/drawing/2010/main" xmlns="" w="9525">
                   <a:solidFill>
                     <a:srgbClr val="000000"/>
                   </a:solidFill>
@@ -1313,7 +1313,7 @@
             </a:ln>
             <a:extLst>
               <a:ext uri="{91240B29-F687-4f45-9708-019B960494DF}">
-                <a14:hiddenLine xmlns="" xmlns:a14="http://schemas.microsoft.com/office/drawing/2010/main" w="9525">
+                <a14:hiddenLine xmlns:a14="http://schemas.microsoft.com/office/drawing/2010/main" xmlns="" w="9525">
                   <a:solidFill>
                     <a:srgbClr val="000000"/>
                   </a:solidFill>
@@ -1403,7 +1403,7 @@
             </a:ln>
             <a:extLst>
               <a:ext uri="{91240B29-F687-4f45-9708-019B960494DF}">
-                <a14:hiddenLine xmlns="" xmlns:a14="http://schemas.microsoft.com/office/drawing/2010/main" w="9525">
+                <a14:hiddenLine xmlns:a14="http://schemas.microsoft.com/office/drawing/2010/main" xmlns="" w="9525">
                   <a:solidFill>
                     <a:srgbClr val="000000"/>
                   </a:solidFill>
@@ -1493,7 +1493,7 @@
             </a:ln>
             <a:extLst>
               <a:ext uri="{91240B29-F687-4f45-9708-019B960494DF}">
-                <a14:hiddenLine xmlns="" xmlns:a14="http://schemas.microsoft.com/office/drawing/2010/main" w="9525">
+                <a14:hiddenLine xmlns:a14="http://schemas.microsoft.com/office/drawing/2010/main" xmlns="" w="9525">
                   <a:solidFill>
                     <a:srgbClr val="000000"/>
                   </a:solidFill>
@@ -1555,7 +1555,7 @@
             </a:ln>
             <a:extLst>
               <a:ext uri="{91240B29-F687-4f45-9708-019B960494DF}">
-                <a14:hiddenLine xmlns="" xmlns:a14="http://schemas.microsoft.com/office/drawing/2010/main" w="9525">
+                <a14:hiddenLine xmlns:a14="http://schemas.microsoft.com/office/drawing/2010/main" xmlns="" w="9525">
                   <a:solidFill>
                     <a:srgbClr val="000000"/>
                   </a:solidFill>
@@ -1645,7 +1645,7 @@
             </a:ln>
             <a:extLst>
               <a:ext uri="{91240B29-F687-4f45-9708-019B960494DF}">
-                <a14:hiddenLine xmlns="" xmlns:a14="http://schemas.microsoft.com/office/drawing/2010/main" w="9525">
+                <a14:hiddenLine xmlns:a14="http://schemas.microsoft.com/office/drawing/2010/main" xmlns="" w="9525">
                   <a:solidFill>
                     <a:srgbClr val="000000"/>
                   </a:solidFill>
@@ -1735,7 +1735,7 @@
             </a:ln>
             <a:extLst>
               <a:ext uri="{91240B29-F687-4f45-9708-019B960494DF}">
-                <a14:hiddenLine xmlns="" xmlns:a14="http://schemas.microsoft.com/office/drawing/2010/main" w="9525">
+                <a14:hiddenLine xmlns:a14="http://schemas.microsoft.com/office/drawing/2010/main" xmlns="" w="9525">
                   <a:solidFill>
                     <a:srgbClr val="000000"/>
                   </a:solidFill>
@@ -1791,7 +1791,7 @@
             </a:ln>
             <a:extLst>
               <a:ext uri="{91240B29-F687-4f45-9708-019B960494DF}">
-                <a14:hiddenLine xmlns="" xmlns:a14="http://schemas.microsoft.com/office/drawing/2010/main" w="9525">
+                <a14:hiddenLine xmlns:a14="http://schemas.microsoft.com/office/drawing/2010/main" xmlns="" w="9525">
                   <a:solidFill>
                     <a:srgbClr val="000000"/>
                   </a:solidFill>
@@ -1881,7 +1881,7 @@
             </a:ln>
             <a:extLst>
               <a:ext uri="{91240B29-F687-4f45-9708-019B960494DF}">
-                <a14:hiddenLine xmlns="" xmlns:a14="http://schemas.microsoft.com/office/drawing/2010/main" w="9525">
+                <a14:hiddenLine xmlns:a14="http://schemas.microsoft.com/office/drawing/2010/main" xmlns="" w="9525">
                   <a:solidFill>
                     <a:srgbClr val="000000"/>
                   </a:solidFill>
@@ -1937,7 +1937,7 @@
             </a:ln>
             <a:extLst>
               <a:ext uri="{91240B29-F687-4f45-9708-019B960494DF}">
-                <a14:hiddenLine xmlns="" xmlns:a14="http://schemas.microsoft.com/office/drawing/2010/main" w="9525">
+                <a14:hiddenLine xmlns:a14="http://schemas.microsoft.com/office/drawing/2010/main" xmlns="" w="9525">
                   <a:solidFill>
                     <a:srgbClr val="000000"/>
                   </a:solidFill>
@@ -2027,7 +2027,7 @@
             </a:ln>
             <a:extLst>
               <a:ext uri="{91240B29-F687-4f45-9708-019B960494DF}">
-                <a14:hiddenLine xmlns="" xmlns:a14="http://schemas.microsoft.com/office/drawing/2010/main" w="9525">
+                <a14:hiddenLine xmlns:a14="http://schemas.microsoft.com/office/drawing/2010/main" xmlns="" w="9525">
                   <a:solidFill>
                     <a:srgbClr val="000000"/>
                   </a:solidFill>
@@ -2095,7 +2095,7 @@
             </a:ln>
             <a:extLst>
               <a:ext uri="{91240B29-F687-4f45-9708-019B960494DF}">
-                <a14:hiddenLine xmlns="" xmlns:a14="http://schemas.microsoft.com/office/drawing/2010/main" w="9525">
+                <a14:hiddenLine xmlns:a14="http://schemas.microsoft.com/office/drawing/2010/main" xmlns="" w="9525">
                   <a:solidFill>
                     <a:srgbClr val="000000"/>
                   </a:solidFill>
@@ -2185,7 +2185,7 @@
             </a:ln>
             <a:extLst>
               <a:ext uri="{91240B29-F687-4f45-9708-019B960494DF}">
-                <a14:hiddenLine xmlns="" xmlns:a14="http://schemas.microsoft.com/office/drawing/2010/main" w="9525">
+                <a14:hiddenLine xmlns:a14="http://schemas.microsoft.com/office/drawing/2010/main" xmlns="" w="9525">
                   <a:solidFill>
                     <a:srgbClr val="000000"/>
                   </a:solidFill>
@@ -2253,7 +2253,7 @@
             </a:ln>
             <a:extLst>
               <a:ext uri="{91240B29-F687-4f45-9708-019B960494DF}">
-                <a14:hiddenLine xmlns="" xmlns:a14="http://schemas.microsoft.com/office/drawing/2010/main" w="9525">
+                <a14:hiddenLine xmlns:a14="http://schemas.microsoft.com/office/drawing/2010/main" xmlns="" w="9525">
                   <a:solidFill>
                     <a:srgbClr val="000000"/>
                   </a:solidFill>
@@ -2343,7 +2343,7 @@
             </a:ln>
             <a:extLst>
               <a:ext uri="{91240B29-F687-4f45-9708-019B960494DF}">
-                <a14:hiddenLine xmlns="" xmlns:a14="http://schemas.microsoft.com/office/drawing/2010/main" w="9525">
+                <a14:hiddenLine xmlns:a14="http://schemas.microsoft.com/office/drawing/2010/main" xmlns="" w="9525">
                   <a:solidFill>
                     <a:srgbClr val="000000"/>
                   </a:solidFill>
@@ -2377,7 +2377,7 @@
             </a:ln>
             <a:extLst>
               <a:ext uri="{91240B29-F687-4f45-9708-019B960494DF}">
-                <a14:hiddenLine xmlns="" xmlns:a14="http://schemas.microsoft.com/office/drawing/2010/main" w="9525">
+                <a14:hiddenLine xmlns:a14="http://schemas.microsoft.com/office/drawing/2010/main" xmlns="" w="9525">
                   <a:solidFill>
                     <a:srgbClr val="000000"/>
                   </a:solidFill>
@@ -2467,7 +2467,7 @@
             </a:ln>
             <a:extLst>
               <a:ext uri="{91240B29-F687-4f45-9708-019B960494DF}">
-                <a14:hiddenLine xmlns="" xmlns:a14="http://schemas.microsoft.com/office/drawing/2010/main" w="9525">
+                <a14:hiddenLine xmlns:a14="http://schemas.microsoft.com/office/drawing/2010/main" xmlns="" w="9525">
                   <a:solidFill>
                     <a:srgbClr val="000000"/>
                   </a:solidFill>
@@ -2529,7 +2529,7 @@
             </a:ln>
             <a:extLst>
               <a:ext uri="{91240B29-F687-4f45-9708-019B960494DF}">
-                <a14:hiddenLine xmlns="" xmlns:a14="http://schemas.microsoft.com/office/drawing/2010/main" w="9525">
+                <a14:hiddenLine xmlns:a14="http://schemas.microsoft.com/office/drawing/2010/main" xmlns="" w="9525">
                   <a:solidFill>
                     <a:srgbClr val="000000"/>
                   </a:solidFill>
@@ -2591,7 +2591,7 @@
             </a:ln>
             <a:extLst>
               <a:ext uri="{91240B29-F687-4f45-9708-019B960494DF}">
-                <a14:hiddenLine xmlns="" xmlns:a14="http://schemas.microsoft.com/office/drawing/2010/main" w="9525">
+                <a14:hiddenLine xmlns:a14="http://schemas.microsoft.com/office/drawing/2010/main" xmlns="" w="9525">
                   <a:solidFill>
                     <a:srgbClr val="000000"/>
                   </a:solidFill>
@@ -2681,7 +2681,7 @@
             </a:ln>
             <a:extLst>
               <a:ext uri="{91240B29-F687-4f45-9708-019B960494DF}">
-                <a14:hiddenLine xmlns="" xmlns:a14="http://schemas.microsoft.com/office/drawing/2010/main" w="9525">
+                <a14:hiddenLine xmlns:a14="http://schemas.microsoft.com/office/drawing/2010/main" xmlns="" w="9525">
                   <a:solidFill>
                     <a:srgbClr val="000000"/>
                   </a:solidFill>
@@ -2749,7 +2749,7 @@
             </a:ln>
             <a:extLst>
               <a:ext uri="{91240B29-F687-4f45-9708-019B960494DF}">
-                <a14:hiddenLine xmlns="" xmlns:a14="http://schemas.microsoft.com/office/drawing/2010/main" w="9525">
+                <a14:hiddenLine xmlns:a14="http://schemas.microsoft.com/office/drawing/2010/main" xmlns="" w="9525">
                   <a:solidFill>
                     <a:srgbClr val="000000"/>
                   </a:solidFill>
@@ -2811,7 +2811,7 @@
             </a:ln>
             <a:extLst>
               <a:ext uri="{91240B29-F687-4f45-9708-019B960494DF}">
-                <a14:hiddenLine xmlns="" xmlns:a14="http://schemas.microsoft.com/office/drawing/2010/main" w="9525">
+                <a14:hiddenLine xmlns:a14="http://schemas.microsoft.com/office/drawing/2010/main" xmlns="" w="9525">
                   <a:solidFill>
                     <a:srgbClr val="000000"/>
                   </a:solidFill>
@@ -2901,7 +2901,7 @@
             </a:ln>
             <a:extLst>
               <a:ext uri="{91240B29-F687-4f45-9708-019B960494DF}">
-                <a14:hiddenLine xmlns="" xmlns:a14="http://schemas.microsoft.com/office/drawing/2010/main" w="9525">
+                <a14:hiddenLine xmlns:a14="http://schemas.microsoft.com/office/drawing/2010/main" xmlns="" w="9525">
                   <a:solidFill>
                     <a:srgbClr val="000000"/>
                   </a:solidFill>
@@ -2963,7 +2963,7 @@
             </a:ln>
             <a:extLst>
               <a:ext uri="{91240B29-F687-4f45-9708-019B960494DF}">
-                <a14:hiddenLine xmlns="" xmlns:a14="http://schemas.microsoft.com/office/drawing/2010/main" w="9525">
+                <a14:hiddenLine xmlns:a14="http://schemas.microsoft.com/office/drawing/2010/main" xmlns="" w="9525">
                   <a:solidFill>
                     <a:srgbClr val="000000"/>
                   </a:solidFill>
@@ -3053,7 +3053,7 @@
             </a:ln>
             <a:extLst>
               <a:ext uri="{91240B29-F687-4f45-9708-019B960494DF}">
-                <a14:hiddenLine xmlns="" xmlns:a14="http://schemas.microsoft.com/office/drawing/2010/main" w="9525">
+                <a14:hiddenLine xmlns:a14="http://schemas.microsoft.com/office/drawing/2010/main" xmlns="" w="9525">
                   <a:solidFill>
                     <a:srgbClr val="000000"/>
                   </a:solidFill>
@@ -3115,7 +3115,7 @@
             </a:ln>
             <a:extLst>
               <a:ext uri="{91240B29-F687-4f45-9708-019B960494DF}">
-                <a14:hiddenLine xmlns="" xmlns:a14="http://schemas.microsoft.com/office/drawing/2010/main" w="9525">
+                <a14:hiddenLine xmlns:a14="http://schemas.microsoft.com/office/drawing/2010/main" xmlns="" w="9525">
                   <a:solidFill>
                     <a:srgbClr val="000000"/>
                   </a:solidFill>
@@ -3205,7 +3205,7 @@
             </a:ln>
             <a:extLst>
               <a:ext uri="{91240B29-F687-4f45-9708-019B960494DF}">
-                <a14:hiddenLine xmlns="" xmlns:a14="http://schemas.microsoft.com/office/drawing/2010/main" w="9525">
+                <a14:hiddenLine xmlns:a14="http://schemas.microsoft.com/office/drawing/2010/main" xmlns="" w="9525">
                   <a:solidFill>
                     <a:srgbClr val="000000"/>
                   </a:solidFill>
@@ -3239,7 +3239,7 @@
             </a:ln>
             <a:extLst>
               <a:ext uri="{91240B29-F687-4f45-9708-019B960494DF}">
-                <a14:hiddenLine xmlns="" xmlns:a14="http://schemas.microsoft.com/office/drawing/2010/main" w="9525">
+                <a14:hiddenLine xmlns:a14="http://schemas.microsoft.com/office/drawing/2010/main" xmlns="" w="9525">
                   <a:solidFill>
                     <a:srgbClr val="000000"/>
                   </a:solidFill>
@@ -3304,7 +3304,7 @@
             </a:ln>
             <a:extLst>
               <a:ext uri="{91240B29-F687-4f45-9708-019B960494DF}">
-                <a14:hiddenLine xmlns="" xmlns:a14="http://schemas.microsoft.com/office/drawing/2010/main" w="9525">
+                <a14:hiddenLine xmlns:a14="http://schemas.microsoft.com/office/drawing/2010/main" xmlns="" w="9525">
                   <a:solidFill>
                     <a:srgbClr val="000000"/>
                   </a:solidFill>
@@ -3394,7 +3394,7 @@
             </a:ln>
             <a:extLst>
               <a:ext uri="{91240B29-F687-4f45-9708-019B960494DF}">
-                <a14:hiddenLine xmlns="" xmlns:a14="http://schemas.microsoft.com/office/drawing/2010/main" w="9525">
+                <a14:hiddenLine xmlns:a14="http://schemas.microsoft.com/office/drawing/2010/main" xmlns="" w="9525">
                   <a:solidFill>
                     <a:srgbClr val="000000"/>
                   </a:solidFill>
@@ -3456,7 +3456,7 @@
             </a:ln>
             <a:extLst>
               <a:ext uri="{91240B29-F687-4f45-9708-019B960494DF}">
-                <a14:hiddenLine xmlns="" xmlns:a14="http://schemas.microsoft.com/office/drawing/2010/main" w="9525">
+                <a14:hiddenLine xmlns:a14="http://schemas.microsoft.com/office/drawing/2010/main" xmlns="" w="9525">
                   <a:solidFill>
                     <a:srgbClr val="000000"/>
                   </a:solidFill>
@@ -3546,7 +3546,7 @@
             </a:ln>
             <a:extLst>
               <a:ext uri="{91240B29-F687-4f45-9708-019B960494DF}">
-                <a14:hiddenLine xmlns="" xmlns:a14="http://schemas.microsoft.com/office/drawing/2010/main" w="9525">
+                <a14:hiddenLine xmlns:a14="http://schemas.microsoft.com/office/drawing/2010/main" xmlns="" w="9525">
                   <a:solidFill>
                     <a:srgbClr val="000000"/>
                   </a:solidFill>
@@ -3636,7 +3636,7 @@
             </a:ln>
             <a:extLst>
               <a:ext uri="{91240B29-F687-4f45-9708-019B960494DF}">
-                <a14:hiddenLine xmlns="" xmlns:a14="http://schemas.microsoft.com/office/drawing/2010/main" w="9525">
+                <a14:hiddenLine xmlns:a14="http://schemas.microsoft.com/office/drawing/2010/main" xmlns="" w="9525">
                   <a:solidFill>
                     <a:srgbClr val="000000"/>
                   </a:solidFill>
@@ -3701,7 +3701,7 @@
             </a:ln>
             <a:extLst>
               <a:ext uri="{91240B29-F687-4f45-9708-019B960494DF}">
-                <a14:hiddenLine xmlns="" xmlns:a14="http://schemas.microsoft.com/office/drawing/2010/main" w="9525">
+                <a14:hiddenLine xmlns:a14="http://schemas.microsoft.com/office/drawing/2010/main" xmlns="" w="9525">
                   <a:solidFill>
                     <a:srgbClr val="000000"/>
                   </a:solidFill>
@@ -3763,7 +3763,7 @@
             </a:ln>
             <a:extLst>
               <a:ext uri="{91240B29-F687-4f45-9708-019B960494DF}">
-                <a14:hiddenLine xmlns="" xmlns:a14="http://schemas.microsoft.com/office/drawing/2010/main" w="9525">
+                <a14:hiddenLine xmlns:a14="http://schemas.microsoft.com/office/drawing/2010/main" xmlns="" w="9525">
                   <a:solidFill>
                     <a:srgbClr val="000000"/>
                   </a:solidFill>
@@ -3853,7 +3853,7 @@
             </a:ln>
             <a:extLst>
               <a:ext uri="{91240B29-F687-4f45-9708-019B960494DF}">
-                <a14:hiddenLine xmlns="" xmlns:a14="http://schemas.microsoft.com/office/drawing/2010/main" w="9525">
+                <a14:hiddenLine xmlns:a14="http://schemas.microsoft.com/office/drawing/2010/main" xmlns="" w="9525">
                   <a:solidFill>
                     <a:srgbClr val="000000"/>
                   </a:solidFill>
@@ -3943,7 +3943,7 @@
             </a:ln>
             <a:extLst>
               <a:ext uri="{91240B29-F687-4f45-9708-019B960494DF}">
-                <a14:hiddenLine xmlns="" xmlns:a14="http://schemas.microsoft.com/office/drawing/2010/main" w="9525">
+                <a14:hiddenLine xmlns:a14="http://schemas.microsoft.com/office/drawing/2010/main" xmlns="" w="9525">
                   <a:solidFill>
                     <a:srgbClr val="000000"/>
                   </a:solidFill>
@@ -4005,7 +4005,7 @@
             </a:ln>
             <a:extLst>
               <a:ext uri="{91240B29-F687-4f45-9708-019B960494DF}">
-                <a14:hiddenLine xmlns="" xmlns:a14="http://schemas.microsoft.com/office/drawing/2010/main" w="9525">
+                <a14:hiddenLine xmlns:a14="http://schemas.microsoft.com/office/drawing/2010/main" xmlns="" w="9525">
                   <a:solidFill>
                     <a:srgbClr val="000000"/>
                   </a:solidFill>
@@ -4125,7 +4125,7 @@
             </a:ln>
             <a:extLst>
               <a:ext uri="{91240B29-F687-4f45-9708-019B960494DF}">
-                <a14:hiddenLine xmlns="" xmlns:a14="http://schemas.microsoft.com/office/drawing/2010/main" w="9525">
+                <a14:hiddenLine xmlns:a14="http://schemas.microsoft.com/office/drawing/2010/main" xmlns="" w="9525">
                   <a:solidFill>
                     <a:srgbClr val="000000"/>
                   </a:solidFill>
@@ -4193,7 +4193,7 @@
             </a:ln>
             <a:extLst>
               <a:ext uri="{91240B29-F687-4f45-9708-019B960494DF}">
-                <a14:hiddenLine xmlns="" xmlns:a14="http://schemas.microsoft.com/office/drawing/2010/main" w="9525">
+                <a14:hiddenLine xmlns:a14="http://schemas.microsoft.com/office/drawing/2010/main" xmlns="" w="9525">
                   <a:solidFill>
                     <a:srgbClr val="000000"/>
                   </a:solidFill>
@@ -4283,7 +4283,7 @@
             </a:ln>
             <a:extLst>
               <a:ext uri="{91240B29-F687-4f45-9708-019B960494DF}">
-                <a14:hiddenLine xmlns="" xmlns:a14="http://schemas.microsoft.com/office/drawing/2010/main" w="9525">
+                <a14:hiddenLine xmlns:a14="http://schemas.microsoft.com/office/drawing/2010/main" xmlns="" w="9525">
                   <a:solidFill>
                     <a:srgbClr val="000000"/>
                   </a:solidFill>
@@ -9097,7 +9097,7 @@
           <a:noFill/>
           <a:extLst>
             <a:ext uri="{909E8E84-426E-40dd-AFC4-6F175D3DCCD1}">
-              <a14:hiddenFill xmlns="" xmlns:a14="http://schemas.microsoft.com/office/drawing/2010/main">
+              <a14:hiddenFill xmlns:a14="http://schemas.microsoft.com/office/drawing/2010/main" xmlns="">
                 <a:solidFill>
                   <a:srgbClr val="FFFFFF"/>
                 </a:solidFill>
@@ -9171,7 +9171,7 @@
               </a:ln>
               <a:extLst>
                 <a:ext uri="{91240B29-F687-4f45-9708-019B960494DF}">
-                  <a14:hiddenLine xmlns="" xmlns:a14="http://schemas.microsoft.com/office/drawing/2010/main" w="9525">
+                  <a14:hiddenLine xmlns:a14="http://schemas.microsoft.com/office/drawing/2010/main" xmlns="" w="9525">
                     <a:solidFill>
                       <a:srgbClr val="000000"/>
                     </a:solidFill>
@@ -9261,7 +9261,7 @@
               </a:ln>
               <a:extLst>
                 <a:ext uri="{91240B29-F687-4f45-9708-019B960494DF}">
-                  <a14:hiddenLine xmlns="" xmlns:a14="http://schemas.microsoft.com/office/drawing/2010/main" w="9525">
+                  <a14:hiddenLine xmlns:a14="http://schemas.microsoft.com/office/drawing/2010/main" xmlns="" w="9525">
                     <a:solidFill>
                       <a:srgbClr val="000000"/>
                     </a:solidFill>
@@ -9351,7 +9351,7 @@
               </a:ln>
               <a:extLst>
                 <a:ext uri="{91240B29-F687-4f45-9708-019B960494DF}">
-                  <a14:hiddenLine xmlns="" xmlns:a14="http://schemas.microsoft.com/office/drawing/2010/main" w="9525">
+                  <a14:hiddenLine xmlns:a14="http://schemas.microsoft.com/office/drawing/2010/main" xmlns="" w="9525">
                     <a:solidFill>
                       <a:srgbClr val="000000"/>
                     </a:solidFill>
@@ -9413,7 +9413,7 @@
               </a:ln>
               <a:extLst>
                 <a:ext uri="{91240B29-F687-4f45-9708-019B960494DF}">
-                  <a14:hiddenLine xmlns="" xmlns:a14="http://schemas.microsoft.com/office/drawing/2010/main" w="9525">
+                  <a14:hiddenLine xmlns:a14="http://schemas.microsoft.com/office/drawing/2010/main" xmlns="" w="9525">
                     <a:solidFill>
                       <a:srgbClr val="000000"/>
                     </a:solidFill>
@@ -9503,7 +9503,7 @@
               </a:ln>
               <a:extLst>
                 <a:ext uri="{91240B29-F687-4f45-9708-019B960494DF}">
-                  <a14:hiddenLine xmlns="" xmlns:a14="http://schemas.microsoft.com/office/drawing/2010/main" w="9525">
+                  <a14:hiddenLine xmlns:a14="http://schemas.microsoft.com/office/drawing/2010/main" xmlns="" w="9525">
                     <a:solidFill>
                       <a:srgbClr val="000000"/>
                     </a:solidFill>
@@ -9565,7 +9565,7 @@
               </a:ln>
               <a:extLst>
                 <a:ext uri="{91240B29-F687-4f45-9708-019B960494DF}">
-                  <a14:hiddenLine xmlns="" xmlns:a14="http://schemas.microsoft.com/office/drawing/2010/main" w="9525">
+                  <a14:hiddenLine xmlns:a14="http://schemas.microsoft.com/office/drawing/2010/main" xmlns="" w="9525">
                     <a:solidFill>
                       <a:srgbClr val="000000"/>
                     </a:solidFill>
@@ -9627,7 +9627,7 @@
               </a:ln>
               <a:extLst>
                 <a:ext uri="{91240B29-F687-4f45-9708-019B960494DF}">
-                  <a14:hiddenLine xmlns="" xmlns:a14="http://schemas.microsoft.com/office/drawing/2010/main" w="9525">
+                  <a14:hiddenLine xmlns:a14="http://schemas.microsoft.com/office/drawing/2010/main" xmlns="" w="9525">
                     <a:solidFill>
                       <a:srgbClr val="000000"/>
                     </a:solidFill>
@@ -9717,7 +9717,7 @@
               </a:ln>
               <a:extLst>
                 <a:ext uri="{91240B29-F687-4f45-9708-019B960494DF}">
-                  <a14:hiddenLine xmlns="" xmlns:a14="http://schemas.microsoft.com/office/drawing/2010/main" w="9525">
+                  <a14:hiddenLine xmlns:a14="http://schemas.microsoft.com/office/drawing/2010/main" xmlns="" w="9525">
                     <a:solidFill>
                       <a:srgbClr val="000000"/>
                     </a:solidFill>
@@ -9807,7 +9807,7 @@
               </a:ln>
               <a:extLst>
                 <a:ext uri="{91240B29-F687-4f45-9708-019B960494DF}">
-                  <a14:hiddenLine xmlns="" xmlns:a14="http://schemas.microsoft.com/office/drawing/2010/main" w="9525">
+                  <a14:hiddenLine xmlns:a14="http://schemas.microsoft.com/office/drawing/2010/main" xmlns="" w="9525">
                     <a:solidFill>
                       <a:srgbClr val="000000"/>
                     </a:solidFill>
@@ -9869,7 +9869,7 @@
               </a:ln>
               <a:extLst>
                 <a:ext uri="{91240B29-F687-4f45-9708-019B960494DF}">
-                  <a14:hiddenLine xmlns="" xmlns:a14="http://schemas.microsoft.com/office/drawing/2010/main" w="9525">
+                  <a14:hiddenLine xmlns:a14="http://schemas.microsoft.com/office/drawing/2010/main" xmlns="" w="9525">
                     <a:solidFill>
                       <a:srgbClr val="000000"/>
                     </a:solidFill>
@@ -9979,7 +9979,7 @@
               </a:ln>
               <a:extLst>
                 <a:ext uri="{91240B29-F687-4f45-9708-019B960494DF}">
-                  <a14:hiddenLine xmlns="" xmlns:a14="http://schemas.microsoft.com/office/drawing/2010/main" w="9525">
+                  <a14:hiddenLine xmlns:a14="http://schemas.microsoft.com/office/drawing/2010/main" xmlns="" w="9525">
                     <a:solidFill>
                       <a:srgbClr val="000000"/>
                     </a:solidFill>
@@ -10063,7 +10063,7 @@
               </a:ln>
               <a:extLst>
                 <a:ext uri="{91240B29-F687-4f45-9708-019B960494DF}">
-                  <a14:hiddenLine xmlns="" xmlns:a14="http://schemas.microsoft.com/office/drawing/2010/main" w="9525">
+                  <a14:hiddenLine xmlns:a14="http://schemas.microsoft.com/office/drawing/2010/main" xmlns="" w="9525">
                     <a:solidFill>
                       <a:srgbClr val="000000"/>
                     </a:solidFill>
@@ -10125,7 +10125,7 @@
               </a:ln>
               <a:extLst>
                 <a:ext uri="{91240B29-F687-4f45-9708-019B960494DF}">
-                  <a14:hiddenLine xmlns="" xmlns:a14="http://schemas.microsoft.com/office/drawing/2010/main" w="9525">
+                  <a14:hiddenLine xmlns:a14="http://schemas.microsoft.com/office/drawing/2010/main" xmlns="" w="9525">
                     <a:solidFill>
                       <a:srgbClr val="000000"/>
                     </a:solidFill>
@@ -10187,7 +10187,7 @@
               </a:ln>
               <a:extLst>
                 <a:ext uri="{91240B29-F687-4f45-9708-019B960494DF}">
-                  <a14:hiddenLine xmlns="" xmlns:a14="http://schemas.microsoft.com/office/drawing/2010/main" w="9525">
+                  <a14:hiddenLine xmlns:a14="http://schemas.microsoft.com/office/drawing/2010/main" xmlns="" w="9525">
                     <a:solidFill>
                       <a:srgbClr val="000000"/>
                     </a:solidFill>
@@ -10277,7 +10277,7 @@
               </a:ln>
               <a:extLst>
                 <a:ext uri="{91240B29-F687-4f45-9708-019B960494DF}">
-                  <a14:hiddenLine xmlns="" xmlns:a14="http://schemas.microsoft.com/office/drawing/2010/main" w="9525">
+                  <a14:hiddenLine xmlns:a14="http://schemas.microsoft.com/office/drawing/2010/main" xmlns="" w="9525">
                     <a:solidFill>
                       <a:srgbClr val="000000"/>
                     </a:solidFill>
@@ -10311,7 +10311,7 @@
               </a:ln>
               <a:extLst>
                 <a:ext uri="{91240B29-F687-4f45-9708-019B960494DF}">
-                  <a14:hiddenLine xmlns="" xmlns:a14="http://schemas.microsoft.com/office/drawing/2010/main" w="9525">
+                  <a14:hiddenLine xmlns:a14="http://schemas.microsoft.com/office/drawing/2010/main" xmlns="" w="9525">
                     <a:solidFill>
                       <a:srgbClr val="000000"/>
                     </a:solidFill>
@@ -10376,7 +10376,7 @@
               </a:ln>
               <a:extLst>
                 <a:ext uri="{91240B29-F687-4f45-9708-019B960494DF}">
-                  <a14:hiddenLine xmlns="" xmlns:a14="http://schemas.microsoft.com/office/drawing/2010/main" w="9525">
+                  <a14:hiddenLine xmlns:a14="http://schemas.microsoft.com/office/drawing/2010/main" xmlns="" w="9525">
                     <a:solidFill>
                       <a:srgbClr val="000000"/>
                     </a:solidFill>
@@ -10466,7 +10466,7 @@
               </a:ln>
               <a:extLst>
                 <a:ext uri="{91240B29-F687-4f45-9708-019B960494DF}">
-                  <a14:hiddenLine xmlns="" xmlns:a14="http://schemas.microsoft.com/office/drawing/2010/main" w="9525">
+                  <a14:hiddenLine xmlns:a14="http://schemas.microsoft.com/office/drawing/2010/main" xmlns="" w="9525">
                     <a:solidFill>
                       <a:srgbClr val="000000"/>
                     </a:solidFill>
@@ -10528,7 +10528,7 @@
               </a:ln>
               <a:extLst>
                 <a:ext uri="{91240B29-F687-4f45-9708-019B960494DF}">
-                  <a14:hiddenLine xmlns="" xmlns:a14="http://schemas.microsoft.com/office/drawing/2010/main" w="9525">
+                  <a14:hiddenLine xmlns:a14="http://schemas.microsoft.com/office/drawing/2010/main" xmlns="" w="9525">
                     <a:solidFill>
                       <a:srgbClr val="000000"/>
                     </a:solidFill>
@@ -10618,7 +10618,7 @@
               </a:ln>
               <a:extLst>
                 <a:ext uri="{91240B29-F687-4f45-9708-019B960494DF}">
-                  <a14:hiddenLine xmlns="" xmlns:a14="http://schemas.microsoft.com/office/drawing/2010/main" w="9525">
+                  <a14:hiddenLine xmlns:a14="http://schemas.microsoft.com/office/drawing/2010/main" xmlns="" w="9525">
                     <a:solidFill>
                       <a:srgbClr val="000000"/>
                     </a:solidFill>
@@ -10683,7 +10683,7 @@
               </a:ln>
               <a:extLst>
                 <a:ext uri="{91240B29-F687-4f45-9708-019B960494DF}">
-                  <a14:hiddenLine xmlns="" xmlns:a14="http://schemas.microsoft.com/office/drawing/2010/main" w="9525">
+                  <a14:hiddenLine xmlns:a14="http://schemas.microsoft.com/office/drawing/2010/main" xmlns="" w="9525">
                     <a:solidFill>
                       <a:srgbClr val="000000"/>
                     </a:solidFill>
@@ -10745,7 +10745,7 @@
               </a:ln>
               <a:extLst>
                 <a:ext uri="{91240B29-F687-4f45-9708-019B960494DF}">
-                  <a14:hiddenLine xmlns="" xmlns:a14="http://schemas.microsoft.com/office/drawing/2010/main" w="9525">
+                  <a14:hiddenLine xmlns:a14="http://schemas.microsoft.com/office/drawing/2010/main" xmlns="" w="9525">
                     <a:solidFill>
                       <a:srgbClr val="000000"/>
                     </a:solidFill>
@@ -10835,7 +10835,7 @@
               </a:ln>
               <a:extLst>
                 <a:ext uri="{91240B29-F687-4f45-9708-019B960494DF}">
-                  <a14:hiddenLine xmlns="" xmlns:a14="http://schemas.microsoft.com/office/drawing/2010/main" w="9525">
+                  <a14:hiddenLine xmlns:a14="http://schemas.microsoft.com/office/drawing/2010/main" xmlns="" w="9525">
                     <a:solidFill>
                       <a:srgbClr val="000000"/>
                     </a:solidFill>
@@ -10925,7 +10925,7 @@
               </a:ln>
               <a:extLst>
                 <a:ext uri="{91240B29-F687-4f45-9708-019B960494DF}">
-                  <a14:hiddenLine xmlns="" xmlns:a14="http://schemas.microsoft.com/office/drawing/2010/main" w="9525">
+                  <a14:hiddenLine xmlns:a14="http://schemas.microsoft.com/office/drawing/2010/main" xmlns="" w="9525">
                     <a:solidFill>
                       <a:srgbClr val="000000"/>
                     </a:solidFill>
@@ -10990,7 +10990,7 @@
               </a:ln>
               <a:extLst>
                 <a:ext uri="{91240B29-F687-4f45-9708-019B960494DF}">
-                  <a14:hiddenLine xmlns="" xmlns:a14="http://schemas.microsoft.com/office/drawing/2010/main" w="9525">
+                  <a14:hiddenLine xmlns:a14="http://schemas.microsoft.com/office/drawing/2010/main" xmlns="" w="9525">
                     <a:solidFill>
                       <a:srgbClr val="000000"/>
                     </a:solidFill>
@@ -11110,7 +11110,7 @@
               </a:ln>
               <a:extLst>
                 <a:ext uri="{91240B29-F687-4f45-9708-019B960494DF}">
-                  <a14:hiddenLine xmlns="" xmlns:a14="http://schemas.microsoft.com/office/drawing/2010/main" w="9525">
+                  <a14:hiddenLine xmlns:a14="http://schemas.microsoft.com/office/drawing/2010/main" xmlns="" w="9525">
                     <a:solidFill>
                       <a:srgbClr val="000000"/>
                     </a:solidFill>
@@ -11191,7 +11191,7 @@
               </a:ln>
               <a:extLst>
                 <a:ext uri="{91240B29-F687-4f45-9708-019B960494DF}">
-                  <a14:hiddenLine xmlns="" xmlns:a14="http://schemas.microsoft.com/office/drawing/2010/main" w="9525">
+                  <a14:hiddenLine xmlns:a14="http://schemas.microsoft.com/office/drawing/2010/main" xmlns="" w="9525">
                     <a:solidFill>
                       <a:srgbClr val="000000"/>
                     </a:solidFill>
@@ -11306,7 +11306,7 @@
               </a:ln>
               <a:extLst>
                 <a:ext uri="{91240B29-F687-4f45-9708-019B960494DF}">
-                  <a14:hiddenLine xmlns="" xmlns:a14="http://schemas.microsoft.com/office/drawing/2010/main" w="9525">
+                  <a14:hiddenLine xmlns:a14="http://schemas.microsoft.com/office/drawing/2010/main" xmlns="" w="9525">
                     <a:solidFill>
                       <a:srgbClr val="000000"/>
                     </a:solidFill>
@@ -11396,7 +11396,7 @@
               </a:ln>
               <a:extLst>
                 <a:ext uri="{91240B29-F687-4f45-9708-019B960494DF}">
-                  <a14:hiddenLine xmlns="" xmlns:a14="http://schemas.microsoft.com/office/drawing/2010/main" w="9525">
+                  <a14:hiddenLine xmlns:a14="http://schemas.microsoft.com/office/drawing/2010/main" xmlns="" w="9525">
                     <a:solidFill>
                       <a:srgbClr val="000000"/>
                     </a:solidFill>
@@ -11461,7 +11461,7 @@
               </a:ln>
               <a:extLst>
                 <a:ext uri="{91240B29-F687-4f45-9708-019B960494DF}">
-                  <a14:hiddenLine xmlns="" xmlns:a14="http://schemas.microsoft.com/office/drawing/2010/main" w="9525">
+                  <a14:hiddenLine xmlns:a14="http://schemas.microsoft.com/office/drawing/2010/main" xmlns="" w="9525">
                     <a:solidFill>
                       <a:srgbClr val="000000"/>
                     </a:solidFill>
@@ -11551,7 +11551,7 @@
               </a:ln>
               <a:extLst>
                 <a:ext uri="{91240B29-F687-4f45-9708-019B960494DF}">
-                  <a14:hiddenLine xmlns="" xmlns:a14="http://schemas.microsoft.com/office/drawing/2010/main" w="9525">
+                  <a14:hiddenLine xmlns:a14="http://schemas.microsoft.com/office/drawing/2010/main" xmlns="" w="9525">
                     <a:solidFill>
                       <a:srgbClr val="000000"/>
                     </a:solidFill>
@@ -11619,7 +11619,7 @@
               </a:ln>
               <a:extLst>
                 <a:ext uri="{91240B29-F687-4f45-9708-019B960494DF}">
-                  <a14:hiddenLine xmlns="" xmlns:a14="http://schemas.microsoft.com/office/drawing/2010/main" w="9525">
+                  <a14:hiddenLine xmlns:a14="http://schemas.microsoft.com/office/drawing/2010/main" xmlns="" w="9525">
                     <a:solidFill>
                       <a:srgbClr val="000000"/>
                     </a:solidFill>
@@ -11709,7 +11709,7 @@
               </a:ln>
               <a:extLst>
                 <a:ext uri="{91240B29-F687-4f45-9708-019B960494DF}">
-                  <a14:hiddenLine xmlns="" xmlns:a14="http://schemas.microsoft.com/office/drawing/2010/main" w="9525">
+                  <a14:hiddenLine xmlns:a14="http://schemas.microsoft.com/office/drawing/2010/main" xmlns="" w="9525">
                     <a:solidFill>
                       <a:srgbClr val="000000"/>
                     </a:solidFill>
@@ -11777,7 +11777,7 @@
               </a:ln>
               <a:extLst>
                 <a:ext uri="{91240B29-F687-4f45-9708-019B960494DF}">
-                  <a14:hiddenLine xmlns="" xmlns:a14="http://schemas.microsoft.com/office/drawing/2010/main" w="9525">
+                  <a14:hiddenLine xmlns:a14="http://schemas.microsoft.com/office/drawing/2010/main" xmlns="" w="9525">
                     <a:solidFill>
                       <a:srgbClr val="000000"/>
                     </a:solidFill>
@@ -11867,7 +11867,7 @@
               </a:ln>
               <a:extLst>
                 <a:ext uri="{91240B29-F687-4f45-9708-019B960494DF}">
-                  <a14:hiddenLine xmlns="" xmlns:a14="http://schemas.microsoft.com/office/drawing/2010/main" w="9525">
+                  <a14:hiddenLine xmlns:a14="http://schemas.microsoft.com/office/drawing/2010/main" xmlns="" w="9525">
                     <a:solidFill>
                       <a:srgbClr val="000000"/>
                     </a:solidFill>
@@ -11901,7 +11901,7 @@
               </a:ln>
               <a:extLst>
                 <a:ext uri="{91240B29-F687-4f45-9708-019B960494DF}">
-                  <a14:hiddenLine xmlns="" xmlns:a14="http://schemas.microsoft.com/office/drawing/2010/main" w="9525">
+                  <a14:hiddenLine xmlns:a14="http://schemas.microsoft.com/office/drawing/2010/main" xmlns="" w="9525">
                     <a:solidFill>
                       <a:srgbClr val="000000"/>
                     </a:solidFill>
@@ -15975,6 +15975,45 @@
           <a:chExt cx="0" cy="0"/>
         </a:xfrm>
       </p:grpSpPr>
+      <p:pic>
+        <p:nvPicPr>
+          <p:cNvPr id="3" name="Grafik 2">
+            <a:extLst>
+              <a:ext uri="{FF2B5EF4-FFF2-40B4-BE49-F238E27FC236}">
+                <a16:creationId xmlns:a16="http://schemas.microsoft.com/office/drawing/2014/main" id="{B0661778-074D-4084-8DA9-B823BD06B557}"/>
+              </a:ext>
+            </a:extLst>
+          </p:cNvPr>
+          <p:cNvPicPr>
+            <a:picLocks noChangeAspect="1"/>
+          </p:cNvPicPr>
+          <p:nvPr/>
+        </p:nvPicPr>
+        <p:blipFill>
+          <a:blip r:embed="rId2">
+            <a:extLst>
+              <a:ext uri="{28A0092B-C50C-407E-A947-70E740481C1C}">
+                <a14:useLocalDpi xmlns:a14="http://schemas.microsoft.com/office/drawing/2010/main" val="0"/>
+              </a:ext>
+              <a:ext uri="{96DAC541-7B7A-43D3-8B79-37D633B846F1}">
+                <asvg:svgBlip xmlns:asvg="http://schemas.microsoft.com/office/drawing/2016/SVG/main" r:embed="rId3"/>
+              </a:ext>
+            </a:extLst>
+          </a:blip>
+          <a:stretch>
+            <a:fillRect/>
+          </a:stretch>
+        </p:blipFill>
+        <p:spPr>
+          <a:xfrm>
+            <a:off x="2667000" y="0"/>
+            <a:ext cx="6858000" cy="6858000"/>
+          </a:xfrm>
+          <a:prstGeom prst="rect">
+            <a:avLst/>
+          </a:prstGeom>
+        </p:spPr>
+      </p:pic>
     </p:spTree>
     <p:extLst>
       <p:ext uri="{BB962C8B-B14F-4D97-AF65-F5344CB8AC3E}">
